--- a/Manual/PlayerControlForBIGTET_QuickReference_v0.3.1.pptx
+++ b/Manual/PlayerControlForBIGTET_QuickReference_v0.3.1.pptx
@@ -6,6 +6,7 @@
   </p:sldMasterIdLst>
   <p:sldIdLst>
     <p:sldId id="256" r:id="rId2"/>
+    <p:sldId id="257" r:id="rId3"/>
   </p:sldIdLst>
   <p:sldSz cx="7559675" cy="5327650"/>
   <p:notesSz cx="4657725" cy="6888163"/>
@@ -7115,6 +7116,1073 @@
 </p:sld>
 </file>
 
+<file path=ppt/slides/slide2.xml><?xml version="1.0" encoding="utf-8"?>
+<p:sld xmlns:a="http://schemas.openxmlformats.org/drawingml/2006/main" xmlns:r="http://schemas.openxmlformats.org/officeDocument/2006/relationships" xmlns:p="http://schemas.openxmlformats.org/presentationml/2006/main">
+  <p:cSld>
+    <p:spTree>
+      <p:nvGrpSpPr>
+        <p:cNvPr id="1" name=""/>
+        <p:cNvGrpSpPr/>
+        <p:nvPr/>
+      </p:nvGrpSpPr>
+      <p:grpSpPr>
+        <a:xfrm>
+          <a:off x="0" y="0"/>
+          <a:ext cx="0" cy="0"/>
+          <a:chOff x="0" y="0"/>
+          <a:chExt cx="0" cy="0"/>
+        </a:xfrm>
+      </p:grpSpPr>
+      <p:grpSp>
+        <p:nvGrpSpPr>
+          <p:cNvPr id="6" name="グループ化 5">
+            <a:extLst>
+              <a:ext uri="{FF2B5EF4-FFF2-40B4-BE49-F238E27FC236}">
+                <a16:creationId xmlns:a16="http://schemas.microsoft.com/office/drawing/2014/main" id="{2231D074-D1BD-79FD-D397-AE452A83B68A}"/>
+              </a:ext>
+            </a:extLst>
+          </p:cNvPr>
+          <p:cNvGrpSpPr/>
+          <p:nvPr/>
+        </p:nvGrpSpPr>
+        <p:grpSpPr>
+          <a:xfrm>
+            <a:off x="-1" y="-3810"/>
+            <a:ext cx="7559675" cy="366899"/>
+            <a:chOff x="-1" y="24393"/>
+            <a:chExt cx="7559675" cy="366899"/>
+          </a:xfrm>
+        </p:grpSpPr>
+        <p:sp>
+          <p:nvSpPr>
+            <p:cNvPr id="7" name="正方形/長方形 6">
+              <a:extLst>
+                <a:ext uri="{FF2B5EF4-FFF2-40B4-BE49-F238E27FC236}">
+                  <a16:creationId xmlns:a16="http://schemas.microsoft.com/office/drawing/2014/main" id="{BC5DAFA3-261C-A301-8BEB-5EC70E05A4FC}"/>
+                </a:ext>
+              </a:extLst>
+            </p:cNvPr>
+            <p:cNvSpPr/>
+            <p:nvPr/>
+          </p:nvSpPr>
+          <p:spPr>
+            <a:xfrm>
+              <a:off x="-1" y="24393"/>
+              <a:ext cx="7559675" cy="366899"/>
+            </a:xfrm>
+            <a:prstGeom prst="rect">
+              <a:avLst/>
+            </a:prstGeom>
+            <a:solidFill>
+              <a:schemeClr val="accent1">
+                <a:lumMod val="75000"/>
+              </a:schemeClr>
+            </a:solidFill>
+            <a:ln>
+              <a:noFill/>
+            </a:ln>
+          </p:spPr>
+          <p:style>
+            <a:lnRef idx="2">
+              <a:schemeClr val="accent1">
+                <a:shade val="50000"/>
+              </a:schemeClr>
+            </a:lnRef>
+            <a:fillRef idx="1">
+              <a:schemeClr val="accent1"/>
+            </a:fillRef>
+            <a:effectRef idx="0">
+              <a:schemeClr val="accent1"/>
+            </a:effectRef>
+            <a:fontRef idx="minor">
+              <a:schemeClr val="lt1"/>
+            </a:fontRef>
+          </p:style>
+          <p:txBody>
+            <a:bodyPr rtlCol="0" anchor="ctr"/>
+            <a:lstStyle/>
+            <a:p>
+              <a:pPr algn="ctr"/>
+              <a:endParaRPr kumimoji="1" lang="ja-JP" altLang="en-US" sz="2554"/>
+            </a:p>
+          </p:txBody>
+        </p:sp>
+        <p:sp>
+          <p:nvSpPr>
+            <p:cNvPr id="8" name="テキスト ボックス 7">
+              <a:extLst>
+                <a:ext uri="{FF2B5EF4-FFF2-40B4-BE49-F238E27FC236}">
+                  <a16:creationId xmlns:a16="http://schemas.microsoft.com/office/drawing/2014/main" id="{49BA7313-B466-9813-727C-360D28DC2C50}"/>
+                </a:ext>
+              </a:extLst>
+            </p:cNvPr>
+            <p:cNvSpPr txBox="1"/>
+            <p:nvPr/>
+          </p:nvSpPr>
+          <p:spPr>
+            <a:xfrm>
+              <a:off x="338316" y="71623"/>
+              <a:ext cx="7153980" cy="272439"/>
+            </a:xfrm>
+            <a:prstGeom prst="rect">
+              <a:avLst/>
+            </a:prstGeom>
+            <a:noFill/>
+          </p:spPr>
+          <p:txBody>
+            <a:bodyPr wrap="square" lIns="0" tIns="51082" rIns="0" bIns="51082" rtlCol="0">
+              <a:spAutoFit/>
+            </a:bodyPr>
+            <a:lstStyle/>
+            <a:p>
+              <a:r>
+                <a:rPr kumimoji="1" lang="ja-JP" altLang="en-US" sz="1100" b="1" dirty="0">
+                  <a:solidFill>
+                    <a:schemeClr val="bg1"/>
+                  </a:solidFill>
+                  <a:latin typeface="MigMix 2P" panose="020B0503020203020204" pitchFamily="50" charset="-128"/>
+                  <a:ea typeface="MigMix 2P" panose="020B0503020203020204" pitchFamily="50" charset="-128"/>
+                  <a:cs typeface="MigMix 2P" panose="020B0503020203020204" pitchFamily="50" charset="-128"/>
+                </a:rPr>
+                <a:t>セットアップ方法</a:t>
+              </a:r>
+            </a:p>
+          </p:txBody>
+        </p:sp>
+        <p:pic>
+          <p:nvPicPr>
+            <p:cNvPr id="9" name="図 8">
+              <a:extLst>
+                <a:ext uri="{FF2B5EF4-FFF2-40B4-BE49-F238E27FC236}">
+                  <a16:creationId xmlns:a16="http://schemas.microsoft.com/office/drawing/2014/main" id="{AD1BB06E-7863-724B-F534-5D787547A58A}"/>
+                </a:ext>
+              </a:extLst>
+            </p:cNvPr>
+            <p:cNvPicPr>
+              <a:picLocks noChangeAspect="1"/>
+            </p:cNvPicPr>
+            <p:nvPr/>
+          </p:nvPicPr>
+          <p:blipFill>
+            <a:blip r:embed="rId2">
+              <a:extLst>
+                <a:ext uri="{28A0092B-C50C-407E-A947-70E740481C1C}">
+                  <a14:useLocalDpi xmlns:a14="http://schemas.microsoft.com/office/drawing/2010/main" val="0"/>
+                </a:ext>
+              </a:extLst>
+            </a:blip>
+            <a:stretch>
+              <a:fillRect/>
+            </a:stretch>
+          </p:blipFill>
+          <p:spPr>
+            <a:xfrm>
+              <a:off x="67379" y="106629"/>
+              <a:ext cx="203557" cy="203557"/>
+            </a:xfrm>
+            <a:prstGeom prst="rect">
+              <a:avLst/>
+            </a:prstGeom>
+          </p:spPr>
+        </p:pic>
+      </p:grpSp>
+      <p:sp>
+        <p:nvSpPr>
+          <p:cNvPr id="16" name="テキスト ボックス 15">
+            <a:extLst>
+              <a:ext uri="{FF2B5EF4-FFF2-40B4-BE49-F238E27FC236}">
+                <a16:creationId xmlns:a16="http://schemas.microsoft.com/office/drawing/2014/main" id="{03A1E9B2-A57C-AA9A-D82C-CC5A6B8C0B4A}"/>
+              </a:ext>
+            </a:extLst>
+          </p:cNvPr>
+          <p:cNvSpPr txBox="1"/>
+          <p:nvPr/>
+        </p:nvSpPr>
+        <p:spPr>
+          <a:xfrm>
+            <a:off x="165260" y="1147116"/>
+            <a:ext cx="4638515" cy="1640825"/>
+          </a:xfrm>
+          <a:prstGeom prst="rect">
+            <a:avLst/>
+          </a:prstGeom>
+          <a:noFill/>
+        </p:spPr>
+        <p:txBody>
+          <a:bodyPr vert="horz" wrap="square" lIns="0" tIns="36000" rIns="36000" bIns="36000" rtlCol="0">
+            <a:spAutoFit/>
+          </a:bodyPr>
+          <a:lstStyle/>
+          <a:p>
+            <a:pPr marL="252000" indent="-252000">
+              <a:lnSpc>
+                <a:spcPts val="1500"/>
+              </a:lnSpc>
+              <a:spcAft>
+                <a:spcPts val="1200"/>
+              </a:spcAft>
+              <a:buFont typeface="+mj-lt"/>
+              <a:buAutoNum type="arabicPeriod"/>
+            </a:pPr>
+            <a:r>
+              <a:rPr kumimoji="1" lang="en-US" altLang="ja-JP" sz="1100" dirty="0">
+                <a:solidFill>
+                  <a:schemeClr val="bg1">
+                    <a:lumMod val="50000"/>
+                  </a:schemeClr>
+                </a:solidFill>
+                <a:latin typeface="MigMix 2P" panose="020B0503020203020204" pitchFamily="50" charset="-128"/>
+                <a:ea typeface="MigMix 2P" panose="020B0503020203020204" pitchFamily="50" charset="-128"/>
+                <a:cs typeface="MigMix 2P" panose="020B0503020203020204" pitchFamily="50" charset="-128"/>
+              </a:rPr>
+              <a:t>ZIP</a:t>
+            </a:r>
+            <a:r>
+              <a:rPr kumimoji="1" lang="ja-JP" altLang="en-US" sz="1100" dirty="0">
+                <a:solidFill>
+                  <a:schemeClr val="bg1">
+                    <a:lumMod val="50000"/>
+                  </a:schemeClr>
+                </a:solidFill>
+                <a:latin typeface="MigMix 2P" panose="020B0503020203020204" pitchFamily="50" charset="-128"/>
+                <a:ea typeface="MigMix 2P" panose="020B0503020203020204" pitchFamily="50" charset="-128"/>
+                <a:cs typeface="MigMix 2P" panose="020B0503020203020204" pitchFamily="50" charset="-128"/>
+              </a:rPr>
+              <a:t>ファイルを展開 → </a:t>
+            </a:r>
+            <a:r>
+              <a:rPr kumimoji="1" lang="en-US" altLang="ja-JP" sz="1100" b="1" dirty="0">
+                <a:solidFill>
+                  <a:schemeClr val="accent1"/>
+                </a:solidFill>
+                <a:latin typeface="MigMix 2P" panose="020B0503020203020204" pitchFamily="50" charset="-128"/>
+                <a:ea typeface="MigMix 2P" panose="020B0503020203020204" pitchFamily="50" charset="-128"/>
+                <a:cs typeface="MigMix 2P" panose="020B0503020203020204" pitchFamily="50" charset="-128"/>
+              </a:rPr>
+              <a:t>[</a:t>
+            </a:r>
+            <a:r>
+              <a:rPr kumimoji="1" lang="en-US" altLang="ja-JP" sz="1100" b="1" dirty="0" err="1">
+                <a:solidFill>
+                  <a:schemeClr val="accent1"/>
+                </a:solidFill>
+                <a:latin typeface="MigMix 2P" panose="020B0503020203020204" pitchFamily="50" charset="-128"/>
+                <a:ea typeface="MigMix 2P" panose="020B0503020203020204" pitchFamily="50" charset="-128"/>
+                <a:cs typeface="MigMix 2P" panose="020B0503020203020204" pitchFamily="50" charset="-128"/>
+              </a:rPr>
+              <a:t>PlayerControl</a:t>
+            </a:r>
+            <a:r>
+              <a:rPr kumimoji="1" lang="en-US" altLang="ja-JP" sz="1100" b="1" dirty="0">
+                <a:solidFill>
+                  <a:schemeClr val="accent1"/>
+                </a:solidFill>
+                <a:latin typeface="MigMix 2P" panose="020B0503020203020204" pitchFamily="50" charset="-128"/>
+                <a:ea typeface="MigMix 2P" panose="020B0503020203020204" pitchFamily="50" charset="-128"/>
+                <a:cs typeface="MigMix 2P" panose="020B0503020203020204" pitchFamily="50" charset="-128"/>
+              </a:rPr>
+              <a:t>]</a:t>
+            </a:r>
+            <a:r>
+              <a:rPr kumimoji="1" lang="ja-JP" altLang="en-US" sz="1100" dirty="0">
+                <a:solidFill>
+                  <a:schemeClr val="bg1">
+                    <a:lumMod val="50000"/>
+                  </a:schemeClr>
+                </a:solidFill>
+                <a:latin typeface="MigMix 2P" panose="020B0503020203020204" pitchFamily="50" charset="-128"/>
+                <a:ea typeface="MigMix 2P" panose="020B0503020203020204" pitchFamily="50" charset="-128"/>
+                <a:cs typeface="MigMix 2P" panose="020B0503020203020204" pitchFamily="50" charset="-128"/>
+              </a:rPr>
+              <a:t>フォルダ作成</a:t>
+            </a:r>
+            <a:endParaRPr kumimoji="1" lang="en-US" altLang="ja-JP" sz="1100" dirty="0">
+              <a:solidFill>
+                <a:schemeClr val="bg1">
+                  <a:lumMod val="50000"/>
+                </a:schemeClr>
+              </a:solidFill>
+              <a:latin typeface="MigMix 2P" panose="020B0503020203020204" pitchFamily="50" charset="-128"/>
+              <a:ea typeface="MigMix 2P" panose="020B0503020203020204" pitchFamily="50" charset="-128"/>
+              <a:cs typeface="MigMix 2P" panose="020B0503020203020204" pitchFamily="50" charset="-128"/>
+            </a:endParaRPr>
+          </a:p>
+          <a:p>
+            <a:pPr marL="252000" indent="-252000">
+              <a:lnSpc>
+                <a:spcPts val="1500"/>
+              </a:lnSpc>
+              <a:spcAft>
+                <a:spcPts val="1200"/>
+              </a:spcAft>
+              <a:buFont typeface="+mj-lt"/>
+              <a:buAutoNum type="arabicPeriod"/>
+            </a:pPr>
+            <a:r>
+              <a:rPr kumimoji="1" lang="ja-JP" altLang="en-US" sz="1100" dirty="0">
+                <a:solidFill>
+                  <a:schemeClr val="bg1">
+                    <a:lumMod val="50000"/>
+                  </a:schemeClr>
+                </a:solidFill>
+                <a:latin typeface="MigMix 2P" panose="020B0503020203020204" pitchFamily="50" charset="-128"/>
+                <a:ea typeface="MigMix 2P" panose="020B0503020203020204" pitchFamily="50" charset="-128"/>
+                <a:cs typeface="MigMix 2P" panose="020B0503020203020204" pitchFamily="50" charset="-128"/>
+              </a:rPr>
+              <a:t>テンプレートフォルダ内に </a:t>
+            </a:r>
+            <a:r>
+              <a:rPr kumimoji="1" lang="en-US" altLang="ja-JP" sz="1100" b="1" dirty="0">
+                <a:solidFill>
+                  <a:schemeClr val="accent1"/>
+                </a:solidFill>
+                <a:latin typeface="MigMix 2P" panose="020B0503020203020204" pitchFamily="50" charset="-128"/>
+                <a:ea typeface="MigMix 2P" panose="020B0503020203020204" pitchFamily="50" charset="-128"/>
+                <a:cs typeface="MigMix 2P" panose="020B0503020203020204" pitchFamily="50" charset="-128"/>
+              </a:rPr>
+              <a:t>[</a:t>
+            </a:r>
+            <a:r>
+              <a:rPr kumimoji="1" lang="en-US" altLang="ja-JP" sz="1100" b="1" dirty="0" err="1">
+                <a:solidFill>
+                  <a:schemeClr val="accent1"/>
+                </a:solidFill>
+                <a:latin typeface="MigMix 2P" panose="020B0503020203020204" pitchFamily="50" charset="-128"/>
+                <a:ea typeface="MigMix 2P" panose="020B0503020203020204" pitchFamily="50" charset="-128"/>
+                <a:cs typeface="MigMix 2P" panose="020B0503020203020204" pitchFamily="50" charset="-128"/>
+              </a:rPr>
+              <a:t>PlayerControl</a:t>
+            </a:r>
+            <a:r>
+              <a:rPr kumimoji="1" lang="en-US" altLang="ja-JP" sz="1100" b="1" dirty="0">
+                <a:solidFill>
+                  <a:schemeClr val="accent1"/>
+                </a:solidFill>
+                <a:latin typeface="MigMix 2P" panose="020B0503020203020204" pitchFamily="50" charset="-128"/>
+                <a:ea typeface="MigMix 2P" panose="020B0503020203020204" pitchFamily="50" charset="-128"/>
+                <a:cs typeface="MigMix 2P" panose="020B0503020203020204" pitchFamily="50" charset="-128"/>
+              </a:rPr>
+              <a:t>] </a:t>
+            </a:r>
+            <a:r>
+              <a:rPr kumimoji="1" lang="ja-JP" altLang="en-US" sz="1100" dirty="0">
+                <a:solidFill>
+                  <a:schemeClr val="bg1">
+                    <a:lumMod val="50000"/>
+                  </a:schemeClr>
+                </a:solidFill>
+                <a:latin typeface="MigMix 2P" panose="020B0503020203020204" pitchFamily="50" charset="-128"/>
+                <a:ea typeface="MigMix 2P" panose="020B0503020203020204" pitchFamily="50" charset="-128"/>
+                <a:cs typeface="MigMix 2P" panose="020B0503020203020204" pitchFamily="50" charset="-128"/>
+              </a:rPr>
+              <a:t>フォルダをコピー</a:t>
+            </a:r>
+            <a:endParaRPr kumimoji="1" lang="en-US" altLang="ja-JP" sz="1100" dirty="0">
+              <a:solidFill>
+                <a:schemeClr val="bg1">
+                  <a:lumMod val="50000"/>
+                </a:schemeClr>
+              </a:solidFill>
+              <a:latin typeface="MigMix 2P" panose="020B0503020203020204" pitchFamily="50" charset="-128"/>
+              <a:ea typeface="MigMix 2P" panose="020B0503020203020204" pitchFamily="50" charset="-128"/>
+              <a:cs typeface="MigMix 2P" panose="020B0503020203020204" pitchFamily="50" charset="-128"/>
+            </a:endParaRPr>
+          </a:p>
+          <a:p>
+            <a:pPr marL="360000" lvl="1" indent="-180000">
+              <a:lnSpc>
+                <a:spcPts val="1500"/>
+              </a:lnSpc>
+              <a:spcAft>
+                <a:spcPts val="1200"/>
+              </a:spcAft>
+              <a:buFont typeface="Wingdings" panose="05000000000000000000" pitchFamily="2" charset="2"/>
+              <a:buChar char="l"/>
+            </a:pPr>
+            <a:r>
+              <a:rPr kumimoji="1" lang="en-US" altLang="ja-JP" sz="1100" dirty="0">
+                <a:solidFill>
+                  <a:schemeClr val="bg1">
+                    <a:lumMod val="50000"/>
+                  </a:schemeClr>
+                </a:solidFill>
+                <a:latin typeface="MigMix 2P" panose="020B0503020203020204" pitchFamily="50" charset="-128"/>
+                <a:ea typeface="MigMix 2P" panose="020B0503020203020204" pitchFamily="50" charset="-128"/>
+                <a:cs typeface="MigMix 2P" panose="020B0503020203020204" pitchFamily="50" charset="-128"/>
+              </a:rPr>
+              <a:t>[</a:t>
+            </a:r>
+            <a:r>
+              <a:rPr kumimoji="1" lang="en-US" altLang="ja-JP" sz="1100" dirty="0" err="1">
+                <a:solidFill>
+                  <a:schemeClr val="bg1">
+                    <a:lumMod val="50000"/>
+                  </a:schemeClr>
+                </a:solidFill>
+                <a:latin typeface="MigMix 2P" panose="020B0503020203020204" pitchFamily="50" charset="-128"/>
+                <a:ea typeface="MigMix 2P" panose="020B0503020203020204" pitchFamily="50" charset="-128"/>
+                <a:cs typeface="MigMix 2P" panose="020B0503020203020204" pitchFamily="50" charset="-128"/>
+              </a:rPr>
+              <a:t>StreamControl</a:t>
+            </a:r>
+            <a:r>
+              <a:rPr kumimoji="1" lang="en-US" altLang="ja-JP" sz="1100" dirty="0">
+                <a:solidFill>
+                  <a:schemeClr val="bg1">
+                    <a:lumMod val="50000"/>
+                  </a:schemeClr>
+                </a:solidFill>
+                <a:latin typeface="MigMix 2P" panose="020B0503020203020204" pitchFamily="50" charset="-128"/>
+                <a:ea typeface="MigMix 2P" panose="020B0503020203020204" pitchFamily="50" charset="-128"/>
+                <a:cs typeface="MigMix 2P" panose="020B0503020203020204" pitchFamily="50" charset="-128"/>
+              </a:rPr>
+              <a:t>] </a:t>
+            </a:r>
+            <a:r>
+              <a:rPr kumimoji="1" lang="ja-JP" altLang="en-US" sz="1100" dirty="0">
+                <a:solidFill>
+                  <a:schemeClr val="bg1">
+                    <a:lumMod val="50000"/>
+                  </a:schemeClr>
+                </a:solidFill>
+                <a:latin typeface="MigMix 2P" panose="020B0503020203020204" pitchFamily="50" charset="-128"/>
+                <a:ea typeface="MigMix 2P" panose="020B0503020203020204" pitchFamily="50" charset="-128"/>
+                <a:cs typeface="MigMix 2P" panose="020B0503020203020204" pitchFamily="50" charset="-128"/>
+              </a:rPr>
+              <a:t>フォルダと同じ階層に配置</a:t>
+            </a:r>
+            <a:endParaRPr kumimoji="1" lang="en-US" altLang="ja-JP" sz="1100" dirty="0">
+              <a:solidFill>
+                <a:schemeClr val="bg1">
+                  <a:lumMod val="50000"/>
+                </a:schemeClr>
+              </a:solidFill>
+              <a:latin typeface="MigMix 2P" panose="020B0503020203020204" pitchFamily="50" charset="-128"/>
+              <a:ea typeface="MigMix 2P" panose="020B0503020203020204" pitchFamily="50" charset="-128"/>
+              <a:cs typeface="MigMix 2P" panose="020B0503020203020204" pitchFamily="50" charset="-128"/>
+            </a:endParaRPr>
+          </a:p>
+          <a:p>
+            <a:pPr marL="228600" indent="-228600">
+              <a:lnSpc>
+                <a:spcPts val="1500"/>
+              </a:lnSpc>
+              <a:spcAft>
+                <a:spcPts val="1200"/>
+              </a:spcAft>
+              <a:buFont typeface="+mj-lt"/>
+              <a:buAutoNum type="arabicPeriod"/>
+            </a:pPr>
+            <a:r>
+              <a:rPr kumimoji="1" lang="ja-JP" altLang="en-US" sz="1100" dirty="0">
+                <a:solidFill>
+                  <a:schemeClr val="bg1">
+                    <a:lumMod val="50000"/>
+                  </a:schemeClr>
+                </a:solidFill>
+                <a:latin typeface="MigMix 2P" panose="020B0503020203020204" pitchFamily="50" charset="-128"/>
+                <a:ea typeface="MigMix 2P" panose="020B0503020203020204" pitchFamily="50" charset="-128"/>
+                <a:cs typeface="MigMix 2P" panose="020B0503020203020204" pitchFamily="50" charset="-128"/>
+              </a:rPr>
+              <a:t> </a:t>
+            </a:r>
+            <a:r>
+              <a:rPr kumimoji="1" lang="en-US" altLang="ja-JP" sz="1100" b="1" dirty="0">
+                <a:solidFill>
+                  <a:schemeClr val="accent1"/>
+                </a:solidFill>
+                <a:latin typeface="MigMix 2P" panose="020B0503020203020204" pitchFamily="50" charset="-128"/>
+                <a:ea typeface="MigMix 2P" panose="020B0503020203020204" pitchFamily="50" charset="-128"/>
+                <a:cs typeface="MigMix 2P" panose="020B0503020203020204" pitchFamily="50" charset="-128"/>
+              </a:rPr>
+              <a:t>[</a:t>
+            </a:r>
+            <a:r>
+              <a:rPr kumimoji="1" lang="en-US" altLang="ja-JP" sz="1100" b="1" dirty="0" err="1">
+                <a:solidFill>
+                  <a:schemeClr val="accent1"/>
+                </a:solidFill>
+                <a:latin typeface="MigMix 2P" panose="020B0503020203020204" pitchFamily="50" charset="-128"/>
+                <a:ea typeface="MigMix 2P" panose="020B0503020203020204" pitchFamily="50" charset="-128"/>
+                <a:cs typeface="MigMix 2P" panose="020B0503020203020204" pitchFamily="50" charset="-128"/>
+              </a:rPr>
+              <a:t>PlayerControl</a:t>
+            </a:r>
+            <a:r>
+              <a:rPr kumimoji="1" lang="en-US" altLang="ja-JP" sz="1100" b="1" dirty="0">
+                <a:solidFill>
+                  <a:schemeClr val="accent1"/>
+                </a:solidFill>
+                <a:latin typeface="MigMix 2P" panose="020B0503020203020204" pitchFamily="50" charset="-128"/>
+                <a:ea typeface="MigMix 2P" panose="020B0503020203020204" pitchFamily="50" charset="-128"/>
+                <a:cs typeface="MigMix 2P" panose="020B0503020203020204" pitchFamily="50" charset="-128"/>
+              </a:rPr>
+              <a:t>] </a:t>
+            </a:r>
+            <a:r>
+              <a:rPr kumimoji="1" lang="ja-JP" altLang="en-US" sz="1100" dirty="0">
+                <a:solidFill>
+                  <a:schemeClr val="bg1">
+                    <a:lumMod val="50000"/>
+                  </a:schemeClr>
+                </a:solidFill>
+                <a:latin typeface="MigMix 2P" panose="020B0503020203020204" pitchFamily="50" charset="-128"/>
+                <a:ea typeface="MigMix 2P" panose="020B0503020203020204" pitchFamily="50" charset="-128"/>
+                <a:cs typeface="MigMix 2P" panose="020B0503020203020204" pitchFamily="50" charset="-128"/>
+              </a:rPr>
+              <a:t>内</a:t>
+            </a:r>
+            <a:r>
+              <a:rPr kumimoji="1" lang="en-US" altLang="ja-JP" sz="1100" dirty="0">
+                <a:solidFill>
+                  <a:schemeClr val="bg1">
+                    <a:lumMod val="50000"/>
+                  </a:schemeClr>
+                </a:solidFill>
+                <a:latin typeface="MigMix 2P" panose="020B0503020203020204" pitchFamily="50" charset="-128"/>
+                <a:ea typeface="MigMix 2P" panose="020B0503020203020204" pitchFamily="50" charset="-128"/>
+                <a:cs typeface="MigMix 2P" panose="020B0503020203020204" pitchFamily="50" charset="-128"/>
+              </a:rPr>
+              <a:t> </a:t>
+            </a:r>
+            <a:r>
+              <a:rPr kumimoji="1" lang="en-US" altLang="ja-JP" sz="1100" b="1" dirty="0">
+                <a:solidFill>
+                  <a:srgbClr val="C00000"/>
+                </a:solidFill>
+                <a:latin typeface="MigMix 2P" panose="020B0503020203020204" pitchFamily="50" charset="-128"/>
+                <a:ea typeface="MigMix 2P" panose="020B0503020203020204" pitchFamily="50" charset="-128"/>
+                <a:cs typeface="MigMix 2P" panose="020B0503020203020204" pitchFamily="50" charset="-128"/>
+              </a:rPr>
+              <a:t>[PlayerControl.exe] </a:t>
+            </a:r>
+            <a:r>
+              <a:rPr kumimoji="1" lang="ja-JP" altLang="en-US" sz="1100" dirty="0">
+                <a:solidFill>
+                  <a:schemeClr val="bg1">
+                    <a:lumMod val="50000"/>
+                  </a:schemeClr>
+                </a:solidFill>
+                <a:latin typeface="MigMix 2P" panose="020B0503020203020204" pitchFamily="50" charset="-128"/>
+                <a:ea typeface="MigMix 2P" panose="020B0503020203020204" pitchFamily="50" charset="-128"/>
+                <a:cs typeface="MigMix 2P" panose="020B0503020203020204" pitchFamily="50" charset="-128"/>
+              </a:rPr>
+              <a:t>を実行するとアプリ起動</a:t>
+            </a:r>
+            <a:endParaRPr kumimoji="1" lang="en-US" altLang="ja-JP" sz="1100" dirty="0">
+              <a:solidFill>
+                <a:schemeClr val="bg1">
+                  <a:lumMod val="50000"/>
+                </a:schemeClr>
+              </a:solidFill>
+              <a:latin typeface="MigMix 2P" panose="020B0503020203020204" pitchFamily="50" charset="-128"/>
+              <a:ea typeface="MigMix 2P" panose="020B0503020203020204" pitchFamily="50" charset="-128"/>
+              <a:cs typeface="MigMix 2P" panose="020B0503020203020204" pitchFamily="50" charset="-128"/>
+            </a:endParaRPr>
+          </a:p>
+          <a:p>
+            <a:pPr marL="360000" lvl="1" indent="-180000">
+              <a:lnSpc>
+                <a:spcPts val="1500"/>
+              </a:lnSpc>
+              <a:spcAft>
+                <a:spcPts val="1200"/>
+              </a:spcAft>
+              <a:buFont typeface="Wingdings" panose="05000000000000000000" pitchFamily="2" charset="2"/>
+              <a:buChar char="l"/>
+            </a:pPr>
+            <a:r>
+              <a:rPr kumimoji="1" lang="ja-JP" altLang="en-US" sz="1100" dirty="0">
+                <a:solidFill>
+                  <a:schemeClr val="bg1">
+                    <a:lumMod val="50000"/>
+                  </a:schemeClr>
+                </a:solidFill>
+                <a:latin typeface="MigMix 2P" panose="020B0503020203020204" pitchFamily="50" charset="-128"/>
+                <a:ea typeface="MigMix 2P" panose="020B0503020203020204" pitchFamily="50" charset="-128"/>
+                <a:cs typeface="MigMix 2P" panose="020B0503020203020204" pitchFamily="50" charset="-128"/>
+              </a:rPr>
+              <a:t>デスクトップなどにショートカットを作成してご利用ください</a:t>
+            </a:r>
+          </a:p>
+        </p:txBody>
+      </p:sp>
+      <p:pic>
+        <p:nvPicPr>
+          <p:cNvPr id="19" name="図 18">
+            <a:extLst>
+              <a:ext uri="{FF2B5EF4-FFF2-40B4-BE49-F238E27FC236}">
+                <a16:creationId xmlns:a16="http://schemas.microsoft.com/office/drawing/2014/main" id="{CA26A592-F980-7C22-0705-833C3AD82D19}"/>
+              </a:ext>
+            </a:extLst>
+          </p:cNvPr>
+          <p:cNvPicPr>
+            <a:picLocks noChangeAspect="1"/>
+          </p:cNvPicPr>
+          <p:nvPr/>
+        </p:nvPicPr>
+        <p:blipFill>
+          <a:blip r:embed="rId3"/>
+          <a:stretch>
+            <a:fillRect/>
+          </a:stretch>
+        </p:blipFill>
+        <p:spPr>
+          <a:xfrm>
+            <a:off x="4803775" y="807194"/>
+            <a:ext cx="2570337" cy="3469253"/>
+          </a:xfrm>
+          <a:prstGeom prst="rect">
+            <a:avLst/>
+          </a:prstGeom>
+        </p:spPr>
+      </p:pic>
+      <p:sp>
+        <p:nvSpPr>
+          <p:cNvPr id="17" name="正方形/長方形 16">
+            <a:extLst>
+              <a:ext uri="{FF2B5EF4-FFF2-40B4-BE49-F238E27FC236}">
+                <a16:creationId xmlns:a16="http://schemas.microsoft.com/office/drawing/2014/main" id="{1D914C5D-CC85-783C-3F68-7F38B1E5CE9D}"/>
+              </a:ext>
+            </a:extLst>
+          </p:cNvPr>
+          <p:cNvSpPr/>
+          <p:nvPr/>
+        </p:nvSpPr>
+        <p:spPr>
+          <a:xfrm>
+            <a:off x="4834818" y="1797050"/>
+            <a:ext cx="1794582" cy="347312"/>
+          </a:xfrm>
+          <a:prstGeom prst="rect">
+            <a:avLst/>
+          </a:prstGeom>
+          <a:noFill/>
+          <a:ln w="28575" cap="rnd">
+            <a:solidFill>
+              <a:srgbClr val="ED7D31"/>
+            </a:solidFill>
+            <a:prstDash val="solid"/>
+            <a:round/>
+            <a:extLst>
+              <a:ext uri="{C807C97D-BFC1-408E-A445-0C87EB9F89A2}">
+                <ask:lineSketchStyleProps xmlns:ask="http://schemas.microsoft.com/office/drawing/2018/sketchyshapes" sd="1219033472">
+                  <a:custGeom>
+                    <a:avLst/>
+                    <a:gdLst>
+                      <a:gd name="connsiteX0" fmla="*/ 0 w 1515292"/>
+                      <a:gd name="connsiteY0" fmla="*/ 0 h 269965"/>
+                      <a:gd name="connsiteX1" fmla="*/ 1515292 w 1515292"/>
+                      <a:gd name="connsiteY1" fmla="*/ 0 h 269965"/>
+                      <a:gd name="connsiteX2" fmla="*/ 1515292 w 1515292"/>
+                      <a:gd name="connsiteY2" fmla="*/ 269965 h 269965"/>
+                      <a:gd name="connsiteX3" fmla="*/ 0 w 1515292"/>
+                      <a:gd name="connsiteY3" fmla="*/ 269965 h 269965"/>
+                      <a:gd name="connsiteX4" fmla="*/ 0 w 1515292"/>
+                      <a:gd name="connsiteY4" fmla="*/ 0 h 269965"/>
+                    </a:gdLst>
+                    <a:ahLst/>
+                    <a:cxnLst>
+                      <a:cxn ang="0">
+                        <a:pos x="connsiteX0" y="connsiteY0"/>
+                      </a:cxn>
+                      <a:cxn ang="0">
+                        <a:pos x="connsiteX1" y="connsiteY1"/>
+                      </a:cxn>
+                      <a:cxn ang="0">
+                        <a:pos x="connsiteX2" y="connsiteY2"/>
+                      </a:cxn>
+                      <a:cxn ang="0">
+                        <a:pos x="connsiteX3" y="connsiteY3"/>
+                      </a:cxn>
+                      <a:cxn ang="0">
+                        <a:pos x="connsiteX4" y="connsiteY4"/>
+                      </a:cxn>
+                    </a:cxnLst>
+                    <a:rect l="l" t="t" r="r" b="b"/>
+                    <a:pathLst>
+                      <a:path w="1515292" h="269965" extrusionOk="0">
+                        <a:moveTo>
+                          <a:pt x="0" y="0"/>
+                        </a:moveTo>
+                        <a:cubicBezTo>
+                          <a:pt x="345102" y="42059"/>
+                          <a:pt x="1305519" y="-31303"/>
+                          <a:pt x="1515292" y="0"/>
+                        </a:cubicBezTo>
+                        <a:cubicBezTo>
+                          <a:pt x="1497331" y="53552"/>
+                          <a:pt x="1523581" y="155859"/>
+                          <a:pt x="1515292" y="269965"/>
+                        </a:cubicBezTo>
+                        <a:cubicBezTo>
+                          <a:pt x="1294371" y="378308"/>
+                          <a:pt x="663023" y="229196"/>
+                          <a:pt x="0" y="269965"/>
+                        </a:cubicBezTo>
+                        <a:cubicBezTo>
+                          <a:pt x="23496" y="139146"/>
+                          <a:pt x="10837" y="51289"/>
+                          <a:pt x="0" y="0"/>
+                        </a:cubicBezTo>
+                        <a:close/>
+                      </a:path>
+                    </a:pathLst>
+                  </a:custGeom>
+                  <ask:type>
+                    <ask:lineSketchNone/>
+                  </ask:type>
+                </ask:lineSketchStyleProps>
+              </a:ext>
+            </a:extLst>
+          </a:ln>
+        </p:spPr>
+        <p:style>
+          <a:lnRef idx="2">
+            <a:schemeClr val="accent1">
+              <a:shade val="50000"/>
+            </a:schemeClr>
+          </a:lnRef>
+          <a:fillRef idx="1">
+            <a:schemeClr val="accent1"/>
+          </a:fillRef>
+          <a:effectRef idx="0">
+            <a:schemeClr val="accent1"/>
+          </a:effectRef>
+          <a:fontRef idx="minor">
+            <a:schemeClr val="lt1"/>
+          </a:fontRef>
+        </p:style>
+        <p:txBody>
+          <a:bodyPr rtlCol="0" anchor="ctr"/>
+          <a:lstStyle/>
+          <a:p>
+            <a:pPr algn="ctr"/>
+            <a:endParaRPr kumimoji="1" lang="ja-JP" altLang="en-US" sz="2554"/>
+          </a:p>
+        </p:txBody>
+      </p:sp>
+      <p:cxnSp>
+        <p:nvCxnSpPr>
+          <p:cNvPr id="23" name="直線矢印コネクタ 22">
+            <a:extLst>
+              <a:ext uri="{FF2B5EF4-FFF2-40B4-BE49-F238E27FC236}">
+                <a16:creationId xmlns:a16="http://schemas.microsoft.com/office/drawing/2014/main" id="{7C34692D-DC7F-ADCF-420F-572E1BCC2DAA}"/>
+              </a:ext>
+            </a:extLst>
+          </p:cNvPr>
+          <p:cNvCxnSpPr>
+            <a:cxnSpLocks/>
+            <a:endCxn id="17" idx="1"/>
+          </p:cNvCxnSpPr>
+          <p:nvPr/>
+        </p:nvCxnSpPr>
+        <p:spPr>
+          <a:xfrm>
+            <a:off x="3879850" y="1970706"/>
+            <a:ext cx="954968" cy="0"/>
+          </a:xfrm>
+          <a:prstGeom prst="straightConnector1">
+            <a:avLst/>
+          </a:prstGeom>
+          <a:ln w="38100">
+            <a:tailEnd type="triangle"/>
+          </a:ln>
+        </p:spPr>
+        <p:style>
+          <a:lnRef idx="3">
+            <a:schemeClr val="accent2"/>
+          </a:lnRef>
+          <a:fillRef idx="0">
+            <a:schemeClr val="accent2"/>
+          </a:fillRef>
+          <a:effectRef idx="2">
+            <a:schemeClr val="accent2"/>
+          </a:effectRef>
+          <a:fontRef idx="minor">
+            <a:schemeClr val="tx1"/>
+          </a:fontRef>
+        </p:style>
+      </p:cxnSp>
+      <p:grpSp>
+        <p:nvGrpSpPr>
+          <p:cNvPr id="25" name="グループ化 24">
+            <a:extLst>
+              <a:ext uri="{FF2B5EF4-FFF2-40B4-BE49-F238E27FC236}">
+                <a16:creationId xmlns:a16="http://schemas.microsoft.com/office/drawing/2014/main" id="{3E210379-8CE9-E068-63ED-A60E5442EA2B}"/>
+              </a:ext>
+            </a:extLst>
+          </p:cNvPr>
+          <p:cNvGrpSpPr/>
+          <p:nvPr/>
+        </p:nvGrpSpPr>
+        <p:grpSpPr>
+          <a:xfrm>
+            <a:off x="1006018" y="3188411"/>
+            <a:ext cx="2352744" cy="1250291"/>
+            <a:chOff x="758756" y="2284059"/>
+            <a:chExt cx="2496776" cy="1326832"/>
+          </a:xfrm>
+        </p:grpSpPr>
+        <p:pic>
+          <p:nvPicPr>
+            <p:cNvPr id="21" name="図 20">
+              <a:extLst>
+                <a:ext uri="{FF2B5EF4-FFF2-40B4-BE49-F238E27FC236}">
+                  <a16:creationId xmlns:a16="http://schemas.microsoft.com/office/drawing/2014/main" id="{A16169B4-6F53-732F-74D9-7ACC64581660}"/>
+                </a:ext>
+              </a:extLst>
+            </p:cNvPr>
+            <p:cNvPicPr>
+              <a:picLocks noChangeAspect="1"/>
+            </p:cNvPicPr>
+            <p:nvPr/>
+          </p:nvPicPr>
+          <p:blipFill>
+            <a:blip r:embed="rId4"/>
+            <a:stretch>
+              <a:fillRect/>
+            </a:stretch>
+          </p:blipFill>
+          <p:spPr>
+            <a:xfrm>
+              <a:off x="758756" y="2284059"/>
+              <a:ext cx="2496776" cy="1326832"/>
+            </a:xfrm>
+            <a:prstGeom prst="rect">
+              <a:avLst/>
+            </a:prstGeom>
+          </p:spPr>
+        </p:pic>
+        <p:sp>
+          <p:nvSpPr>
+            <p:cNvPr id="24" name="正方形/長方形 23">
+              <a:extLst>
+                <a:ext uri="{FF2B5EF4-FFF2-40B4-BE49-F238E27FC236}">
+                  <a16:creationId xmlns:a16="http://schemas.microsoft.com/office/drawing/2014/main" id="{9778D9F8-80B1-A7F3-E2CE-CF0FEE0BC371}"/>
+                </a:ext>
+              </a:extLst>
+            </p:cNvPr>
+            <p:cNvSpPr/>
+            <p:nvPr/>
+          </p:nvSpPr>
+          <p:spPr>
+            <a:xfrm>
+              <a:off x="793749" y="2520950"/>
+              <a:ext cx="2212976" cy="199186"/>
+            </a:xfrm>
+            <a:prstGeom prst="rect">
+              <a:avLst/>
+            </a:prstGeom>
+            <a:noFill/>
+            <a:ln w="28575" cap="rnd">
+              <a:solidFill>
+                <a:srgbClr val="ED7D31"/>
+              </a:solidFill>
+              <a:prstDash val="solid"/>
+              <a:round/>
+              <a:extLst>
+                <a:ext uri="{C807C97D-BFC1-408E-A445-0C87EB9F89A2}">
+                  <ask:lineSketchStyleProps xmlns:ask="http://schemas.microsoft.com/office/drawing/2018/sketchyshapes" sd="1219033472">
+                    <a:custGeom>
+                      <a:avLst/>
+                      <a:gdLst>
+                        <a:gd name="connsiteX0" fmla="*/ 0 w 1515292"/>
+                        <a:gd name="connsiteY0" fmla="*/ 0 h 269965"/>
+                        <a:gd name="connsiteX1" fmla="*/ 1515292 w 1515292"/>
+                        <a:gd name="connsiteY1" fmla="*/ 0 h 269965"/>
+                        <a:gd name="connsiteX2" fmla="*/ 1515292 w 1515292"/>
+                        <a:gd name="connsiteY2" fmla="*/ 269965 h 269965"/>
+                        <a:gd name="connsiteX3" fmla="*/ 0 w 1515292"/>
+                        <a:gd name="connsiteY3" fmla="*/ 269965 h 269965"/>
+                        <a:gd name="connsiteX4" fmla="*/ 0 w 1515292"/>
+                        <a:gd name="connsiteY4" fmla="*/ 0 h 269965"/>
+                      </a:gdLst>
+                      <a:ahLst/>
+                      <a:cxnLst>
+                        <a:cxn ang="0">
+                          <a:pos x="connsiteX0" y="connsiteY0"/>
+                        </a:cxn>
+                        <a:cxn ang="0">
+                          <a:pos x="connsiteX1" y="connsiteY1"/>
+                        </a:cxn>
+                        <a:cxn ang="0">
+                          <a:pos x="connsiteX2" y="connsiteY2"/>
+                        </a:cxn>
+                        <a:cxn ang="0">
+                          <a:pos x="connsiteX3" y="connsiteY3"/>
+                        </a:cxn>
+                        <a:cxn ang="0">
+                          <a:pos x="connsiteX4" y="connsiteY4"/>
+                        </a:cxn>
+                      </a:cxnLst>
+                      <a:rect l="l" t="t" r="r" b="b"/>
+                      <a:pathLst>
+                        <a:path w="1515292" h="269965" extrusionOk="0">
+                          <a:moveTo>
+                            <a:pt x="0" y="0"/>
+                          </a:moveTo>
+                          <a:cubicBezTo>
+                            <a:pt x="345102" y="42059"/>
+                            <a:pt x="1305519" y="-31303"/>
+                            <a:pt x="1515292" y="0"/>
+                          </a:cubicBezTo>
+                          <a:cubicBezTo>
+                            <a:pt x="1497331" y="53552"/>
+                            <a:pt x="1523581" y="155859"/>
+                            <a:pt x="1515292" y="269965"/>
+                          </a:cubicBezTo>
+                          <a:cubicBezTo>
+                            <a:pt x="1294371" y="378308"/>
+                            <a:pt x="663023" y="229196"/>
+                            <a:pt x="0" y="269965"/>
+                          </a:cubicBezTo>
+                          <a:cubicBezTo>
+                            <a:pt x="23496" y="139146"/>
+                            <a:pt x="10837" y="51289"/>
+                            <a:pt x="0" y="0"/>
+                          </a:cubicBezTo>
+                          <a:close/>
+                        </a:path>
+                      </a:pathLst>
+                    </a:custGeom>
+                    <ask:type>
+                      <ask:lineSketchNone/>
+                    </ask:type>
+                  </ask:lineSketchStyleProps>
+                </a:ext>
+              </a:extLst>
+            </a:ln>
+          </p:spPr>
+          <p:style>
+            <a:lnRef idx="2">
+              <a:schemeClr val="accent1">
+                <a:shade val="50000"/>
+              </a:schemeClr>
+            </a:lnRef>
+            <a:fillRef idx="1">
+              <a:schemeClr val="accent1"/>
+            </a:fillRef>
+            <a:effectRef idx="0">
+              <a:schemeClr val="accent1"/>
+            </a:effectRef>
+            <a:fontRef idx="minor">
+              <a:schemeClr val="lt1"/>
+            </a:fontRef>
+          </p:style>
+          <p:txBody>
+            <a:bodyPr rtlCol="0" anchor="ctr"/>
+            <a:lstStyle/>
+            <a:p>
+              <a:pPr algn="ctr"/>
+              <a:endParaRPr kumimoji="1" lang="ja-JP" altLang="en-US" sz="2554"/>
+            </a:p>
+          </p:txBody>
+        </p:sp>
+      </p:grpSp>
+      <p:pic>
+        <p:nvPicPr>
+          <p:cNvPr id="31" name="図 30">
+            <a:extLst>
+              <a:ext uri="{FF2B5EF4-FFF2-40B4-BE49-F238E27FC236}">
+                <a16:creationId xmlns:a16="http://schemas.microsoft.com/office/drawing/2014/main" id="{1CA41622-74E1-57CB-A256-58C13DC67180}"/>
+              </a:ext>
+            </a:extLst>
+          </p:cNvPr>
+          <p:cNvPicPr>
+            <a:picLocks noChangeAspect="1"/>
+          </p:cNvPicPr>
+          <p:nvPr/>
+        </p:nvPicPr>
+        <p:blipFill>
+          <a:blip r:embed="rId5"/>
+          <a:stretch>
+            <a:fillRect/>
+          </a:stretch>
+        </p:blipFill>
+        <p:spPr>
+          <a:xfrm>
+            <a:off x="3544533" y="3485860"/>
+            <a:ext cx="657933" cy="554922"/>
+          </a:xfrm>
+          <a:prstGeom prst="rect">
+            <a:avLst/>
+          </a:prstGeom>
+        </p:spPr>
+      </p:pic>
+      <p:sp>
+        <p:nvSpPr>
+          <p:cNvPr id="32" name="矢印: 下カーブ 31">
+            <a:extLst>
+              <a:ext uri="{FF2B5EF4-FFF2-40B4-BE49-F238E27FC236}">
+                <a16:creationId xmlns:a16="http://schemas.microsoft.com/office/drawing/2014/main" id="{140092E7-F386-2DA2-A4EE-0C903E0A6775}"/>
+              </a:ext>
+            </a:extLst>
+          </p:cNvPr>
+          <p:cNvSpPr/>
+          <p:nvPr/>
+        </p:nvSpPr>
+        <p:spPr>
+          <a:xfrm>
+            <a:off x="2889346" y="3059014"/>
+            <a:ext cx="1149254" cy="371013"/>
+          </a:xfrm>
+          <a:prstGeom prst="curvedDownArrow">
+            <a:avLst>
+              <a:gd name="adj1" fmla="val 45808"/>
+              <a:gd name="adj2" fmla="val 79542"/>
+              <a:gd name="adj3" fmla="val 21748"/>
+            </a:avLst>
+          </a:prstGeom>
+          <a:solidFill>
+            <a:schemeClr val="accent2"/>
+          </a:solidFill>
+          <a:ln>
+            <a:noFill/>
+          </a:ln>
+        </p:spPr>
+        <p:style>
+          <a:lnRef idx="2">
+            <a:schemeClr val="accent1">
+              <a:shade val="50000"/>
+            </a:schemeClr>
+          </a:lnRef>
+          <a:fillRef idx="1">
+            <a:schemeClr val="accent1"/>
+          </a:fillRef>
+          <a:effectRef idx="0">
+            <a:schemeClr val="accent1"/>
+          </a:effectRef>
+          <a:fontRef idx="minor">
+            <a:schemeClr val="lt1"/>
+          </a:fontRef>
+        </p:style>
+        <p:txBody>
+          <a:bodyPr rtlCol="0" anchor="ctr"/>
+          <a:lstStyle/>
+          <a:p>
+            <a:pPr algn="ctr"/>
+            <a:endParaRPr kumimoji="1" lang="ja-JP" altLang="en-US">
+              <a:solidFill>
+                <a:schemeClr val="tx1"/>
+              </a:solidFill>
+            </a:endParaRPr>
+          </a:p>
+        </p:txBody>
+      </p:sp>
+    </p:spTree>
+    <p:extLst>
+      <p:ext uri="{BB962C8B-B14F-4D97-AF65-F5344CB8AC3E}">
+        <p14:creationId xmlns:p14="http://schemas.microsoft.com/office/powerpoint/2010/main" val="1501428203"/>
+      </p:ext>
+    </p:extLst>
+  </p:cSld>
+  <p:clrMapOvr>
+    <a:masterClrMapping/>
+  </p:clrMapOvr>
+</p:sld>
+</file>
+
 <file path=ppt/theme/theme1.xml><?xml version="1.0" encoding="utf-8"?>
 <a:theme xmlns:a="http://schemas.openxmlformats.org/drawingml/2006/main" name="Office テーマ">
   <a:themeElements>

--- a/Manual/PlayerControlForBIGTET_QuickReference_v0.3.1.pptx
+++ b/Manual/PlayerControlForBIGTET_QuickReference_v0.3.1.pptx
@@ -9,7 +9,7 @@
     <p:sldId id="257" r:id="rId3"/>
   </p:sldIdLst>
   <p:sldSz cx="7559675" cy="5327650"/>
-  <p:notesSz cx="4657725" cy="6888163"/>
+  <p:notesSz cx="6888163" cy="10018713"/>
   <p:defaultTextStyle>
     <a:defPPr>
       <a:defRPr lang="en-US"/>
@@ -7135,10 +7135,10 @@
       </p:grpSpPr>
       <p:grpSp>
         <p:nvGrpSpPr>
-          <p:cNvPr id="6" name="グループ化 5">
+          <p:cNvPr id="43" name="グループ化 42">
             <a:extLst>
               <a:ext uri="{FF2B5EF4-FFF2-40B4-BE49-F238E27FC236}">
-                <a16:creationId xmlns:a16="http://schemas.microsoft.com/office/drawing/2014/main" id="{2231D074-D1BD-79FD-D397-AE452A83B68A}"/>
+                <a16:creationId xmlns:a16="http://schemas.microsoft.com/office/drawing/2014/main" id="{CCF28023-C57F-6467-993E-F28C84B45B93}"/>
               </a:ext>
             </a:extLst>
           </p:cNvPr>
@@ -7147,9 +7147,9 @@
         </p:nvGrpSpPr>
         <p:grpSpPr>
           <a:xfrm>
-            <a:off x="-1" y="-3810"/>
+            <a:off x="-1" y="13"/>
             <a:ext cx="7559675" cy="366899"/>
-            <a:chOff x="-1" y="24393"/>
+            <a:chOff x="-1" y="13"/>
             <a:chExt cx="7559675" cy="366899"/>
           </a:xfrm>
         </p:grpSpPr>
@@ -7167,7 +7167,7 @@
           </p:nvSpPr>
           <p:spPr>
             <a:xfrm>
-              <a:off x="-1" y="24393"/>
+              <a:off x="-1" y="13"/>
               <a:ext cx="7559675" cy="366899"/>
             </a:xfrm>
             <a:prstGeom prst="rect">
@@ -7221,8 +7221,8 @@
           </p:nvSpPr>
           <p:spPr>
             <a:xfrm>
-              <a:off x="338316" y="71623"/>
-              <a:ext cx="7153980" cy="272439"/>
+              <a:off x="338316" y="8771"/>
+              <a:ext cx="7153980" cy="349383"/>
             </a:xfrm>
             <a:prstGeom prst="rect">
               <a:avLst/>
@@ -7236,7 +7236,7 @@
             <a:lstStyle/>
             <a:p>
               <a:r>
-                <a:rPr kumimoji="1" lang="ja-JP" altLang="en-US" sz="1100" b="1" dirty="0">
+                <a:rPr kumimoji="1" lang="ja-JP" altLang="en-US" sz="1600" b="1" dirty="0">
                   <a:solidFill>
                     <a:schemeClr val="bg1"/>
                   </a:solidFill>
@@ -7277,7 +7277,7 @@
           </p:blipFill>
           <p:spPr>
             <a:xfrm>
-              <a:off x="67379" y="106629"/>
+              <a:off x="67379" y="81684"/>
               <a:ext cx="203557" cy="203557"/>
             </a:xfrm>
             <a:prstGeom prst="rect">
@@ -7300,8 +7300,8 @@
         </p:nvSpPr>
         <p:spPr>
           <a:xfrm>
-            <a:off x="165260" y="1147116"/>
-            <a:ext cx="4638515" cy="1640825"/>
+            <a:off x="313351" y="884699"/>
+            <a:ext cx="3931624" cy="2256378"/>
           </a:xfrm>
           <a:prstGeom prst="rect">
             <a:avLst/>
@@ -7319,13 +7319,13 @@
                 <a:spcPts val="1500"/>
               </a:lnSpc>
               <a:spcAft>
-                <a:spcPts val="1200"/>
+                <a:spcPts val="600"/>
               </a:spcAft>
               <a:buFont typeface="+mj-lt"/>
               <a:buAutoNum type="arabicPeriod"/>
             </a:pPr>
             <a:r>
-              <a:rPr kumimoji="1" lang="en-US" altLang="ja-JP" sz="1100" dirty="0">
+              <a:rPr kumimoji="1" lang="en-US" altLang="ja-JP" sz="1100" b="1" dirty="0">
                 <a:solidFill>
                   <a:schemeClr val="bg1">
                     <a:lumMod val="50000"/>
@@ -7338,7 +7338,7 @@
               <a:t>ZIP</a:t>
             </a:r>
             <a:r>
-              <a:rPr kumimoji="1" lang="ja-JP" altLang="en-US" sz="1100" dirty="0">
+              <a:rPr kumimoji="1" lang="ja-JP" altLang="en-US" sz="1100" b="1" dirty="0">
                 <a:solidFill>
                   <a:schemeClr val="bg1">
                     <a:lumMod val="50000"/>
@@ -7348,10 +7348,35 @@
                 <a:ea typeface="MigMix 2P" panose="020B0503020203020204" pitchFamily="50" charset="-128"/>
                 <a:cs typeface="MigMix 2P" panose="020B0503020203020204" pitchFamily="50" charset="-128"/>
               </a:rPr>
-              <a:t>ファイルを展開 → </a:t>
-            </a:r>
-            <a:r>
-              <a:rPr kumimoji="1" lang="en-US" altLang="ja-JP" sz="1100" b="1" dirty="0">
+              <a:t>ファイルを展開</a:t>
+            </a:r>
+            <a:endParaRPr kumimoji="1" lang="en-US" altLang="ja-JP" sz="1100" b="1" dirty="0">
+              <a:solidFill>
+                <a:schemeClr val="bg1">
+                  <a:lumMod val="50000"/>
+                </a:schemeClr>
+              </a:solidFill>
+              <a:latin typeface="MigMix 2P" panose="020B0503020203020204" pitchFamily="50" charset="-128"/>
+              <a:ea typeface="MigMix 2P" panose="020B0503020203020204" pitchFamily="50" charset="-128"/>
+              <a:cs typeface="MigMix 2P" panose="020B0503020203020204" pitchFamily="50" charset="-128"/>
+            </a:endParaRPr>
+          </a:p>
+          <a:p>
+            <a:pPr marL="432000" lvl="1" indent="-180000">
+              <a:lnSpc>
+                <a:spcPts val="1500"/>
+              </a:lnSpc>
+              <a:spcAft>
+                <a:spcPts val="1200"/>
+              </a:spcAft>
+              <a:buClr>
+                <a:schemeClr val="tx1"/>
+              </a:buClr>
+              <a:buFont typeface="Segoe UI Symbol" panose="020B0502040204020203" pitchFamily="34" charset="0"/>
+              <a:buChar char="⯈"/>
+            </a:pPr>
+            <a:r>
+              <a:rPr kumimoji="1" lang="en-US" altLang="ja-JP" sz="1100" dirty="0">
                 <a:solidFill>
                   <a:schemeClr val="accent1"/>
                 </a:solidFill>
@@ -7359,29 +7384,20 @@
                 <a:ea typeface="MigMix 2P" panose="020B0503020203020204" pitchFamily="50" charset="-128"/>
                 <a:cs typeface="MigMix 2P" panose="020B0503020203020204" pitchFamily="50" charset="-128"/>
               </a:rPr>
-              <a:t>[</a:t>
-            </a:r>
-            <a:r>
-              <a:rPr kumimoji="1" lang="en-US" altLang="ja-JP" sz="1100" b="1" dirty="0" err="1">
+              <a:t>PlayerControl_for_BIGTET</a:t>
+            </a:r>
+            <a:r>
+              <a:rPr kumimoji="1" lang="en-US" altLang="ja-JP" sz="1100" b="1" dirty="0">
                 <a:solidFill>
-                  <a:schemeClr val="accent1"/>
+                  <a:schemeClr val="bg1">
+                    <a:lumMod val="50000"/>
+                  </a:schemeClr>
                 </a:solidFill>
                 <a:latin typeface="MigMix 2P" panose="020B0503020203020204" pitchFamily="50" charset="-128"/>
                 <a:ea typeface="MigMix 2P" panose="020B0503020203020204" pitchFamily="50" charset="-128"/>
                 <a:cs typeface="MigMix 2P" panose="020B0503020203020204" pitchFamily="50" charset="-128"/>
               </a:rPr>
-              <a:t>PlayerControl</a:t>
-            </a:r>
-            <a:r>
-              <a:rPr kumimoji="1" lang="en-US" altLang="ja-JP" sz="1100" b="1" dirty="0">
-                <a:solidFill>
-                  <a:schemeClr val="accent1"/>
-                </a:solidFill>
-                <a:latin typeface="MigMix 2P" panose="020B0503020203020204" pitchFamily="50" charset="-128"/>
-                <a:ea typeface="MigMix 2P" panose="020B0503020203020204" pitchFamily="50" charset="-128"/>
-                <a:cs typeface="MigMix 2P" panose="020B0503020203020204" pitchFamily="50" charset="-128"/>
-              </a:rPr>
-              <a:t>]</a:t>
+              <a:t> </a:t>
             </a:r>
             <a:r>
               <a:rPr kumimoji="1" lang="ja-JP" altLang="en-US" sz="1100" dirty="0">
@@ -7412,14 +7428,17 @@
               <a:lnSpc>
                 <a:spcPts val="1500"/>
               </a:lnSpc>
+              <a:spcBef>
+                <a:spcPts val="1200"/>
+              </a:spcBef>
               <a:spcAft>
-                <a:spcPts val="1200"/>
+                <a:spcPts val="600"/>
               </a:spcAft>
               <a:buFont typeface="+mj-lt"/>
               <a:buAutoNum type="arabicPeriod"/>
             </a:pPr>
             <a:r>
-              <a:rPr kumimoji="1" lang="ja-JP" altLang="en-US" sz="1100" dirty="0">
+              <a:rPr kumimoji="1" lang="ja-JP" altLang="en-US" sz="1100" b="1" dirty="0">
                 <a:solidFill>
                   <a:schemeClr val="bg1">
                     <a:lumMod val="50000"/>
@@ -7429,55 +7448,9 @@
                 <a:ea typeface="MigMix 2P" panose="020B0503020203020204" pitchFamily="50" charset="-128"/>
                 <a:cs typeface="MigMix 2P" panose="020B0503020203020204" pitchFamily="50" charset="-128"/>
               </a:rPr>
-              <a:t>テンプレートフォルダ内に </a:t>
-            </a:r>
-            <a:r>
-              <a:rPr kumimoji="1" lang="en-US" altLang="ja-JP" sz="1100" b="1" dirty="0">
-                <a:solidFill>
-                  <a:schemeClr val="accent1"/>
-                </a:solidFill>
-                <a:latin typeface="MigMix 2P" panose="020B0503020203020204" pitchFamily="50" charset="-128"/>
-                <a:ea typeface="MigMix 2P" panose="020B0503020203020204" pitchFamily="50" charset="-128"/>
-                <a:cs typeface="MigMix 2P" panose="020B0503020203020204" pitchFamily="50" charset="-128"/>
-              </a:rPr>
-              <a:t>[</a:t>
-            </a:r>
-            <a:r>
-              <a:rPr kumimoji="1" lang="en-US" altLang="ja-JP" sz="1100" b="1" dirty="0" err="1">
-                <a:solidFill>
-                  <a:schemeClr val="accent1"/>
-                </a:solidFill>
-                <a:latin typeface="MigMix 2P" panose="020B0503020203020204" pitchFamily="50" charset="-128"/>
-                <a:ea typeface="MigMix 2P" panose="020B0503020203020204" pitchFamily="50" charset="-128"/>
-                <a:cs typeface="MigMix 2P" panose="020B0503020203020204" pitchFamily="50" charset="-128"/>
-              </a:rPr>
-              <a:t>PlayerControl</a:t>
-            </a:r>
-            <a:r>
-              <a:rPr kumimoji="1" lang="en-US" altLang="ja-JP" sz="1100" b="1" dirty="0">
-                <a:solidFill>
-                  <a:schemeClr val="accent1"/>
-                </a:solidFill>
-                <a:latin typeface="MigMix 2P" panose="020B0503020203020204" pitchFamily="50" charset="-128"/>
-                <a:ea typeface="MigMix 2P" panose="020B0503020203020204" pitchFamily="50" charset="-128"/>
-                <a:cs typeface="MigMix 2P" panose="020B0503020203020204" pitchFamily="50" charset="-128"/>
-              </a:rPr>
-              <a:t>] </a:t>
-            </a:r>
-            <a:r>
-              <a:rPr kumimoji="1" lang="ja-JP" altLang="en-US" sz="1100" dirty="0">
-                <a:solidFill>
-                  <a:schemeClr val="bg1">
-                    <a:lumMod val="50000"/>
-                  </a:schemeClr>
-                </a:solidFill>
-                <a:latin typeface="MigMix 2P" panose="020B0503020203020204" pitchFamily="50" charset="-128"/>
-                <a:ea typeface="MigMix 2P" panose="020B0503020203020204" pitchFamily="50" charset="-128"/>
-                <a:cs typeface="MigMix 2P" panose="020B0503020203020204" pitchFamily="50" charset="-128"/>
-              </a:rPr>
-              <a:t>フォルダをコピー</a:t>
-            </a:r>
-            <a:endParaRPr kumimoji="1" lang="en-US" altLang="ja-JP" sz="1100" dirty="0">
+              <a:t>テンプレートフォルダに展開したフォルダをコピー</a:t>
+            </a:r>
+            <a:endParaRPr kumimoji="1" lang="en-US" altLang="ja-JP" sz="1100" b="1" dirty="0">
               <a:solidFill>
                 <a:schemeClr val="bg1">
                   <a:lumMod val="50000"/>
@@ -7489,29 +7462,19 @@
             </a:endParaRPr>
           </a:p>
           <a:p>
-            <a:pPr marL="360000" lvl="1" indent="-180000">
+            <a:pPr marL="432000" lvl="1" indent="-180000">
               <a:lnSpc>
                 <a:spcPts val="1500"/>
               </a:lnSpc>
               <a:spcAft>
                 <a:spcPts val="1200"/>
               </a:spcAft>
-              <a:buFont typeface="Wingdings" panose="05000000000000000000" pitchFamily="2" charset="2"/>
-              <a:buChar char="l"/>
+              <a:buClr>
+                <a:schemeClr val="tx1"/>
+              </a:buClr>
+              <a:buFont typeface="Segoe UI Symbol" panose="020B0502040204020203" pitchFamily="34" charset="0"/>
+              <a:buChar char="⯈"/>
             </a:pPr>
-            <a:r>
-              <a:rPr kumimoji="1" lang="en-US" altLang="ja-JP" sz="1100" dirty="0">
-                <a:solidFill>
-                  <a:schemeClr val="bg1">
-                    <a:lumMod val="50000"/>
-                  </a:schemeClr>
-                </a:solidFill>
-                <a:latin typeface="MigMix 2P" panose="020B0503020203020204" pitchFamily="50" charset="-128"/>
-                <a:ea typeface="MigMix 2P" panose="020B0503020203020204" pitchFamily="50" charset="-128"/>
-                <a:cs typeface="MigMix 2P" panose="020B0503020203020204" pitchFamily="50" charset="-128"/>
-              </a:rPr>
-              <a:t>[</a:t>
-            </a:r>
             <a:r>
               <a:rPr kumimoji="1" lang="en-US" altLang="ja-JP" sz="1100" dirty="0" err="1">
                 <a:solidFill>
@@ -7536,7 +7499,7 @@
                 <a:ea typeface="MigMix 2P" panose="020B0503020203020204" pitchFamily="50" charset="-128"/>
                 <a:cs typeface="MigMix 2P" panose="020B0503020203020204" pitchFamily="50" charset="-128"/>
               </a:rPr>
-              <a:t>] </a:t>
+              <a:t> </a:t>
             </a:r>
             <a:r>
               <a:rPr kumimoji="1" lang="ja-JP" altLang="en-US" sz="1100" dirty="0">
@@ -7567,11 +7530,76 @@
               <a:lnSpc>
                 <a:spcPts val="1500"/>
               </a:lnSpc>
+              <a:spcBef>
+                <a:spcPts val="1200"/>
+              </a:spcBef>
+              <a:spcAft>
+                <a:spcPts val="600"/>
+              </a:spcAft>
+              <a:buFont typeface="+mj-lt"/>
+              <a:buAutoNum type="arabicPeriod"/>
+            </a:pPr>
+            <a:r>
+              <a:rPr kumimoji="1" lang="ja-JP" altLang="en-US" sz="1100" b="1" dirty="0">
+                <a:solidFill>
+                  <a:schemeClr val="bg1">
+                    <a:lumMod val="50000"/>
+                  </a:schemeClr>
+                </a:solidFill>
+                <a:latin typeface="MigMix 2P" panose="020B0503020203020204" pitchFamily="50" charset="-128"/>
+                <a:ea typeface="MigMix 2P" panose="020B0503020203020204" pitchFamily="50" charset="-128"/>
+                <a:cs typeface="MigMix 2P" panose="020B0503020203020204" pitchFamily="50" charset="-128"/>
+              </a:rPr>
+              <a:t>展開フォルダ内  </a:t>
+            </a:r>
+            <a:r>
+              <a:rPr kumimoji="1" lang="en-US" altLang="ja-JP" sz="1100" b="1" dirty="0">
+                <a:solidFill>
+                  <a:srgbClr val="C00000"/>
+                </a:solidFill>
+                <a:latin typeface="MigMix 2P" panose="020B0503020203020204" pitchFamily="50" charset="-128"/>
+                <a:ea typeface="MigMix 2P" panose="020B0503020203020204" pitchFamily="50" charset="-128"/>
+                <a:cs typeface="MigMix 2P" panose="020B0503020203020204" pitchFamily="50" charset="-128"/>
+              </a:rPr>
+              <a:t>PlayerControl.exe </a:t>
+            </a:r>
+            <a:r>
+              <a:rPr kumimoji="1" lang="ja-JP" altLang="en-US" sz="1100" b="1" dirty="0">
+                <a:solidFill>
+                  <a:schemeClr val="bg1">
+                    <a:lumMod val="50000"/>
+                  </a:schemeClr>
+                </a:solidFill>
+                <a:latin typeface="MigMix 2P" panose="020B0503020203020204" pitchFamily="50" charset="-128"/>
+                <a:ea typeface="MigMix 2P" panose="020B0503020203020204" pitchFamily="50" charset="-128"/>
+                <a:cs typeface="MigMix 2P" panose="020B0503020203020204" pitchFamily="50" charset="-128"/>
+              </a:rPr>
+              <a:t>でアプリ起動</a:t>
+            </a:r>
+            <a:endParaRPr kumimoji="1" lang="en-US" altLang="ja-JP" sz="1100" b="1" dirty="0">
+              <a:solidFill>
+                <a:schemeClr val="bg1">
+                  <a:lumMod val="50000"/>
+                </a:schemeClr>
+              </a:solidFill>
+              <a:latin typeface="MigMix 2P" panose="020B0503020203020204" pitchFamily="50" charset="-128"/>
+              <a:ea typeface="MigMix 2P" panose="020B0503020203020204" pitchFamily="50" charset="-128"/>
+              <a:cs typeface="MigMix 2P" panose="020B0503020203020204" pitchFamily="50" charset="-128"/>
+            </a:endParaRPr>
+          </a:p>
+          <a:p>
+            <a:pPr marL="432000" lvl="1" indent="-180000">
+              <a:lnSpc>
+                <a:spcPts val="1500"/>
+              </a:lnSpc>
               <a:spcAft>
                 <a:spcPts val="1200"/>
               </a:spcAft>
-              <a:buFont typeface="+mj-lt"/>
-              <a:buAutoNum type="arabicPeriod"/>
+              <a:buClr>
+                <a:schemeClr val="tx1"/>
+              </a:buClr>
+              <a:buFont typeface="Segoe UI Symbol" panose="020B0502040204020203" pitchFamily="34" charset="0"/>
+              <a:buChar char="⯈"/>
             </a:pPr>
             <a:r>
               <a:rPr kumimoji="1" lang="ja-JP" altLang="en-US" sz="1100" dirty="0">
@@ -7584,41 +7612,20 @@
                 <a:ea typeface="MigMix 2P" panose="020B0503020203020204" pitchFamily="50" charset="-128"/>
                 <a:cs typeface="MigMix 2P" panose="020B0503020203020204" pitchFamily="50" charset="-128"/>
               </a:rPr>
-              <a:t> </a:t>
-            </a:r>
-            <a:r>
-              <a:rPr kumimoji="1" lang="en-US" altLang="ja-JP" sz="1100" b="1" dirty="0">
+              <a:t>デスクトップ等にショートカットを作成して</a:t>
+            </a:r>
+            <a:br>
+              <a:rPr kumimoji="1" lang="en-US" altLang="ja-JP" sz="1100" dirty="0">
                 <a:solidFill>
-                  <a:schemeClr val="accent1"/>
+                  <a:schemeClr val="bg1">
+                    <a:lumMod val="50000"/>
+                  </a:schemeClr>
                 </a:solidFill>
                 <a:latin typeface="MigMix 2P" panose="020B0503020203020204" pitchFamily="50" charset="-128"/>
                 <a:ea typeface="MigMix 2P" panose="020B0503020203020204" pitchFamily="50" charset="-128"/>
                 <a:cs typeface="MigMix 2P" panose="020B0503020203020204" pitchFamily="50" charset="-128"/>
               </a:rPr>
-              <a:t>[</a:t>
-            </a:r>
-            <a:r>
-              <a:rPr kumimoji="1" lang="en-US" altLang="ja-JP" sz="1100" b="1" dirty="0" err="1">
-                <a:solidFill>
-                  <a:schemeClr val="accent1"/>
-                </a:solidFill>
-                <a:latin typeface="MigMix 2P" panose="020B0503020203020204" pitchFamily="50" charset="-128"/>
-                <a:ea typeface="MigMix 2P" panose="020B0503020203020204" pitchFamily="50" charset="-128"/>
-                <a:cs typeface="MigMix 2P" panose="020B0503020203020204" pitchFamily="50" charset="-128"/>
-              </a:rPr>
-              <a:t>PlayerControl</a:t>
-            </a:r>
-            <a:r>
-              <a:rPr kumimoji="1" lang="en-US" altLang="ja-JP" sz="1100" b="1" dirty="0">
-                <a:solidFill>
-                  <a:schemeClr val="accent1"/>
-                </a:solidFill>
-                <a:latin typeface="MigMix 2P" panose="020B0503020203020204" pitchFamily="50" charset="-128"/>
-                <a:ea typeface="MigMix 2P" panose="020B0503020203020204" pitchFamily="50" charset="-128"/>
-                <a:cs typeface="MigMix 2P" panose="020B0503020203020204" pitchFamily="50" charset="-128"/>
-              </a:rPr>
-              <a:t>] </a:t>
-            </a:r>
+            </a:br>
             <a:r>
               <a:rPr kumimoji="1" lang="ja-JP" altLang="en-US" sz="1100" dirty="0">
                 <a:solidFill>
@@ -7630,10 +7637,46 @@
                 <a:ea typeface="MigMix 2P" panose="020B0503020203020204" pitchFamily="50" charset="-128"/>
                 <a:cs typeface="MigMix 2P" panose="020B0503020203020204" pitchFamily="50" charset="-128"/>
               </a:rPr>
-              <a:t>内</a:t>
-            </a:r>
-            <a:r>
-              <a:rPr kumimoji="1" lang="en-US" altLang="ja-JP" sz="1100" dirty="0">
+              <a:t>ご利用ください</a:t>
+            </a:r>
+          </a:p>
+        </p:txBody>
+      </p:sp>
+      <p:sp>
+        <p:nvSpPr>
+          <p:cNvPr id="26" name="テキスト ボックス 25">
+            <a:extLst>
+              <a:ext uri="{FF2B5EF4-FFF2-40B4-BE49-F238E27FC236}">
+                <a16:creationId xmlns:a16="http://schemas.microsoft.com/office/drawing/2014/main" id="{69FB1BD3-D467-76A0-AB2E-7032208D3614}"/>
+              </a:ext>
+            </a:extLst>
+          </p:cNvPr>
+          <p:cNvSpPr txBox="1"/>
+          <p:nvPr/>
+        </p:nvSpPr>
+        <p:spPr>
+          <a:xfrm>
+            <a:off x="313350" y="500529"/>
+            <a:ext cx="3877649" cy="257369"/>
+          </a:xfrm>
+          <a:prstGeom prst="rect">
+            <a:avLst/>
+          </a:prstGeom>
+          <a:solidFill>
+            <a:schemeClr val="tx2">
+              <a:lumMod val="20000"/>
+              <a:lumOff val="80000"/>
+            </a:schemeClr>
+          </a:solidFill>
+        </p:spPr>
+        <p:txBody>
+          <a:bodyPr vert="horz" wrap="square" lIns="0" tIns="36000" rIns="36000" bIns="36000" rtlCol="0">
+            <a:spAutoFit/>
+          </a:bodyPr>
+          <a:lstStyle/>
+          <a:p>
+            <a:r>
+              <a:rPr kumimoji="1" lang="ja-JP" altLang="en-US" sz="1200" b="1" dirty="0">
                 <a:solidFill>
                   <a:schemeClr val="bg1">
                     <a:lumMod val="50000"/>
@@ -7643,273 +7686,17 @@
                 <a:ea typeface="MigMix 2P" panose="020B0503020203020204" pitchFamily="50" charset="-128"/>
                 <a:cs typeface="MigMix 2P" panose="020B0503020203020204" pitchFamily="50" charset="-128"/>
               </a:rPr>
-              <a:t> </a:t>
-            </a:r>
-            <a:r>
-              <a:rPr kumimoji="1" lang="en-US" altLang="ja-JP" sz="1100" b="1" dirty="0">
-                <a:solidFill>
-                  <a:srgbClr val="C00000"/>
-                </a:solidFill>
-                <a:latin typeface="MigMix 2P" panose="020B0503020203020204" pitchFamily="50" charset="-128"/>
-                <a:ea typeface="MigMix 2P" panose="020B0503020203020204" pitchFamily="50" charset="-128"/>
-                <a:cs typeface="MigMix 2P" panose="020B0503020203020204" pitchFamily="50" charset="-128"/>
-              </a:rPr>
-              <a:t>[PlayerControl.exe] </a:t>
-            </a:r>
-            <a:r>
-              <a:rPr kumimoji="1" lang="ja-JP" altLang="en-US" sz="1100" dirty="0">
-                <a:solidFill>
-                  <a:schemeClr val="bg1">
-                    <a:lumMod val="50000"/>
-                  </a:schemeClr>
-                </a:solidFill>
-                <a:latin typeface="MigMix 2P" panose="020B0503020203020204" pitchFamily="50" charset="-128"/>
-                <a:ea typeface="MigMix 2P" panose="020B0503020203020204" pitchFamily="50" charset="-128"/>
-                <a:cs typeface="MigMix 2P" panose="020B0503020203020204" pitchFamily="50" charset="-128"/>
-              </a:rPr>
-              <a:t>を実行するとアプリ起動</a:t>
-            </a:r>
-            <a:endParaRPr kumimoji="1" lang="en-US" altLang="ja-JP" sz="1100" dirty="0">
-              <a:solidFill>
-                <a:schemeClr val="bg1">
-                  <a:lumMod val="50000"/>
-                </a:schemeClr>
-              </a:solidFill>
-              <a:latin typeface="MigMix 2P" panose="020B0503020203020204" pitchFamily="50" charset="-128"/>
-              <a:ea typeface="MigMix 2P" panose="020B0503020203020204" pitchFamily="50" charset="-128"/>
-              <a:cs typeface="MigMix 2P" panose="020B0503020203020204" pitchFamily="50" charset="-128"/>
-            </a:endParaRPr>
-          </a:p>
-          <a:p>
-            <a:pPr marL="360000" lvl="1" indent="-180000">
-              <a:lnSpc>
-                <a:spcPts val="1500"/>
-              </a:lnSpc>
-              <a:spcAft>
-                <a:spcPts val="1200"/>
-              </a:spcAft>
-              <a:buFont typeface="Wingdings" panose="05000000000000000000" pitchFamily="2" charset="2"/>
-              <a:buChar char="l"/>
-            </a:pPr>
-            <a:r>
-              <a:rPr kumimoji="1" lang="ja-JP" altLang="en-US" sz="1100" dirty="0">
-                <a:solidFill>
-                  <a:schemeClr val="bg1">
-                    <a:lumMod val="50000"/>
-                  </a:schemeClr>
-                </a:solidFill>
-                <a:latin typeface="MigMix 2P" panose="020B0503020203020204" pitchFamily="50" charset="-128"/>
-                <a:ea typeface="MigMix 2P" panose="020B0503020203020204" pitchFamily="50" charset="-128"/>
-                <a:cs typeface="MigMix 2P" panose="020B0503020203020204" pitchFamily="50" charset="-128"/>
-              </a:rPr>
-              <a:t>デスクトップなどにショートカットを作成してご利用ください</a:t>
+              <a:t>💻 プログラムをテンプレートフォルダにコピー</a:t>
             </a:r>
           </a:p>
         </p:txBody>
       </p:sp>
-      <p:pic>
-        <p:nvPicPr>
-          <p:cNvPr id="19" name="図 18">
+      <p:grpSp>
+        <p:nvGrpSpPr>
+          <p:cNvPr id="42" name="グループ化 41">
             <a:extLst>
               <a:ext uri="{FF2B5EF4-FFF2-40B4-BE49-F238E27FC236}">
-                <a16:creationId xmlns:a16="http://schemas.microsoft.com/office/drawing/2014/main" id="{CA26A592-F980-7C22-0705-833C3AD82D19}"/>
-              </a:ext>
-            </a:extLst>
-          </p:cNvPr>
-          <p:cNvPicPr>
-            <a:picLocks noChangeAspect="1"/>
-          </p:cNvPicPr>
-          <p:nvPr/>
-        </p:nvPicPr>
-        <p:blipFill>
-          <a:blip r:embed="rId3"/>
-          <a:stretch>
-            <a:fillRect/>
-          </a:stretch>
-        </p:blipFill>
-        <p:spPr>
-          <a:xfrm>
-            <a:off x="4803775" y="807194"/>
-            <a:ext cx="2570337" cy="3469253"/>
-          </a:xfrm>
-          <a:prstGeom prst="rect">
-            <a:avLst/>
-          </a:prstGeom>
-        </p:spPr>
-      </p:pic>
-      <p:sp>
-        <p:nvSpPr>
-          <p:cNvPr id="17" name="正方形/長方形 16">
-            <a:extLst>
-              <a:ext uri="{FF2B5EF4-FFF2-40B4-BE49-F238E27FC236}">
-                <a16:creationId xmlns:a16="http://schemas.microsoft.com/office/drawing/2014/main" id="{1D914C5D-CC85-783C-3F68-7F38B1E5CE9D}"/>
-              </a:ext>
-            </a:extLst>
-          </p:cNvPr>
-          <p:cNvSpPr/>
-          <p:nvPr/>
-        </p:nvSpPr>
-        <p:spPr>
-          <a:xfrm>
-            <a:off x="4834818" y="1797050"/>
-            <a:ext cx="1794582" cy="347312"/>
-          </a:xfrm>
-          <a:prstGeom prst="rect">
-            <a:avLst/>
-          </a:prstGeom>
-          <a:noFill/>
-          <a:ln w="28575" cap="rnd">
-            <a:solidFill>
-              <a:srgbClr val="ED7D31"/>
-            </a:solidFill>
-            <a:prstDash val="solid"/>
-            <a:round/>
-            <a:extLst>
-              <a:ext uri="{C807C97D-BFC1-408E-A445-0C87EB9F89A2}">
-                <ask:lineSketchStyleProps xmlns:ask="http://schemas.microsoft.com/office/drawing/2018/sketchyshapes" sd="1219033472">
-                  <a:custGeom>
-                    <a:avLst/>
-                    <a:gdLst>
-                      <a:gd name="connsiteX0" fmla="*/ 0 w 1515292"/>
-                      <a:gd name="connsiteY0" fmla="*/ 0 h 269965"/>
-                      <a:gd name="connsiteX1" fmla="*/ 1515292 w 1515292"/>
-                      <a:gd name="connsiteY1" fmla="*/ 0 h 269965"/>
-                      <a:gd name="connsiteX2" fmla="*/ 1515292 w 1515292"/>
-                      <a:gd name="connsiteY2" fmla="*/ 269965 h 269965"/>
-                      <a:gd name="connsiteX3" fmla="*/ 0 w 1515292"/>
-                      <a:gd name="connsiteY3" fmla="*/ 269965 h 269965"/>
-                      <a:gd name="connsiteX4" fmla="*/ 0 w 1515292"/>
-                      <a:gd name="connsiteY4" fmla="*/ 0 h 269965"/>
-                    </a:gdLst>
-                    <a:ahLst/>
-                    <a:cxnLst>
-                      <a:cxn ang="0">
-                        <a:pos x="connsiteX0" y="connsiteY0"/>
-                      </a:cxn>
-                      <a:cxn ang="0">
-                        <a:pos x="connsiteX1" y="connsiteY1"/>
-                      </a:cxn>
-                      <a:cxn ang="0">
-                        <a:pos x="connsiteX2" y="connsiteY2"/>
-                      </a:cxn>
-                      <a:cxn ang="0">
-                        <a:pos x="connsiteX3" y="connsiteY3"/>
-                      </a:cxn>
-                      <a:cxn ang="0">
-                        <a:pos x="connsiteX4" y="connsiteY4"/>
-                      </a:cxn>
-                    </a:cxnLst>
-                    <a:rect l="l" t="t" r="r" b="b"/>
-                    <a:pathLst>
-                      <a:path w="1515292" h="269965" extrusionOk="0">
-                        <a:moveTo>
-                          <a:pt x="0" y="0"/>
-                        </a:moveTo>
-                        <a:cubicBezTo>
-                          <a:pt x="345102" y="42059"/>
-                          <a:pt x="1305519" y="-31303"/>
-                          <a:pt x="1515292" y="0"/>
-                        </a:cubicBezTo>
-                        <a:cubicBezTo>
-                          <a:pt x="1497331" y="53552"/>
-                          <a:pt x="1523581" y="155859"/>
-                          <a:pt x="1515292" y="269965"/>
-                        </a:cubicBezTo>
-                        <a:cubicBezTo>
-                          <a:pt x="1294371" y="378308"/>
-                          <a:pt x="663023" y="229196"/>
-                          <a:pt x="0" y="269965"/>
-                        </a:cubicBezTo>
-                        <a:cubicBezTo>
-                          <a:pt x="23496" y="139146"/>
-                          <a:pt x="10837" y="51289"/>
-                          <a:pt x="0" y="0"/>
-                        </a:cubicBezTo>
-                        <a:close/>
-                      </a:path>
-                    </a:pathLst>
-                  </a:custGeom>
-                  <ask:type>
-                    <ask:lineSketchNone/>
-                  </ask:type>
-                </ask:lineSketchStyleProps>
-              </a:ext>
-            </a:extLst>
-          </a:ln>
-        </p:spPr>
-        <p:style>
-          <a:lnRef idx="2">
-            <a:schemeClr val="accent1">
-              <a:shade val="50000"/>
-            </a:schemeClr>
-          </a:lnRef>
-          <a:fillRef idx="1">
-            <a:schemeClr val="accent1"/>
-          </a:fillRef>
-          <a:effectRef idx="0">
-            <a:schemeClr val="accent1"/>
-          </a:effectRef>
-          <a:fontRef idx="minor">
-            <a:schemeClr val="lt1"/>
-          </a:fontRef>
-        </p:style>
-        <p:txBody>
-          <a:bodyPr rtlCol="0" anchor="ctr"/>
-          <a:lstStyle/>
-          <a:p>
-            <a:pPr algn="ctr"/>
-            <a:endParaRPr kumimoji="1" lang="ja-JP" altLang="en-US" sz="2554"/>
-          </a:p>
-        </p:txBody>
-      </p:sp>
-      <p:cxnSp>
-        <p:nvCxnSpPr>
-          <p:cNvPr id="23" name="直線矢印コネクタ 22">
-            <a:extLst>
-              <a:ext uri="{FF2B5EF4-FFF2-40B4-BE49-F238E27FC236}">
-                <a16:creationId xmlns:a16="http://schemas.microsoft.com/office/drawing/2014/main" id="{7C34692D-DC7F-ADCF-420F-572E1BCC2DAA}"/>
-              </a:ext>
-            </a:extLst>
-          </p:cNvPr>
-          <p:cNvCxnSpPr>
-            <a:cxnSpLocks/>
-            <a:endCxn id="17" idx="1"/>
-          </p:cNvCxnSpPr>
-          <p:nvPr/>
-        </p:nvCxnSpPr>
-        <p:spPr>
-          <a:xfrm>
-            <a:off x="3879850" y="1970706"/>
-            <a:ext cx="954968" cy="0"/>
-          </a:xfrm>
-          <a:prstGeom prst="straightConnector1">
-            <a:avLst/>
-          </a:prstGeom>
-          <a:ln w="38100">
-            <a:tailEnd type="triangle"/>
-          </a:ln>
-        </p:spPr>
-        <p:style>
-          <a:lnRef idx="3">
-            <a:schemeClr val="accent2"/>
-          </a:lnRef>
-          <a:fillRef idx="0">
-            <a:schemeClr val="accent2"/>
-          </a:fillRef>
-          <a:effectRef idx="2">
-            <a:schemeClr val="accent2"/>
-          </a:effectRef>
-          <a:fontRef idx="minor">
-            <a:schemeClr val="tx1"/>
-          </a:fontRef>
-        </p:style>
-      </p:cxnSp>
-      <p:grpSp>
-        <p:nvGrpSpPr>
-          <p:cNvPr id="25" name="グループ化 24">
-            <a:extLst>
-              <a:ext uri="{FF2B5EF4-FFF2-40B4-BE49-F238E27FC236}">
-                <a16:creationId xmlns:a16="http://schemas.microsoft.com/office/drawing/2014/main" id="{3E210379-8CE9-E068-63ED-A60E5442EA2B}"/>
+                <a16:creationId xmlns:a16="http://schemas.microsoft.com/office/drawing/2014/main" id="{307F05F7-8B2E-8266-55AF-4F301A838617}"/>
               </a:ext>
             </a:extLst>
           </p:cNvPr>
@@ -7918,18 +7705,18 @@
         </p:nvGrpSpPr>
         <p:grpSpPr>
           <a:xfrm>
-            <a:off x="1006018" y="3188411"/>
-            <a:ext cx="2352744" cy="1250291"/>
-            <a:chOff x="758756" y="2284059"/>
-            <a:chExt cx="2496776" cy="1326832"/>
+            <a:off x="4244975" y="500529"/>
+            <a:ext cx="3074459" cy="4293642"/>
+            <a:chOff x="4301758" y="457524"/>
+            <a:chExt cx="3048470" cy="4257347"/>
           </a:xfrm>
         </p:grpSpPr>
         <p:pic>
           <p:nvPicPr>
-            <p:cNvPr id="21" name="図 20">
+            <p:cNvPr id="27" name="図 26">
               <a:extLst>
                 <a:ext uri="{FF2B5EF4-FFF2-40B4-BE49-F238E27FC236}">
-                  <a16:creationId xmlns:a16="http://schemas.microsoft.com/office/drawing/2014/main" id="{A16169B4-6F53-732F-74D9-7ACC64581660}"/>
+                  <a16:creationId xmlns:a16="http://schemas.microsoft.com/office/drawing/2014/main" id="{05F7D88C-E6FF-CA52-244E-C2903F44A48A}"/>
                 </a:ext>
               </a:extLst>
             </p:cNvPr>
@@ -7939,15 +7726,15 @@
             <p:nvPr/>
           </p:nvPicPr>
           <p:blipFill>
-            <a:blip r:embed="rId4"/>
+            <a:blip r:embed="rId3"/>
             <a:stretch>
               <a:fillRect/>
             </a:stretch>
           </p:blipFill>
           <p:spPr>
             <a:xfrm>
-              <a:off x="758756" y="2284059"/>
-              <a:ext cx="2496776" cy="1326832"/>
+              <a:off x="4301758" y="457524"/>
+              <a:ext cx="3048470" cy="4257347"/>
             </a:xfrm>
             <a:prstGeom prst="rect">
               <a:avLst/>
@@ -7956,10 +7743,10 @@
         </p:pic>
         <p:sp>
           <p:nvSpPr>
-            <p:cNvPr id="24" name="正方形/長方形 23">
+            <p:cNvPr id="34" name="正方形/長方形 33">
               <a:extLst>
                 <a:ext uri="{FF2B5EF4-FFF2-40B4-BE49-F238E27FC236}">
-                  <a16:creationId xmlns:a16="http://schemas.microsoft.com/office/drawing/2014/main" id="{9778D9F8-80B1-A7F3-E2CE-CF0FEE0BC371}"/>
+                  <a16:creationId xmlns:a16="http://schemas.microsoft.com/office/drawing/2014/main" id="{6B3921A4-816C-1C2F-DB69-AAB73C662ACD}"/>
                 </a:ext>
               </a:extLst>
             </p:cNvPr>
@@ -7968,8 +7755,8 @@
           </p:nvSpPr>
           <p:spPr>
             <a:xfrm>
-              <a:off x="793749" y="2520950"/>
-              <a:ext cx="2212976" cy="199186"/>
+              <a:off x="4381500" y="1922339"/>
+              <a:ext cx="2552700" cy="390507"/>
             </a:xfrm>
             <a:prstGeom prst="rect">
               <a:avLst/>
@@ -8079,97 +7866,633 @@
             </a:p>
           </p:txBody>
         </p:sp>
+        <p:cxnSp>
+          <p:nvCxnSpPr>
+            <p:cNvPr id="30" name="直線コネクタ 29">
+              <a:extLst>
+                <a:ext uri="{FF2B5EF4-FFF2-40B4-BE49-F238E27FC236}">
+                  <a16:creationId xmlns:a16="http://schemas.microsoft.com/office/drawing/2014/main" id="{87EE8963-2A30-540C-53EE-E916932AB53F}"/>
+                </a:ext>
+              </a:extLst>
+            </p:cNvPr>
+            <p:cNvCxnSpPr>
+              <a:cxnSpLocks/>
+            </p:cNvCxnSpPr>
+            <p:nvPr/>
+          </p:nvCxnSpPr>
+          <p:spPr>
+            <a:xfrm>
+              <a:off x="4673600" y="746125"/>
+              <a:ext cx="2546350" cy="0"/>
+            </a:xfrm>
+            <a:prstGeom prst="line">
+              <a:avLst/>
+            </a:prstGeom>
+            <a:noFill/>
+            <a:ln w="28575" cap="rnd">
+              <a:solidFill>
+                <a:srgbClr val="ED7D31"/>
+              </a:solidFill>
+              <a:prstDash val="solid"/>
+              <a:round/>
+              <a:extLst>
+                <a:ext uri="{C807C97D-BFC1-408E-A445-0C87EB9F89A2}">
+                  <ask:lineSketchStyleProps xmlns:ask="http://schemas.microsoft.com/office/drawing/2018/sketchyshapes" sd="1219033472">
+                    <a:custGeom>
+                      <a:avLst/>
+                      <a:gdLst>
+                        <a:gd name="connsiteX0" fmla="*/ 0 w 1515292"/>
+                        <a:gd name="connsiteY0" fmla="*/ 0 h 269965"/>
+                        <a:gd name="connsiteX1" fmla="*/ 1515292 w 1515292"/>
+                        <a:gd name="connsiteY1" fmla="*/ 0 h 269965"/>
+                        <a:gd name="connsiteX2" fmla="*/ 1515292 w 1515292"/>
+                        <a:gd name="connsiteY2" fmla="*/ 269965 h 269965"/>
+                        <a:gd name="connsiteX3" fmla="*/ 0 w 1515292"/>
+                        <a:gd name="connsiteY3" fmla="*/ 269965 h 269965"/>
+                        <a:gd name="connsiteX4" fmla="*/ 0 w 1515292"/>
+                        <a:gd name="connsiteY4" fmla="*/ 0 h 269965"/>
+                      </a:gdLst>
+                      <a:ahLst/>
+                      <a:cxnLst>
+                        <a:cxn ang="0">
+                          <a:pos x="connsiteX0" y="connsiteY0"/>
+                        </a:cxn>
+                        <a:cxn ang="0">
+                          <a:pos x="connsiteX1" y="connsiteY1"/>
+                        </a:cxn>
+                        <a:cxn ang="0">
+                          <a:pos x="connsiteX2" y="connsiteY2"/>
+                        </a:cxn>
+                        <a:cxn ang="0">
+                          <a:pos x="connsiteX3" y="connsiteY3"/>
+                        </a:cxn>
+                        <a:cxn ang="0">
+                          <a:pos x="connsiteX4" y="connsiteY4"/>
+                        </a:cxn>
+                      </a:cxnLst>
+                      <a:rect l="l" t="t" r="r" b="b"/>
+                      <a:pathLst>
+                        <a:path w="1515292" h="269965" extrusionOk="0">
+                          <a:moveTo>
+                            <a:pt x="0" y="0"/>
+                          </a:moveTo>
+                          <a:cubicBezTo>
+                            <a:pt x="345102" y="42059"/>
+                            <a:pt x="1305519" y="-31303"/>
+                            <a:pt x="1515292" y="0"/>
+                          </a:cubicBezTo>
+                          <a:cubicBezTo>
+                            <a:pt x="1497331" y="53552"/>
+                            <a:pt x="1523581" y="155859"/>
+                            <a:pt x="1515292" y="269965"/>
+                          </a:cubicBezTo>
+                          <a:cubicBezTo>
+                            <a:pt x="1294371" y="378308"/>
+                            <a:pt x="663023" y="229196"/>
+                            <a:pt x="0" y="269965"/>
+                          </a:cubicBezTo>
+                          <a:cubicBezTo>
+                            <a:pt x="23496" y="139146"/>
+                            <a:pt x="10837" y="51289"/>
+                            <a:pt x="0" y="0"/>
+                          </a:cubicBezTo>
+                          <a:close/>
+                        </a:path>
+                      </a:pathLst>
+                    </a:custGeom>
+                    <ask:type>
+                      <ask:lineSketchNone/>
+                    </ask:type>
+                  </ask:lineSketchStyleProps>
+                </a:ext>
+              </a:extLst>
+            </a:ln>
+          </p:spPr>
+          <p:style>
+            <a:lnRef idx="2">
+              <a:schemeClr val="accent1">
+                <a:shade val="50000"/>
+              </a:schemeClr>
+            </a:lnRef>
+            <a:fillRef idx="1">
+              <a:schemeClr val="accent1"/>
+            </a:fillRef>
+            <a:effectRef idx="0">
+              <a:schemeClr val="accent1"/>
+            </a:effectRef>
+            <a:fontRef idx="minor">
+              <a:schemeClr val="lt1"/>
+            </a:fontRef>
+          </p:style>
+        </p:cxnSp>
       </p:grpSp>
+      <p:grpSp>
+        <p:nvGrpSpPr>
+          <p:cNvPr id="41" name="グループ化 40">
+            <a:extLst>
+              <a:ext uri="{FF2B5EF4-FFF2-40B4-BE49-F238E27FC236}">
+                <a16:creationId xmlns:a16="http://schemas.microsoft.com/office/drawing/2014/main" id="{C58642EA-95C0-1322-1EC9-805B1992A744}"/>
+              </a:ext>
+            </a:extLst>
+          </p:cNvPr>
+          <p:cNvGrpSpPr/>
+          <p:nvPr/>
+        </p:nvGrpSpPr>
+        <p:grpSpPr>
+          <a:xfrm>
+            <a:off x="597251" y="3279765"/>
+            <a:ext cx="3182585" cy="1514406"/>
+            <a:chOff x="683797" y="3208063"/>
+            <a:chExt cx="3182585" cy="1514406"/>
+          </a:xfrm>
+        </p:grpSpPr>
+        <p:pic>
+          <p:nvPicPr>
+            <p:cNvPr id="37" name="図 36">
+              <a:extLst>
+                <a:ext uri="{FF2B5EF4-FFF2-40B4-BE49-F238E27FC236}">
+                  <a16:creationId xmlns:a16="http://schemas.microsoft.com/office/drawing/2014/main" id="{5BB0C15D-F081-D6AF-3C0D-673AA45346C4}"/>
+                </a:ext>
+              </a:extLst>
+            </p:cNvPr>
+            <p:cNvPicPr>
+              <a:picLocks noChangeAspect="1"/>
+            </p:cNvPicPr>
+            <p:nvPr/>
+          </p:nvPicPr>
+          <p:blipFill>
+            <a:blip r:embed="rId4"/>
+            <a:stretch>
+              <a:fillRect/>
+            </a:stretch>
+          </p:blipFill>
+          <p:spPr>
+            <a:xfrm>
+              <a:off x="683797" y="3208063"/>
+              <a:ext cx="2258846" cy="1514406"/>
+            </a:xfrm>
+            <a:prstGeom prst="rect">
+              <a:avLst/>
+            </a:prstGeom>
+          </p:spPr>
+        </p:pic>
+        <p:pic>
+          <p:nvPicPr>
+            <p:cNvPr id="31" name="図 30">
+              <a:extLst>
+                <a:ext uri="{FF2B5EF4-FFF2-40B4-BE49-F238E27FC236}">
+                  <a16:creationId xmlns:a16="http://schemas.microsoft.com/office/drawing/2014/main" id="{1CA41622-74E1-57CB-A256-58C13DC67180}"/>
+                </a:ext>
+              </a:extLst>
+            </p:cNvPr>
+            <p:cNvPicPr>
+              <a:picLocks noChangeAspect="1"/>
+            </p:cNvPicPr>
+            <p:nvPr/>
+          </p:nvPicPr>
+          <p:blipFill>
+            <a:blip r:embed="rId5"/>
+            <a:stretch>
+              <a:fillRect/>
+            </a:stretch>
+          </p:blipFill>
+          <p:spPr>
+            <a:xfrm>
+              <a:off x="3208449" y="3687805"/>
+              <a:ext cx="657933" cy="554922"/>
+            </a:xfrm>
+            <a:prstGeom prst="rect">
+              <a:avLst/>
+            </a:prstGeom>
+          </p:spPr>
+        </p:pic>
+        <p:sp>
+          <p:nvSpPr>
+            <p:cNvPr id="32" name="矢印: 下カーブ 31">
+              <a:extLst>
+                <a:ext uri="{FF2B5EF4-FFF2-40B4-BE49-F238E27FC236}">
+                  <a16:creationId xmlns:a16="http://schemas.microsoft.com/office/drawing/2014/main" id="{140092E7-F386-2DA2-A4EE-0C903E0A6775}"/>
+                </a:ext>
+              </a:extLst>
+            </p:cNvPr>
+            <p:cNvSpPr/>
+            <p:nvPr/>
+          </p:nvSpPr>
+          <p:spPr>
+            <a:xfrm>
+              <a:off x="2583865" y="3412582"/>
+              <a:ext cx="983933" cy="304961"/>
+            </a:xfrm>
+            <a:prstGeom prst="curvedDownArrow">
+              <a:avLst>
+                <a:gd name="adj1" fmla="val 59027"/>
+                <a:gd name="adj2" fmla="val 111396"/>
+                <a:gd name="adj3" fmla="val 37152"/>
+              </a:avLst>
+            </a:prstGeom>
+            <a:solidFill>
+              <a:schemeClr val="accent2"/>
+            </a:solidFill>
+            <a:ln>
+              <a:noFill/>
+            </a:ln>
+          </p:spPr>
+          <p:style>
+            <a:lnRef idx="2">
+              <a:schemeClr val="accent1">
+                <a:shade val="50000"/>
+              </a:schemeClr>
+            </a:lnRef>
+            <a:fillRef idx="1">
+              <a:schemeClr val="accent1"/>
+            </a:fillRef>
+            <a:effectRef idx="0">
+              <a:schemeClr val="accent1"/>
+            </a:effectRef>
+            <a:fontRef idx="minor">
+              <a:schemeClr val="lt1"/>
+            </a:fontRef>
+          </p:style>
+          <p:txBody>
+            <a:bodyPr rtlCol="0" anchor="ctr"/>
+            <a:lstStyle/>
+            <a:p>
+              <a:pPr algn="ctr"/>
+              <a:endParaRPr kumimoji="1" lang="ja-JP" altLang="en-US">
+                <a:solidFill>
+                  <a:schemeClr val="tx1"/>
+                </a:solidFill>
+              </a:endParaRPr>
+            </a:p>
+          </p:txBody>
+        </p:sp>
+        <p:sp>
+          <p:nvSpPr>
+            <p:cNvPr id="38" name="正方形/長方形 37">
+              <a:extLst>
+                <a:ext uri="{FF2B5EF4-FFF2-40B4-BE49-F238E27FC236}">
+                  <a16:creationId xmlns:a16="http://schemas.microsoft.com/office/drawing/2014/main" id="{0762234A-DB45-E8F6-273D-156B1D1B66FE}"/>
+                </a:ext>
+              </a:extLst>
+            </p:cNvPr>
+            <p:cNvSpPr/>
+            <p:nvPr/>
+          </p:nvSpPr>
+          <p:spPr>
+            <a:xfrm>
+              <a:off x="737446" y="3727450"/>
+              <a:ext cx="2070552" cy="189499"/>
+            </a:xfrm>
+            <a:prstGeom prst="rect">
+              <a:avLst/>
+            </a:prstGeom>
+            <a:noFill/>
+            <a:ln w="28575" cap="rnd">
+              <a:solidFill>
+                <a:srgbClr val="ED7D31"/>
+              </a:solidFill>
+              <a:prstDash val="solid"/>
+              <a:round/>
+              <a:extLst>
+                <a:ext uri="{C807C97D-BFC1-408E-A445-0C87EB9F89A2}">
+                  <ask:lineSketchStyleProps xmlns:ask="http://schemas.microsoft.com/office/drawing/2018/sketchyshapes" sd="1219033472">
+                    <a:custGeom>
+                      <a:avLst/>
+                      <a:gdLst>
+                        <a:gd name="connsiteX0" fmla="*/ 0 w 1515292"/>
+                        <a:gd name="connsiteY0" fmla="*/ 0 h 269965"/>
+                        <a:gd name="connsiteX1" fmla="*/ 1515292 w 1515292"/>
+                        <a:gd name="connsiteY1" fmla="*/ 0 h 269965"/>
+                        <a:gd name="connsiteX2" fmla="*/ 1515292 w 1515292"/>
+                        <a:gd name="connsiteY2" fmla="*/ 269965 h 269965"/>
+                        <a:gd name="connsiteX3" fmla="*/ 0 w 1515292"/>
+                        <a:gd name="connsiteY3" fmla="*/ 269965 h 269965"/>
+                        <a:gd name="connsiteX4" fmla="*/ 0 w 1515292"/>
+                        <a:gd name="connsiteY4" fmla="*/ 0 h 269965"/>
+                      </a:gdLst>
+                      <a:ahLst/>
+                      <a:cxnLst>
+                        <a:cxn ang="0">
+                          <a:pos x="connsiteX0" y="connsiteY0"/>
+                        </a:cxn>
+                        <a:cxn ang="0">
+                          <a:pos x="connsiteX1" y="connsiteY1"/>
+                        </a:cxn>
+                        <a:cxn ang="0">
+                          <a:pos x="connsiteX2" y="connsiteY2"/>
+                        </a:cxn>
+                        <a:cxn ang="0">
+                          <a:pos x="connsiteX3" y="connsiteY3"/>
+                        </a:cxn>
+                        <a:cxn ang="0">
+                          <a:pos x="connsiteX4" y="connsiteY4"/>
+                        </a:cxn>
+                      </a:cxnLst>
+                      <a:rect l="l" t="t" r="r" b="b"/>
+                      <a:pathLst>
+                        <a:path w="1515292" h="269965" extrusionOk="0">
+                          <a:moveTo>
+                            <a:pt x="0" y="0"/>
+                          </a:moveTo>
+                          <a:cubicBezTo>
+                            <a:pt x="345102" y="42059"/>
+                            <a:pt x="1305519" y="-31303"/>
+                            <a:pt x="1515292" y="0"/>
+                          </a:cubicBezTo>
+                          <a:cubicBezTo>
+                            <a:pt x="1497331" y="53552"/>
+                            <a:pt x="1523581" y="155859"/>
+                            <a:pt x="1515292" y="269965"/>
+                          </a:cubicBezTo>
+                          <a:cubicBezTo>
+                            <a:pt x="1294371" y="378308"/>
+                            <a:pt x="663023" y="229196"/>
+                            <a:pt x="0" y="269965"/>
+                          </a:cubicBezTo>
+                          <a:cubicBezTo>
+                            <a:pt x="23496" y="139146"/>
+                            <a:pt x="10837" y="51289"/>
+                            <a:pt x="0" y="0"/>
+                          </a:cubicBezTo>
+                          <a:close/>
+                        </a:path>
+                      </a:pathLst>
+                    </a:custGeom>
+                    <ask:type>
+                      <ask:lineSketchNone/>
+                    </ask:type>
+                  </ask:lineSketchStyleProps>
+                </a:ext>
+              </a:extLst>
+            </a:ln>
+          </p:spPr>
+          <p:style>
+            <a:lnRef idx="2">
+              <a:schemeClr val="accent1">
+                <a:shade val="50000"/>
+              </a:schemeClr>
+            </a:lnRef>
+            <a:fillRef idx="1">
+              <a:schemeClr val="accent1"/>
+            </a:fillRef>
+            <a:effectRef idx="0">
+              <a:schemeClr val="accent1"/>
+            </a:effectRef>
+            <a:fontRef idx="minor">
+              <a:schemeClr val="lt1"/>
+            </a:fontRef>
+          </p:style>
+          <p:txBody>
+            <a:bodyPr rtlCol="0" anchor="ctr"/>
+            <a:lstStyle/>
+            <a:p>
+              <a:pPr algn="ctr"/>
+              <a:endParaRPr kumimoji="1" lang="ja-JP" altLang="en-US" sz="2554"/>
+            </a:p>
+          </p:txBody>
+        </p:sp>
+        <p:cxnSp>
+          <p:nvCxnSpPr>
+            <p:cNvPr id="39" name="直線コネクタ 38">
+              <a:extLst>
+                <a:ext uri="{FF2B5EF4-FFF2-40B4-BE49-F238E27FC236}">
+                  <a16:creationId xmlns:a16="http://schemas.microsoft.com/office/drawing/2014/main" id="{BE47ADC2-F222-D1A3-017A-CF615E93408A}"/>
+                </a:ext>
+              </a:extLst>
+            </p:cNvPr>
+            <p:cNvCxnSpPr>
+              <a:cxnSpLocks/>
+            </p:cNvCxnSpPr>
+            <p:nvPr/>
+          </p:nvCxnSpPr>
+          <p:spPr>
+            <a:xfrm>
+              <a:off x="949325" y="3432175"/>
+              <a:ext cx="1016000" cy="0"/>
+            </a:xfrm>
+            <a:prstGeom prst="line">
+              <a:avLst/>
+            </a:prstGeom>
+            <a:noFill/>
+            <a:ln w="28575" cap="rnd">
+              <a:solidFill>
+                <a:srgbClr val="ED7D31"/>
+              </a:solidFill>
+              <a:prstDash val="solid"/>
+              <a:round/>
+              <a:extLst>
+                <a:ext uri="{C807C97D-BFC1-408E-A445-0C87EB9F89A2}">
+                  <ask:lineSketchStyleProps xmlns:ask="http://schemas.microsoft.com/office/drawing/2018/sketchyshapes" sd="1219033472">
+                    <a:custGeom>
+                      <a:avLst/>
+                      <a:gdLst>
+                        <a:gd name="connsiteX0" fmla="*/ 0 w 1515292"/>
+                        <a:gd name="connsiteY0" fmla="*/ 0 h 269965"/>
+                        <a:gd name="connsiteX1" fmla="*/ 1515292 w 1515292"/>
+                        <a:gd name="connsiteY1" fmla="*/ 0 h 269965"/>
+                        <a:gd name="connsiteX2" fmla="*/ 1515292 w 1515292"/>
+                        <a:gd name="connsiteY2" fmla="*/ 269965 h 269965"/>
+                        <a:gd name="connsiteX3" fmla="*/ 0 w 1515292"/>
+                        <a:gd name="connsiteY3" fmla="*/ 269965 h 269965"/>
+                        <a:gd name="connsiteX4" fmla="*/ 0 w 1515292"/>
+                        <a:gd name="connsiteY4" fmla="*/ 0 h 269965"/>
+                      </a:gdLst>
+                      <a:ahLst/>
+                      <a:cxnLst>
+                        <a:cxn ang="0">
+                          <a:pos x="connsiteX0" y="connsiteY0"/>
+                        </a:cxn>
+                        <a:cxn ang="0">
+                          <a:pos x="connsiteX1" y="connsiteY1"/>
+                        </a:cxn>
+                        <a:cxn ang="0">
+                          <a:pos x="connsiteX2" y="connsiteY2"/>
+                        </a:cxn>
+                        <a:cxn ang="0">
+                          <a:pos x="connsiteX3" y="connsiteY3"/>
+                        </a:cxn>
+                        <a:cxn ang="0">
+                          <a:pos x="connsiteX4" y="connsiteY4"/>
+                        </a:cxn>
+                      </a:cxnLst>
+                      <a:rect l="l" t="t" r="r" b="b"/>
+                      <a:pathLst>
+                        <a:path w="1515292" h="269965" extrusionOk="0">
+                          <a:moveTo>
+                            <a:pt x="0" y="0"/>
+                          </a:moveTo>
+                          <a:cubicBezTo>
+                            <a:pt x="345102" y="42059"/>
+                            <a:pt x="1305519" y="-31303"/>
+                            <a:pt x="1515292" y="0"/>
+                          </a:cubicBezTo>
+                          <a:cubicBezTo>
+                            <a:pt x="1497331" y="53552"/>
+                            <a:pt x="1523581" y="155859"/>
+                            <a:pt x="1515292" y="269965"/>
+                          </a:cubicBezTo>
+                          <a:cubicBezTo>
+                            <a:pt x="1294371" y="378308"/>
+                            <a:pt x="663023" y="229196"/>
+                            <a:pt x="0" y="269965"/>
+                          </a:cubicBezTo>
+                          <a:cubicBezTo>
+                            <a:pt x="23496" y="139146"/>
+                            <a:pt x="10837" y="51289"/>
+                            <a:pt x="0" y="0"/>
+                          </a:cubicBezTo>
+                          <a:close/>
+                        </a:path>
+                      </a:pathLst>
+                    </a:custGeom>
+                    <ask:type>
+                      <ask:lineSketchNone/>
+                    </ask:type>
+                  </ask:lineSketchStyleProps>
+                </a:ext>
+              </a:extLst>
+            </a:ln>
+          </p:spPr>
+          <p:style>
+            <a:lnRef idx="2">
+              <a:schemeClr val="accent1">
+                <a:shade val="50000"/>
+              </a:schemeClr>
+            </a:lnRef>
+            <a:fillRef idx="1">
+              <a:schemeClr val="accent1"/>
+            </a:fillRef>
+            <a:effectRef idx="0">
+              <a:schemeClr val="accent1"/>
+            </a:effectRef>
+            <a:fontRef idx="minor">
+              <a:schemeClr val="lt1"/>
+            </a:fontRef>
+          </p:style>
+        </p:cxnSp>
+      </p:grpSp>
+      <p:sp>
+        <p:nvSpPr>
+          <p:cNvPr id="51" name="テキスト ボックス 50">
+            <a:extLst>
+              <a:ext uri="{FF2B5EF4-FFF2-40B4-BE49-F238E27FC236}">
+                <a16:creationId xmlns:a16="http://schemas.microsoft.com/office/drawing/2014/main" id="{2A8CA0ED-3C61-FCEB-9F8A-1840A678FC5B}"/>
+              </a:ext>
+            </a:extLst>
+          </p:cNvPr>
+          <p:cNvSpPr txBox="1"/>
+          <p:nvPr/>
+        </p:nvSpPr>
+        <p:spPr>
+          <a:xfrm>
+            <a:off x="270936" y="4981423"/>
+            <a:ext cx="7048498" cy="252462"/>
+          </a:xfrm>
+          <a:prstGeom prst="rect">
+            <a:avLst/>
+          </a:prstGeom>
+          <a:solidFill>
+            <a:schemeClr val="tx2">
+              <a:lumMod val="20000"/>
+              <a:lumOff val="80000"/>
+            </a:schemeClr>
+          </a:solidFill>
+        </p:spPr>
+        <p:txBody>
+          <a:bodyPr vert="horz" wrap="square" lIns="288000" tIns="54000" rIns="72000" bIns="36000" rtlCol="0">
+            <a:spAutoFit/>
+          </a:bodyPr>
+          <a:lstStyle/>
+          <a:p>
+            <a:r>
+              <a:rPr kumimoji="1" lang="ja-JP" altLang="en-US" sz="1000" dirty="0">
+                <a:solidFill>
+                  <a:schemeClr val="tx1">
+                    <a:lumMod val="85000"/>
+                    <a:lumOff val="15000"/>
+                  </a:schemeClr>
+                </a:solidFill>
+                <a:latin typeface="MigMix 2P" panose="020B0503020203020204" pitchFamily="50" charset="-128"/>
+                <a:ea typeface="MigMix 2P" panose="020B0503020203020204" pitchFamily="50" charset="-128"/>
+                <a:cs typeface="MigMix 2P" panose="020B0503020203020204" pitchFamily="50" charset="-128"/>
+              </a:rPr>
+              <a:t>アプリダウンロード・リリース情報など</a:t>
+            </a:r>
+            <a:r>
+              <a:rPr kumimoji="1" lang="en-US" altLang="ja-JP" sz="1000" dirty="0">
+                <a:solidFill>
+                  <a:schemeClr val="tx1">
+                    <a:lumMod val="85000"/>
+                    <a:lumOff val="15000"/>
+                  </a:schemeClr>
+                </a:solidFill>
+                <a:latin typeface="MigMix 2P" panose="020B0503020203020204" pitchFamily="50" charset="-128"/>
+                <a:ea typeface="MigMix 2P" panose="020B0503020203020204" pitchFamily="50" charset="-128"/>
+                <a:cs typeface="MigMix 2P" panose="020B0503020203020204" pitchFamily="50" charset="-128"/>
+              </a:rPr>
+              <a:t>:   github.com/gans1971/PlayerControl_for_BIGTET</a:t>
+            </a:r>
+            <a:endParaRPr kumimoji="1" lang="ja-JP" altLang="en-US" sz="1000" dirty="0">
+              <a:solidFill>
+                <a:schemeClr val="tx1">
+                  <a:lumMod val="85000"/>
+                  <a:lumOff val="15000"/>
+                </a:schemeClr>
+              </a:solidFill>
+              <a:latin typeface="MigMix 2P" panose="020B0503020203020204" pitchFamily="50" charset="-128"/>
+              <a:ea typeface="MigMix 2P" panose="020B0503020203020204" pitchFamily="50" charset="-128"/>
+              <a:cs typeface="MigMix 2P" panose="020B0503020203020204" pitchFamily="50" charset="-128"/>
+            </a:endParaRPr>
+          </a:p>
+        </p:txBody>
+      </p:sp>
       <p:pic>
         <p:nvPicPr>
-          <p:cNvPr id="31" name="図 30">
+          <p:cNvPr id="52" name="Picture 2" descr="Github | 無料のアイコン">
             <a:extLst>
               <a:ext uri="{FF2B5EF4-FFF2-40B4-BE49-F238E27FC236}">
-                <a16:creationId xmlns:a16="http://schemas.microsoft.com/office/drawing/2014/main" id="{1CA41622-74E1-57CB-A256-58C13DC67180}"/>
+                <a16:creationId xmlns:a16="http://schemas.microsoft.com/office/drawing/2014/main" id="{59579283-22C3-3E61-592E-D749A13CB696}"/>
               </a:ext>
             </a:extLst>
           </p:cNvPr>
           <p:cNvPicPr>
-            <a:picLocks noChangeAspect="1"/>
+            <a:picLocks noChangeAspect="1" noChangeArrowheads="1"/>
           </p:cNvPicPr>
           <p:nvPr/>
         </p:nvPicPr>
         <p:blipFill>
-          <a:blip r:embed="rId5"/>
+          <a:blip r:embed="rId6">
+            <a:extLst>
+              <a:ext uri="{28A0092B-C50C-407E-A947-70E740481C1C}">
+                <a14:useLocalDpi xmlns:a14="http://schemas.microsoft.com/office/drawing/2010/main" val="0"/>
+              </a:ext>
+            </a:extLst>
+          </a:blip>
+          <a:srcRect/>
           <a:stretch>
             <a:fillRect/>
           </a:stretch>
         </p:blipFill>
-        <p:spPr>
+        <p:spPr bwMode="auto">
           <a:xfrm>
-            <a:off x="3544533" y="3485860"/>
-            <a:ext cx="657933" cy="554922"/>
+            <a:off x="338316" y="5023569"/>
+            <a:ext cx="168170" cy="168170"/>
           </a:xfrm>
           <a:prstGeom prst="rect">
             <a:avLst/>
           </a:prstGeom>
+          <a:noFill/>
+          <a:extLst>
+            <a:ext uri="{909E8E84-426E-40DD-AFC4-6F175D3DCCD1}">
+              <a14:hiddenFill xmlns:a14="http://schemas.microsoft.com/office/drawing/2010/main">
+                <a:solidFill>
+                  <a:srgbClr val="FFFFFF"/>
+                </a:solidFill>
+              </a14:hiddenFill>
+            </a:ext>
+          </a:extLst>
         </p:spPr>
       </p:pic>
-      <p:sp>
-        <p:nvSpPr>
-          <p:cNvPr id="32" name="矢印: 下カーブ 31">
-            <a:extLst>
-              <a:ext uri="{FF2B5EF4-FFF2-40B4-BE49-F238E27FC236}">
-                <a16:creationId xmlns:a16="http://schemas.microsoft.com/office/drawing/2014/main" id="{140092E7-F386-2DA2-A4EE-0C903E0A6775}"/>
-              </a:ext>
-            </a:extLst>
-          </p:cNvPr>
-          <p:cNvSpPr/>
-          <p:nvPr/>
-        </p:nvSpPr>
-        <p:spPr>
-          <a:xfrm>
-            <a:off x="2889346" y="3059014"/>
-            <a:ext cx="1149254" cy="371013"/>
-          </a:xfrm>
-          <a:prstGeom prst="curvedDownArrow">
-            <a:avLst>
-              <a:gd name="adj1" fmla="val 45808"/>
-              <a:gd name="adj2" fmla="val 79542"/>
-              <a:gd name="adj3" fmla="val 21748"/>
-            </a:avLst>
-          </a:prstGeom>
-          <a:solidFill>
-            <a:schemeClr val="accent2"/>
-          </a:solidFill>
-          <a:ln>
-            <a:noFill/>
-          </a:ln>
-        </p:spPr>
-        <p:style>
-          <a:lnRef idx="2">
-            <a:schemeClr val="accent1">
-              <a:shade val="50000"/>
-            </a:schemeClr>
-          </a:lnRef>
-          <a:fillRef idx="1">
-            <a:schemeClr val="accent1"/>
-          </a:fillRef>
-          <a:effectRef idx="0">
-            <a:schemeClr val="accent1"/>
-          </a:effectRef>
-          <a:fontRef idx="minor">
-            <a:schemeClr val="lt1"/>
-          </a:fontRef>
-        </p:style>
-        <p:txBody>
-          <a:bodyPr rtlCol="0" anchor="ctr"/>
-          <a:lstStyle/>
-          <a:p>
-            <a:pPr algn="ctr"/>
-            <a:endParaRPr kumimoji="1" lang="ja-JP" altLang="en-US">
-              <a:solidFill>
-                <a:schemeClr val="tx1"/>
-              </a:solidFill>
-            </a:endParaRPr>
-          </a:p>
-        </p:txBody>
-      </p:sp>
     </p:spTree>
     <p:extLst>
       <p:ext uri="{BB962C8B-B14F-4D97-AF65-F5344CB8AC3E}">

--- a/Manual/PlayerControlForBIGTET_QuickReference_v0.3.1.pptx
+++ b/Manual/PlayerControlForBIGTET_QuickReference_v0.3.1.pptx
@@ -7147,7 +7147,7 @@
         </p:nvGrpSpPr>
         <p:grpSpPr>
           <a:xfrm>
-            <a:off x="-1" y="13"/>
+            <a:off x="-1" y="-6337"/>
             <a:ext cx="7559675" cy="366899"/>
             <a:chOff x="-1" y="13"/>
             <a:chExt cx="7559675" cy="366899"/>

--- a/Manual/PlayerControlForBIGTET_QuickReference_v0.3.1.pptx
+++ b/Manual/PlayerControlForBIGTET_QuickReference_v0.3.1.pptx
@@ -3502,7 +3502,7 @@
         </p:nvGrpSpPr>
         <p:grpSpPr>
           <a:xfrm>
-            <a:off x="-1" y="-3810"/>
+            <a:off x="-1" y="-6985"/>
             <a:ext cx="7559675" cy="369258"/>
             <a:chOff x="-1" y="24393"/>
             <a:chExt cx="7559675" cy="369258"/>
@@ -7133,159 +7133,149 @@
           <a:chExt cx="0" cy="0"/>
         </a:xfrm>
       </p:grpSpPr>
-      <p:grpSp>
-        <p:nvGrpSpPr>
-          <p:cNvPr id="43" name="グループ化 42">
+      <p:sp>
+        <p:nvSpPr>
+          <p:cNvPr id="7" name="正方形/長方形 6">
             <a:extLst>
               <a:ext uri="{FF2B5EF4-FFF2-40B4-BE49-F238E27FC236}">
-                <a16:creationId xmlns:a16="http://schemas.microsoft.com/office/drawing/2014/main" id="{CCF28023-C57F-6467-993E-F28C84B45B93}"/>
+                <a16:creationId xmlns:a16="http://schemas.microsoft.com/office/drawing/2014/main" id="{BC5DAFA3-261C-A301-8BEB-5EC70E05A4FC}"/>
               </a:ext>
             </a:extLst>
           </p:cNvPr>
-          <p:cNvGrpSpPr/>
+          <p:cNvSpPr/>
           <p:nvPr/>
-        </p:nvGrpSpPr>
-        <p:grpSpPr>
+        </p:nvSpPr>
+        <p:spPr>
           <a:xfrm>
-            <a:off x="-1" y="-6337"/>
+            <a:off x="-1" y="-25387"/>
             <a:ext cx="7559675" cy="366899"/>
-            <a:chOff x="-1" y="13"/>
-            <a:chExt cx="7559675" cy="366899"/>
           </a:xfrm>
-        </p:grpSpPr>
-        <p:sp>
-          <p:nvSpPr>
-            <p:cNvPr id="7" name="正方形/長方形 6">
-              <a:extLst>
-                <a:ext uri="{FF2B5EF4-FFF2-40B4-BE49-F238E27FC236}">
-                  <a16:creationId xmlns:a16="http://schemas.microsoft.com/office/drawing/2014/main" id="{BC5DAFA3-261C-A301-8BEB-5EC70E05A4FC}"/>
-                </a:ext>
-              </a:extLst>
-            </p:cNvPr>
-            <p:cNvSpPr/>
-            <p:nvPr/>
-          </p:nvSpPr>
-          <p:spPr>
-            <a:xfrm>
-              <a:off x="-1" y="13"/>
-              <a:ext cx="7559675" cy="366899"/>
-            </a:xfrm>
-            <a:prstGeom prst="rect">
-              <a:avLst/>
-            </a:prstGeom>
-            <a:solidFill>
-              <a:schemeClr val="accent1">
-                <a:lumMod val="75000"/>
-              </a:schemeClr>
-            </a:solidFill>
-            <a:ln>
-              <a:noFill/>
-            </a:ln>
-          </p:spPr>
-          <p:style>
-            <a:lnRef idx="2">
-              <a:schemeClr val="accent1">
-                <a:shade val="50000"/>
-              </a:schemeClr>
-            </a:lnRef>
-            <a:fillRef idx="1">
-              <a:schemeClr val="accent1"/>
-            </a:fillRef>
-            <a:effectRef idx="0">
-              <a:schemeClr val="accent1"/>
-            </a:effectRef>
-            <a:fontRef idx="minor">
-              <a:schemeClr val="lt1"/>
-            </a:fontRef>
-          </p:style>
-          <p:txBody>
-            <a:bodyPr rtlCol="0" anchor="ctr"/>
-            <a:lstStyle/>
-            <a:p>
-              <a:pPr algn="ctr"/>
-              <a:endParaRPr kumimoji="1" lang="ja-JP" altLang="en-US" sz="2554"/>
-            </a:p>
-          </p:txBody>
-        </p:sp>
-        <p:sp>
-          <p:nvSpPr>
-            <p:cNvPr id="8" name="テキスト ボックス 7">
-              <a:extLst>
-                <a:ext uri="{FF2B5EF4-FFF2-40B4-BE49-F238E27FC236}">
-                  <a16:creationId xmlns:a16="http://schemas.microsoft.com/office/drawing/2014/main" id="{49BA7313-B466-9813-727C-360D28DC2C50}"/>
-                </a:ext>
-              </a:extLst>
-            </p:cNvPr>
-            <p:cNvSpPr txBox="1"/>
-            <p:nvPr/>
-          </p:nvSpPr>
-          <p:spPr>
-            <a:xfrm>
-              <a:off x="338316" y="8771"/>
-              <a:ext cx="7153980" cy="349383"/>
-            </a:xfrm>
-            <a:prstGeom prst="rect">
-              <a:avLst/>
-            </a:prstGeom>
+          <a:prstGeom prst="rect">
+            <a:avLst/>
+          </a:prstGeom>
+          <a:solidFill>
+            <a:schemeClr val="accent1">
+              <a:lumMod val="75000"/>
+            </a:schemeClr>
+          </a:solidFill>
+          <a:ln>
             <a:noFill/>
-          </p:spPr>
-          <p:txBody>
-            <a:bodyPr wrap="square" lIns="0" tIns="51082" rIns="0" bIns="51082" rtlCol="0">
-              <a:spAutoFit/>
-            </a:bodyPr>
-            <a:lstStyle/>
-            <a:p>
-              <a:r>
-                <a:rPr kumimoji="1" lang="ja-JP" altLang="en-US" sz="1600" b="1" dirty="0">
-                  <a:solidFill>
-                    <a:schemeClr val="bg1"/>
-                  </a:solidFill>
-                  <a:latin typeface="MigMix 2P" panose="020B0503020203020204" pitchFamily="50" charset="-128"/>
-                  <a:ea typeface="MigMix 2P" panose="020B0503020203020204" pitchFamily="50" charset="-128"/>
-                  <a:cs typeface="MigMix 2P" panose="020B0503020203020204" pitchFamily="50" charset="-128"/>
-                </a:rPr>
-                <a:t>セットアップ方法</a:t>
-              </a:r>
-            </a:p>
-          </p:txBody>
-        </p:sp>
-        <p:pic>
-          <p:nvPicPr>
-            <p:cNvPr id="9" name="図 8">
-              <a:extLst>
-                <a:ext uri="{FF2B5EF4-FFF2-40B4-BE49-F238E27FC236}">
-                  <a16:creationId xmlns:a16="http://schemas.microsoft.com/office/drawing/2014/main" id="{AD1BB06E-7863-724B-F534-5D787547A58A}"/>
-                </a:ext>
-              </a:extLst>
-            </p:cNvPr>
-            <p:cNvPicPr>
-              <a:picLocks noChangeAspect="1"/>
-            </p:cNvPicPr>
-            <p:nvPr/>
-          </p:nvPicPr>
-          <p:blipFill>
-            <a:blip r:embed="rId2">
-              <a:extLst>
-                <a:ext uri="{28A0092B-C50C-407E-A947-70E740481C1C}">
-                  <a14:useLocalDpi xmlns:a14="http://schemas.microsoft.com/office/drawing/2010/main" val="0"/>
-                </a:ext>
-              </a:extLst>
-            </a:blip>
-            <a:stretch>
-              <a:fillRect/>
-            </a:stretch>
-          </p:blipFill>
-          <p:spPr>
-            <a:xfrm>
-              <a:off x="67379" y="81684"/>
-              <a:ext cx="203557" cy="203557"/>
-            </a:xfrm>
-            <a:prstGeom prst="rect">
-              <a:avLst/>
-            </a:prstGeom>
-          </p:spPr>
-        </p:pic>
-      </p:grpSp>
+          </a:ln>
+        </p:spPr>
+        <p:style>
+          <a:lnRef idx="2">
+            <a:schemeClr val="accent1">
+              <a:shade val="50000"/>
+            </a:schemeClr>
+          </a:lnRef>
+          <a:fillRef idx="1">
+            <a:schemeClr val="accent1"/>
+          </a:fillRef>
+          <a:effectRef idx="0">
+            <a:schemeClr val="accent1"/>
+          </a:effectRef>
+          <a:fontRef idx="minor">
+            <a:schemeClr val="lt1"/>
+          </a:fontRef>
+        </p:style>
+        <p:txBody>
+          <a:bodyPr rtlCol="0" anchor="ctr"/>
+          <a:lstStyle/>
+          <a:p>
+            <a:pPr algn="ctr"/>
+            <a:endParaRPr kumimoji="1" lang="ja-JP" altLang="en-US" sz="2554"/>
+          </a:p>
+        </p:txBody>
+      </p:sp>
+      <p:sp>
+        <p:nvSpPr>
+          <p:cNvPr id="8" name="テキスト ボックス 7">
+            <a:extLst>
+              <a:ext uri="{FF2B5EF4-FFF2-40B4-BE49-F238E27FC236}">
+                <a16:creationId xmlns:a16="http://schemas.microsoft.com/office/drawing/2014/main" id="{49BA7313-B466-9813-727C-360D28DC2C50}"/>
+              </a:ext>
+            </a:extLst>
+          </p:cNvPr>
+          <p:cNvSpPr txBox="1"/>
+          <p:nvPr/>
+        </p:nvSpPr>
+        <p:spPr>
+          <a:xfrm>
+            <a:off x="338316" y="-7104"/>
+            <a:ext cx="7153980" cy="349383"/>
+          </a:xfrm>
+          <a:prstGeom prst="rect">
+            <a:avLst/>
+          </a:prstGeom>
+          <a:noFill/>
+        </p:spPr>
+        <p:txBody>
+          <a:bodyPr wrap="square" lIns="0" tIns="51082" rIns="0" bIns="51082" rtlCol="0">
+            <a:spAutoFit/>
+          </a:bodyPr>
+          <a:lstStyle/>
+          <a:p>
+            <a:r>
+              <a:rPr kumimoji="1" lang="en-US" altLang="ja-JP" sz="1600" b="1" dirty="0">
+                <a:solidFill>
+                  <a:schemeClr val="bg1"/>
+                </a:solidFill>
+                <a:latin typeface="MigMix 2P" panose="020B0503020203020204" pitchFamily="50" charset="-128"/>
+                <a:ea typeface="MigMix 2P" panose="020B0503020203020204" pitchFamily="50" charset="-128"/>
+                <a:cs typeface="MigMix 2P" panose="020B0503020203020204" pitchFamily="50" charset="-128"/>
+              </a:rPr>
+              <a:t>PlayerControl for BIGTET</a:t>
+            </a:r>
+            <a:r>
+              <a:rPr kumimoji="1" lang="ja-JP" altLang="en-US" sz="1600" b="1" dirty="0">
+                <a:solidFill>
+                  <a:schemeClr val="bg1"/>
+                </a:solidFill>
+                <a:latin typeface="MigMix 2P" panose="020B0503020203020204" pitchFamily="50" charset="-128"/>
+                <a:ea typeface="MigMix 2P" panose="020B0503020203020204" pitchFamily="50" charset="-128"/>
+                <a:cs typeface="MigMix 2P" panose="020B0503020203020204" pitchFamily="50" charset="-128"/>
+              </a:rPr>
+              <a:t> セットアップ方法</a:t>
+            </a:r>
+          </a:p>
+        </p:txBody>
+      </p:sp>
+      <p:pic>
+        <p:nvPicPr>
+          <p:cNvPr id="9" name="図 8">
+            <a:extLst>
+              <a:ext uri="{FF2B5EF4-FFF2-40B4-BE49-F238E27FC236}">
+                <a16:creationId xmlns:a16="http://schemas.microsoft.com/office/drawing/2014/main" id="{AD1BB06E-7863-724B-F534-5D787547A58A}"/>
+              </a:ext>
+            </a:extLst>
+          </p:cNvPr>
+          <p:cNvPicPr>
+            <a:picLocks noChangeAspect="1"/>
+          </p:cNvPicPr>
+          <p:nvPr/>
+        </p:nvPicPr>
+        <p:blipFill>
+          <a:blip r:embed="rId2">
+            <a:extLst>
+              <a:ext uri="{28A0092B-C50C-407E-A947-70E740481C1C}">
+                <a14:useLocalDpi xmlns:a14="http://schemas.microsoft.com/office/drawing/2010/main" val="0"/>
+              </a:ext>
+            </a:extLst>
+          </a:blip>
+          <a:stretch>
+            <a:fillRect/>
+          </a:stretch>
+        </p:blipFill>
+        <p:spPr>
+          <a:xfrm>
+            <a:off x="67379" y="65809"/>
+            <a:ext cx="203557" cy="203557"/>
+          </a:xfrm>
+          <a:prstGeom prst="rect">
+            <a:avLst/>
+          </a:prstGeom>
+        </p:spPr>
+      </p:pic>
       <p:sp>
         <p:nvSpPr>
           <p:cNvPr id="16" name="テキスト ボックス 15">
@@ -7693,10 +7683,10 @@
       </p:sp>
       <p:grpSp>
         <p:nvGrpSpPr>
-          <p:cNvPr id="42" name="グループ化 41">
+          <p:cNvPr id="11" name="グループ化 10">
             <a:extLst>
               <a:ext uri="{FF2B5EF4-FFF2-40B4-BE49-F238E27FC236}">
-                <a16:creationId xmlns:a16="http://schemas.microsoft.com/office/drawing/2014/main" id="{307F05F7-8B2E-8266-55AF-4F301A838617}"/>
+                <a16:creationId xmlns:a16="http://schemas.microsoft.com/office/drawing/2014/main" id="{E7BA4927-82F0-7E85-BBB7-4173DA4AB4A0}"/>
               </a:ext>
             </a:extLst>
           </p:cNvPr>
@@ -7705,18 +7695,18 @@
         </p:nvGrpSpPr>
         <p:grpSpPr>
           <a:xfrm>
-            <a:off x="4244975" y="500529"/>
-            <a:ext cx="3074459" cy="4293642"/>
-            <a:chOff x="4301758" y="457524"/>
-            <a:chExt cx="3048470" cy="4257347"/>
+            <a:off x="4260849" y="514505"/>
+            <a:ext cx="3089275" cy="4279666"/>
+            <a:chOff x="4260849" y="514505"/>
+            <a:chExt cx="3089275" cy="4279666"/>
           </a:xfrm>
         </p:grpSpPr>
         <p:pic>
           <p:nvPicPr>
-            <p:cNvPr id="27" name="図 26">
+            <p:cNvPr id="3" name="図 2">
               <a:extLst>
                 <a:ext uri="{FF2B5EF4-FFF2-40B4-BE49-F238E27FC236}">
-                  <a16:creationId xmlns:a16="http://schemas.microsoft.com/office/drawing/2014/main" id="{05F7D88C-E6FF-CA52-244E-C2903F44A48A}"/>
+                  <a16:creationId xmlns:a16="http://schemas.microsoft.com/office/drawing/2014/main" id="{51D59A47-0EFF-4FE5-25CA-9CA5948D1899}"/>
                 </a:ext>
               </a:extLst>
             </p:cNvPr>
@@ -7725,20 +7715,24 @@
             </p:cNvPicPr>
             <p:nvPr/>
           </p:nvPicPr>
-          <p:blipFill>
+          <p:blipFill rotWithShape="1">
             <a:blip r:embed="rId3"/>
-            <a:stretch>
-              <a:fillRect/>
-            </a:stretch>
+            <a:srcRect l="523" t="901" r="-1" b="-1"/>
+            <a:stretch/>
           </p:blipFill>
           <p:spPr>
             <a:xfrm>
-              <a:off x="4301758" y="457524"/>
-              <a:ext cx="3048470" cy="4257347"/>
+              <a:off x="4260849" y="514505"/>
+              <a:ext cx="3089275" cy="4279666"/>
             </a:xfrm>
             <a:prstGeom prst="rect">
               <a:avLst/>
             </a:prstGeom>
+            <a:ln>
+              <a:solidFill>
+                <a:schemeClr val="bg2"/>
+              </a:solidFill>
+            </a:ln>
           </p:spPr>
         </p:pic>
         <p:sp>
@@ -7755,8 +7749,8 @@
           </p:nvSpPr>
           <p:spPr>
             <a:xfrm>
-              <a:off x="4381500" y="1922339"/>
-              <a:ext cx="2552700" cy="390507"/>
+              <a:off x="4362449" y="1952627"/>
+              <a:ext cx="2537409" cy="419041"/>
             </a:xfrm>
             <a:prstGeom prst="rect">
               <a:avLst/>
@@ -7882,8 +7876,8 @@
           </p:nvCxnSpPr>
           <p:spPr>
             <a:xfrm>
-              <a:off x="4673600" y="746125"/>
-              <a:ext cx="2546350" cy="0"/>
+              <a:off x="4619987" y="728090"/>
+              <a:ext cx="2599963" cy="0"/>
             </a:xfrm>
             <a:prstGeom prst="line">
               <a:avLst/>
@@ -7988,10 +7982,10 @@
       </p:grpSp>
       <p:grpSp>
         <p:nvGrpSpPr>
-          <p:cNvPr id="41" name="グループ化 40">
+          <p:cNvPr id="10" name="グループ化 9">
             <a:extLst>
               <a:ext uri="{FF2B5EF4-FFF2-40B4-BE49-F238E27FC236}">
-                <a16:creationId xmlns:a16="http://schemas.microsoft.com/office/drawing/2014/main" id="{C58642EA-95C0-1322-1EC9-805B1992A744}"/>
+                <a16:creationId xmlns:a16="http://schemas.microsoft.com/office/drawing/2014/main" id="{1EA04A26-7813-C7E0-D4D0-A8C0A1E9A414}"/>
               </a:ext>
             </a:extLst>
           </p:cNvPr>
@@ -8000,18 +7994,18 @@
         </p:nvGrpSpPr>
         <p:grpSpPr>
           <a:xfrm>
-            <a:off x="597251" y="3279765"/>
-            <a:ext cx="3182585" cy="1514406"/>
-            <a:chOff x="683797" y="3208063"/>
-            <a:chExt cx="3182585" cy="1514406"/>
+            <a:off x="609427" y="3270659"/>
+            <a:ext cx="3170409" cy="1523511"/>
+            <a:chOff x="609427" y="3270659"/>
+            <a:chExt cx="3170409" cy="1523511"/>
           </a:xfrm>
         </p:grpSpPr>
         <p:pic>
           <p:nvPicPr>
-            <p:cNvPr id="37" name="図 36">
+            <p:cNvPr id="5" name="図 4">
               <a:extLst>
                 <a:ext uri="{FF2B5EF4-FFF2-40B4-BE49-F238E27FC236}">
-                  <a16:creationId xmlns:a16="http://schemas.microsoft.com/office/drawing/2014/main" id="{5BB0C15D-F081-D6AF-3C0D-673AA45346C4}"/>
+                  <a16:creationId xmlns:a16="http://schemas.microsoft.com/office/drawing/2014/main" id="{7368ADD3-A5A6-35B5-097D-29F42453340D}"/>
                 </a:ext>
               </a:extLst>
             </p:cNvPr>
@@ -8020,20 +8014,24 @@
             </p:cNvPicPr>
             <p:nvPr/>
           </p:nvPicPr>
-          <p:blipFill>
+          <p:blipFill rotWithShape="1">
             <a:blip r:embed="rId4"/>
-            <a:stretch>
-              <a:fillRect/>
-            </a:stretch>
+            <a:srcRect l="882" t="2029" b="-1"/>
+            <a:stretch/>
           </p:blipFill>
           <p:spPr>
             <a:xfrm>
-              <a:off x="683797" y="3208063"/>
-              <a:ext cx="2258846" cy="1514406"/>
+              <a:off x="609427" y="3270659"/>
+              <a:ext cx="2374381" cy="1523511"/>
             </a:xfrm>
             <a:prstGeom prst="rect">
               <a:avLst/>
             </a:prstGeom>
+            <a:ln>
+              <a:solidFill>
+                <a:schemeClr val="bg2"/>
+              </a:solidFill>
+            </a:ln>
           </p:spPr>
         </p:pic>
         <p:pic>
@@ -8058,7 +8056,7 @@
           </p:blipFill>
           <p:spPr>
             <a:xfrm>
-              <a:off x="3208449" y="3687805"/>
+              <a:off x="3121903" y="3759507"/>
               <a:ext cx="657933" cy="554922"/>
             </a:xfrm>
             <a:prstGeom prst="rect">
@@ -8080,7 +8078,7 @@
           </p:nvSpPr>
           <p:spPr>
             <a:xfrm>
-              <a:off x="2583865" y="3412582"/>
+              <a:off x="2497319" y="3462059"/>
               <a:ext cx="983933" cy="304961"/>
             </a:xfrm>
             <a:prstGeom prst="curvedDownArrow">
@@ -8140,8 +8138,8 @@
           </p:nvSpPr>
           <p:spPr>
             <a:xfrm>
-              <a:off x="737446" y="3727450"/>
-              <a:ext cx="2070552" cy="189499"/>
+              <a:off x="688974" y="3759508"/>
+              <a:ext cx="2206626" cy="243362"/>
             </a:xfrm>
             <a:prstGeom prst="rect">
               <a:avLst/>
@@ -8267,7 +8265,7 @@
           </p:nvCxnSpPr>
           <p:spPr>
             <a:xfrm>
-              <a:off x="949325" y="3432175"/>
+              <a:off x="904054" y="3449345"/>
               <a:ext cx="1016000" cy="0"/>
             </a:xfrm>
             <a:prstGeom prst="line">

--- a/Manual/PlayerControlForBIGTET_QuickReference_v0.3.1.pptx
+++ b/Manual/PlayerControlForBIGTET_QuickReference_v0.3.1.pptx
@@ -3710,50 +3710,6 @@
           </p:spPr>
         </p:pic>
       </p:grpSp>
-      <p:sp>
-        <p:nvSpPr>
-          <p:cNvPr id="12" name="テキスト ボックス 11">
-            <a:extLst>
-              <a:ext uri="{FF2B5EF4-FFF2-40B4-BE49-F238E27FC236}">
-                <a16:creationId xmlns:a16="http://schemas.microsoft.com/office/drawing/2014/main" id="{CB7607D7-6FB6-8C13-1556-9917643D5D4C}"/>
-              </a:ext>
-            </a:extLst>
-          </p:cNvPr>
-          <p:cNvSpPr txBox="1"/>
-          <p:nvPr/>
-        </p:nvSpPr>
-        <p:spPr>
-          <a:xfrm>
-            <a:off x="96125" y="-1869526"/>
-            <a:ext cx="612917" cy="305789"/>
-          </a:xfrm>
-          <a:prstGeom prst="rect">
-            <a:avLst/>
-          </a:prstGeom>
-          <a:noFill/>
-        </p:spPr>
-        <p:txBody>
-          <a:bodyPr wrap="none" lIns="51082" tIns="0" rIns="51082" bIns="0" rtlCol="0">
-            <a:spAutoFit/>
-          </a:bodyPr>
-          <a:lstStyle/>
-          <a:p>
-            <a:r>
-              <a:rPr kumimoji="1" lang="ja-JP" altLang="en-US" sz="1987" dirty="0">
-                <a:solidFill>
-                  <a:schemeClr val="tx2">
-                    <a:lumMod val="75000"/>
-                  </a:schemeClr>
-                </a:solidFill>
-                <a:latin typeface="MigMix 2P" panose="020B0503020203020204" pitchFamily="50" charset="-128"/>
-                <a:ea typeface="MigMix 2P" panose="020B0503020203020204" pitchFamily="50" charset="-128"/>
-                <a:cs typeface="MigMix 2P" panose="020B0503020203020204" pitchFamily="50" charset="-128"/>
-              </a:rPr>
-              <a:t>準備</a:t>
-            </a:r>
-          </a:p>
-        </p:txBody>
-      </p:sp>
       <p:pic>
         <p:nvPicPr>
           <p:cNvPr id="45" name="図 44">

--- a/Manual/PlayerControlForBIGTET_QuickReference_v0.3.1.pptx
+++ b/Manual/PlayerControlForBIGTET_QuickReference_v0.3.1.pptx
@@ -3691,7 +3691,7 @@
             <a:blip r:embed="rId2">
               <a:extLst>
                 <a:ext uri="{28A0092B-C50C-407E-A947-70E740481C1C}">
-                  <a14:useLocalDpi xmlns:a14="http://schemas.microsoft.com/office/drawing/2010/main" val="0"/>
+                  <a14:useLocalDpi xmlns:a14="http://schemas.microsoft.com/office/drawing/2010/main"/>
                 </a:ext>
               </a:extLst>
             </a:blip>
@@ -3762,8 +3762,14 @@
           <p:nvPr/>
         </p:nvPicPr>
         <p:blipFill rotWithShape="1">
-          <a:blip r:embed="rId4"/>
-          <a:srcRect l="18913" t="24287" r="18260" b="11986"/>
+          <a:blip r:embed="rId4" cstate="print">
+            <a:extLst>
+              <a:ext uri="{28A0092B-C50C-407E-A947-70E740481C1C}">
+                <a14:useLocalDpi xmlns:a14="http://schemas.microsoft.com/office/drawing/2010/main"/>
+              </a:ext>
+            </a:extLst>
+          </a:blip>
+          <a:srcRect/>
           <a:stretch/>
         </p:blipFill>
         <p:spPr>
@@ -4042,7 +4048,7 @@
           <p:nvPr/>
         </p:nvPicPr>
         <p:blipFill>
-          <a:blip r:embed="rId6">
+          <a:blip r:embed="rId6" cstate="print">
             <a:lum bright="70000" contrast="-70000"/>
             <a:extLst>
               <a:ext uri="{BEBA8EAE-BF5A-486C-A8C5-ECC9F3942E4B}">
@@ -4055,7 +4061,7 @@
                 </a14:imgProps>
               </a:ext>
               <a:ext uri="{28A0092B-C50C-407E-A947-70E740481C1C}">
-                <a14:useLocalDpi xmlns:a14="http://schemas.microsoft.com/office/drawing/2010/main" val="0"/>
+                <a14:useLocalDpi xmlns:a14="http://schemas.microsoft.com/office/drawing/2010/main"/>
               </a:ext>
             </a:extLst>
           </a:blip>
@@ -4115,8 +4121,14 @@
             <p:nvPr/>
           </p:nvPicPr>
           <p:blipFill rotWithShape="1">
-            <a:blip r:embed="rId8"/>
-            <a:srcRect b="46872"/>
+            <a:blip r:embed="rId8" cstate="print">
+              <a:extLst>
+                <a:ext uri="{28A0092B-C50C-407E-A947-70E740481C1C}">
+                  <a14:useLocalDpi xmlns:a14="http://schemas.microsoft.com/office/drawing/2010/main"/>
+                </a:ext>
+              </a:extLst>
+            </a:blip>
+            <a:srcRect/>
             <a:stretch/>
           </p:blipFill>
           <p:spPr>
@@ -4144,8 +4156,14 @@
             <p:nvPr/>
           </p:nvPicPr>
           <p:blipFill rotWithShape="1">
-            <a:blip r:embed="rId8"/>
-            <a:srcRect t="80252"/>
+            <a:blip r:embed="rId9" cstate="print">
+              <a:extLst>
+                <a:ext uri="{28A0092B-C50C-407E-A947-70E740481C1C}">
+                  <a14:useLocalDpi xmlns:a14="http://schemas.microsoft.com/office/drawing/2010/main"/>
+                </a:ext>
+              </a:extLst>
+            </a:blip>
+            <a:srcRect/>
             <a:stretch/>
           </p:blipFill>
           <p:spPr>
@@ -5189,7 +5207,7 @@
           <p:nvPr/>
         </p:nvPicPr>
         <p:blipFill>
-          <a:blip r:embed="rId6">
+          <a:blip r:embed="rId6" cstate="print">
             <a:lum bright="70000" contrast="-70000"/>
             <a:extLst>
               <a:ext uri="{BEBA8EAE-BF5A-486C-A8C5-ECC9F3942E4B}">
@@ -5202,7 +5220,7 @@
                 </a14:imgProps>
               </a:ext>
               <a:ext uri="{28A0092B-C50C-407E-A947-70E740481C1C}">
-                <a14:useLocalDpi xmlns:a14="http://schemas.microsoft.com/office/drawing/2010/main" val="0"/>
+                <a14:useLocalDpi xmlns:a14="http://schemas.microsoft.com/office/drawing/2010/main"/>
               </a:ext>
             </a:extLst>
           </a:blip>
@@ -5389,7 +5407,7 @@
             <p:nvPr/>
           </p:nvPicPr>
           <p:blipFill>
-            <a:blip r:embed="rId9">
+            <a:blip r:embed="rId10" cstate="print">
               <a:duotone>
                 <a:schemeClr val="accent3">
                   <a:shade val="45000"/>
@@ -5400,7 +5418,7 @@
               <a:extLst>
                 <a:ext uri="{BEBA8EAE-BF5A-486C-A8C5-ECC9F3942E4B}">
                   <a14:imgProps xmlns:a14="http://schemas.microsoft.com/office/drawing/2010/main">
-                    <a14:imgLayer r:embed="rId10">
+                    <a14:imgLayer r:embed="rId11">
                       <a14:imgEffect>
                         <a14:backgroundRemoval t="10000" b="90000" l="10000" r="90000">
                           <a14:foregroundMark x1="57031" y1="61719" x2="57031" y2="61719"/>
@@ -5420,7 +5438,7 @@
                   </a14:imgProps>
                 </a:ext>
                 <a:ext uri="{28A0092B-C50C-407E-A947-70E740481C1C}">
-                  <a14:useLocalDpi xmlns:a14="http://schemas.microsoft.com/office/drawing/2010/main" val="0"/>
+                  <a14:useLocalDpi xmlns:a14="http://schemas.microsoft.com/office/drawing/2010/main"/>
                 </a:ext>
               </a:extLst>
             </a:blip>
@@ -5474,11 +5492,11 @@
             <p:nvPr/>
           </p:nvPicPr>
           <p:blipFill>
-            <a:blip r:embed="rId11">
+            <a:blip r:embed="rId12" cstate="print">
               <a:extLst>
                 <a:ext uri="{BEBA8EAE-BF5A-486C-A8C5-ECC9F3942E4B}">
                   <a14:imgProps xmlns:a14="http://schemas.microsoft.com/office/drawing/2010/main">
-                    <a14:imgLayer r:embed="rId12">
+                    <a14:imgLayer r:embed="rId13">
                       <a14:imgEffect>
                         <a14:backgroundRemoval t="10000" b="90000" l="10000" r="90000">
                           <a14:foregroundMark x1="55469" y1="44141" x2="55469" y2="44141"/>
@@ -5488,7 +5506,7 @@
                   </a14:imgProps>
                 </a:ext>
                 <a:ext uri="{28A0092B-C50C-407E-A947-70E740481C1C}">
-                  <a14:useLocalDpi xmlns:a14="http://schemas.microsoft.com/office/drawing/2010/main" val="0"/>
+                  <a14:useLocalDpi xmlns:a14="http://schemas.microsoft.com/office/drawing/2010/main"/>
                 </a:ext>
               </a:extLst>
             </a:blip>
@@ -5521,11 +5539,11 @@
             <p:nvPr/>
           </p:nvPicPr>
           <p:blipFill>
-            <a:blip r:embed="rId13">
+            <a:blip r:embed="rId14" cstate="print">
               <a:extLst>
                 <a:ext uri="{BEBA8EAE-BF5A-486C-A8C5-ECC9F3942E4B}">
                   <a14:imgProps xmlns:a14="http://schemas.microsoft.com/office/drawing/2010/main">
-                    <a14:imgLayer r:embed="rId14">
+                    <a14:imgLayer r:embed="rId15">
                       <a14:imgEffect>
                         <a14:backgroundRemoval t="10000" b="90000" l="10000" r="90000">
                           <a14:foregroundMark x1="50391" y1="53516" x2="50391" y2="53516"/>
@@ -5535,7 +5553,7 @@
                   </a14:imgProps>
                 </a:ext>
                 <a:ext uri="{28A0092B-C50C-407E-A947-70E740481C1C}">
-                  <a14:useLocalDpi xmlns:a14="http://schemas.microsoft.com/office/drawing/2010/main" val="0"/>
+                  <a14:useLocalDpi xmlns:a14="http://schemas.microsoft.com/office/drawing/2010/main"/>
                 </a:ext>
               </a:extLst>
             </a:blip>
@@ -5633,11 +5651,11 @@
             <p:nvPr/>
           </p:nvPicPr>
           <p:blipFill>
-            <a:blip r:embed="rId15">
+            <a:blip r:embed="rId16" cstate="print">
               <a:extLst>
                 <a:ext uri="{BEBA8EAE-BF5A-486C-A8C5-ECC9F3942E4B}">
                   <a14:imgProps xmlns:a14="http://schemas.microsoft.com/office/drawing/2010/main">
-                    <a14:imgLayer r:embed="rId16">
+                    <a14:imgLayer r:embed="rId17">
                       <a14:imgEffect>
                         <a14:backgroundRemoval t="10000" b="90000" l="10000" r="90000">
                           <a14:foregroundMark x1="52734" y1="47656" x2="52734" y2="47656"/>
@@ -5647,7 +5665,7 @@
                   </a14:imgProps>
                 </a:ext>
                 <a:ext uri="{28A0092B-C50C-407E-A947-70E740481C1C}">
-                  <a14:useLocalDpi xmlns:a14="http://schemas.microsoft.com/office/drawing/2010/main" val="0"/>
+                  <a14:useLocalDpi xmlns:a14="http://schemas.microsoft.com/office/drawing/2010/main"/>
                 </a:ext>
               </a:extLst>
             </a:blip>
@@ -5816,11 +5834,11 @@
             <p:nvPr/>
           </p:nvPicPr>
           <p:blipFill>
-            <a:blip r:embed="rId17">
+            <a:blip r:embed="rId18" cstate="print">
               <a:extLst>
                 <a:ext uri="{BEBA8EAE-BF5A-486C-A8C5-ECC9F3942E4B}">
                   <a14:imgProps xmlns:a14="http://schemas.microsoft.com/office/drawing/2010/main">
-                    <a14:imgLayer r:embed="rId18">
+                    <a14:imgLayer r:embed="rId19">
                       <a14:imgEffect>
                         <a14:backgroundRemoval t="10000" b="90000" l="10000" r="90000">
                           <a14:foregroundMark x1="60156" y1="51563" x2="60156" y2="51563"/>
@@ -5830,7 +5848,7 @@
                   </a14:imgProps>
                 </a:ext>
                 <a:ext uri="{28A0092B-C50C-407E-A947-70E740481C1C}">
-                  <a14:useLocalDpi xmlns:a14="http://schemas.microsoft.com/office/drawing/2010/main" val="0"/>
+                  <a14:useLocalDpi xmlns:a14="http://schemas.microsoft.com/office/drawing/2010/main"/>
                 </a:ext>
               </a:extLst>
             </a:blip>
@@ -6083,27 +6101,27 @@
                 <p:nvPr/>
               </p:nvPicPr>
               <p:blipFill rotWithShape="1">
-                <a:blip r:embed="rId19">
+                <a:blip r:embed="rId20" cstate="print">
                   <a:extLst>
                     <a:ext uri="{BEBA8EAE-BF5A-486C-A8C5-ECC9F3942E4B}">
                       <a14:imgProps xmlns:a14="http://schemas.microsoft.com/office/drawing/2010/main">
-                        <a14:imgLayer r:embed="rId18">
+                        <a14:imgLayer r:embed="rId21">
                           <a14:imgEffect>
-                            <a14:backgroundRemoval t="10000" b="90000" l="10000" r="90000">
-                              <a14:backgroundMark x1="54297" y1="45313" x2="54297" y2="45313"/>
-                              <a14:backgroundMark x1="52344" y1="51172" x2="52344" y2="51172"/>
-                              <a14:backgroundMark x1="52344" y1="51172" x2="52734" y2="60156"/>
+                            <a14:backgroundRemoval t="9766" b="89844" l="13514" r="100000">
+                              <a14:backgroundMark x1="75135" y1="45313" x2="75135" y2="45313"/>
+                              <a14:backgroundMark x1="72432" y1="51172" x2="72432" y2="51172"/>
+                              <a14:backgroundMark x1="72432" y1="51172" x2="72973" y2="60156"/>
                             </a14:backgroundRemoval>
                           </a14:imgEffect>
                         </a14:imgLayer>
                       </a14:imgProps>
                     </a:ext>
                     <a:ext uri="{28A0092B-C50C-407E-A947-70E740481C1C}">
-                      <a14:useLocalDpi xmlns:a14="http://schemas.microsoft.com/office/drawing/2010/main" val="0"/>
+                      <a14:useLocalDpi xmlns:a14="http://schemas.microsoft.com/office/drawing/2010/main"/>
                     </a:ext>
                   </a:extLst>
                 </a:blip>
-                <a:srcRect r="27793"/>
+                <a:srcRect/>
                 <a:stretch/>
               </p:blipFill>
               <p:spPr>
@@ -6131,27 +6149,27 @@
                 <p:nvPr/>
               </p:nvPicPr>
               <p:blipFill rotWithShape="1">
-                <a:blip r:embed="rId19">
+                <a:blip r:embed="rId22" cstate="print">
                   <a:extLst>
                     <a:ext uri="{BEBA8EAE-BF5A-486C-A8C5-ECC9F3942E4B}">
                       <a14:imgProps xmlns:a14="http://schemas.microsoft.com/office/drawing/2010/main">
-                        <a14:imgLayer r:embed="rId18">
+                        <a14:imgLayer r:embed="rId23">
                           <a14:imgEffect>
-                            <a14:backgroundRemoval t="10000" b="90000" l="10000" r="90000">
-                              <a14:backgroundMark x1="54297" y1="45313" x2="54297" y2="45313"/>
-                              <a14:backgroundMark x1="52344" y1="51172" x2="52344" y2="51172"/>
-                              <a14:backgroundMark x1="52344" y1="51172" x2="52734" y2="60156"/>
+                            <a14:backgroundRemoval t="9766" b="89844" l="0" r="85821">
+                              <a14:backgroundMark x1="36567" y1="45313" x2="36567" y2="45313"/>
+                              <a14:backgroundMark x1="34328" y1="51172" x2="34328" y2="51172"/>
+                              <a14:backgroundMark x1="34328" y1="51172" x2="35075" y2="60156"/>
                             </a14:backgroundRemoval>
                           </a14:imgEffect>
                         </a14:imgLayer>
                       </a14:imgProps>
                     </a:ext>
                     <a:ext uri="{28A0092B-C50C-407E-A947-70E740481C1C}">
-                      <a14:useLocalDpi xmlns:a14="http://schemas.microsoft.com/office/drawing/2010/main" val="0"/>
+                      <a14:useLocalDpi xmlns:a14="http://schemas.microsoft.com/office/drawing/2010/main"/>
                     </a:ext>
                   </a:extLst>
                 </a:blip>
-                <a:srcRect l="27793"/>
+                <a:srcRect/>
                 <a:stretch/>
               </p:blipFill>
               <p:spPr>
@@ -6179,27 +6197,27 @@
                 <p:nvPr/>
               </p:nvPicPr>
               <p:blipFill rotWithShape="1">
-                <a:blip r:embed="rId19">
+                <a:blip r:embed="rId24" cstate="print">
                   <a:extLst>
                     <a:ext uri="{BEBA8EAE-BF5A-486C-A8C5-ECC9F3942E4B}">
                       <a14:imgProps xmlns:a14="http://schemas.microsoft.com/office/drawing/2010/main">
-                        <a14:imgLayer r:embed="rId18">
+                        <a14:imgLayer r:embed="rId25">
                           <a14:imgEffect>
-                            <a14:backgroundRemoval t="10000" b="90000" l="10000" r="90000">
-                              <a14:backgroundMark x1="54297" y1="45313" x2="54297" y2="45313"/>
-                              <a14:backgroundMark x1="52344" y1="51172" x2="52344" y2="51172"/>
-                              <a14:backgroundMark x1="52344" y1="51172" x2="52734" y2="60156"/>
+                            <a14:backgroundRemoval t="9766" b="89844" l="0" r="100000">
+                              <a14:backgroundMark x1="61818" y1="45313" x2="61818" y2="45313"/>
+                              <a14:backgroundMark x1="57273" y1="51172" x2="57273" y2="51172"/>
+                              <a14:backgroundMark x1="57273" y1="51172" x2="58182" y2="60156"/>
                             </a14:backgroundRemoval>
                           </a14:imgEffect>
                         </a14:imgLayer>
                       </a14:imgProps>
                     </a:ext>
                     <a:ext uri="{28A0092B-C50C-407E-A947-70E740481C1C}">
-                      <a14:useLocalDpi xmlns:a14="http://schemas.microsoft.com/office/drawing/2010/main" val="0"/>
+                      <a14:useLocalDpi xmlns:a14="http://schemas.microsoft.com/office/drawing/2010/main"/>
                     </a:ext>
                   </a:extLst>
                 </a:blip>
-                <a:srcRect l="27794" r="29309"/>
+                <a:srcRect/>
                 <a:stretch/>
               </p:blipFill>
               <p:spPr>
@@ -6366,7 +6384,7 @@
             <p:nvPr/>
           </p:nvPicPr>
           <p:blipFill>
-            <a:blip r:embed="rId20">
+            <a:blip r:embed="rId26" cstate="print">
               <a:duotone>
                 <a:schemeClr val="accent3">
                   <a:shade val="45000"/>
@@ -6377,7 +6395,7 @@
               <a:extLst>
                 <a:ext uri="{BEBA8EAE-BF5A-486C-A8C5-ECC9F3942E4B}">
                   <a14:imgProps xmlns:a14="http://schemas.microsoft.com/office/drawing/2010/main">
-                    <a14:imgLayer r:embed="rId21">
+                    <a14:imgLayer r:embed="rId27">
                       <a14:imgEffect>
                         <a14:backgroundRemoval t="9766" b="93359" l="9766" r="89844">
                           <a14:foregroundMark x1="30469" y1="17188" x2="30469" y2="17188"/>
@@ -6389,7 +6407,7 @@
                   </a14:imgProps>
                 </a:ext>
                 <a:ext uri="{28A0092B-C50C-407E-A947-70E740481C1C}">
-                  <a14:useLocalDpi xmlns:a14="http://schemas.microsoft.com/office/drawing/2010/main" val="0"/>
+                  <a14:useLocalDpi xmlns:a14="http://schemas.microsoft.com/office/drawing/2010/main"/>
                 </a:ext>
               </a:extLst>
             </a:blip>
@@ -6841,10 +6859,10 @@
               <p:nvPr/>
             </p:nvPicPr>
             <p:blipFill>
-              <a:blip r:embed="rId22">
+              <a:blip r:embed="rId28" cstate="print">
                 <a:extLst>
                   <a:ext uri="{28A0092B-C50C-407E-A947-70E740481C1C}">
-                    <a14:useLocalDpi xmlns:a14="http://schemas.microsoft.com/office/drawing/2010/main" val="0"/>
+                    <a14:useLocalDpi xmlns:a14="http://schemas.microsoft.com/office/drawing/2010/main"/>
                   </a:ext>
                 </a:extLst>
               </a:blip>
@@ -7021,7 +7039,7 @@
               <p:nvPr/>
             </p:nvPicPr>
             <p:blipFill rotWithShape="1">
-              <a:blip r:embed="rId23">
+              <a:blip r:embed="rId29" cstate="print">
                 <a:duotone>
                   <a:prstClr val="black"/>
                   <a:schemeClr val="accent5">
@@ -7032,19 +7050,19 @@
                 <a:extLst>
                   <a:ext uri="{BEBA8EAE-BF5A-486C-A8C5-ECC9F3942E4B}">
                     <a14:imgProps xmlns:a14="http://schemas.microsoft.com/office/drawing/2010/main">
-                      <a14:imgLayer r:embed="rId24">
+                      <a14:imgLayer r:embed="rId30">
                         <a14:imgEffect>
-                          <a14:backgroundRemoval t="10000" b="90000" l="10000" r="90000"/>
+                          <a14:backgroundRemoval t="1702" b="88936" l="9766" r="89844"/>
                         </a14:imgEffect>
                       </a14:imgLayer>
                     </a14:imgProps>
                   </a:ext>
                   <a:ext uri="{28A0092B-C50C-407E-A947-70E740481C1C}">
-                    <a14:useLocalDpi xmlns:a14="http://schemas.microsoft.com/office/drawing/2010/main" val="0"/>
+                    <a14:useLocalDpi xmlns:a14="http://schemas.microsoft.com/office/drawing/2010/main"/>
                   </a:ext>
                 </a:extLst>
               </a:blip>
-              <a:srcRect t="8272" r="-8412"/>
+              <a:srcRect r="-8412"/>
               <a:stretch/>
             </p:blipFill>
             <p:spPr>
@@ -7214,7 +7232,7 @@
           <a:blip r:embed="rId2">
             <a:extLst>
               <a:ext uri="{28A0092B-C50C-407E-A947-70E740481C1C}">
-                <a14:useLocalDpi xmlns:a14="http://schemas.microsoft.com/office/drawing/2010/main" val="0"/>
+                <a14:useLocalDpi xmlns:a14="http://schemas.microsoft.com/office/drawing/2010/main"/>
               </a:ext>
             </a:extLst>
           </a:blip>
@@ -7672,8 +7690,14 @@
             <p:nvPr/>
           </p:nvPicPr>
           <p:blipFill rotWithShape="1">
-            <a:blip r:embed="rId3"/>
-            <a:srcRect l="523" t="901" r="-1" b="-1"/>
+            <a:blip r:embed="rId3" cstate="print">
+              <a:extLst>
+                <a:ext uri="{28A0092B-C50C-407E-A947-70E740481C1C}">
+                  <a14:useLocalDpi xmlns:a14="http://schemas.microsoft.com/office/drawing/2010/main"/>
+                </a:ext>
+              </a:extLst>
+            </a:blip>
+            <a:srcRect r="-1" b="-1"/>
             <a:stretch/>
           </p:blipFill>
           <p:spPr>
@@ -7971,8 +7995,14 @@
             <p:nvPr/>
           </p:nvPicPr>
           <p:blipFill rotWithShape="1">
-            <a:blip r:embed="rId4"/>
-            <a:srcRect l="882" t="2029" b="-1"/>
+            <a:blip r:embed="rId4" cstate="print">
+              <a:extLst>
+                <a:ext uri="{28A0092B-C50C-407E-A947-70E740481C1C}">
+                  <a14:useLocalDpi xmlns:a14="http://schemas.microsoft.com/office/drawing/2010/main"/>
+                </a:ext>
+              </a:extLst>
+            </a:blip>
+            <a:srcRect b="-1"/>
             <a:stretch/>
           </p:blipFill>
           <p:spPr>
@@ -8005,7 +8035,13 @@
             <p:nvPr/>
           </p:nvPicPr>
           <p:blipFill>
-            <a:blip r:embed="rId5"/>
+            <a:blip r:embed="rId5" cstate="print">
+              <a:extLst>
+                <a:ext uri="{28A0092B-C50C-407E-A947-70E740481C1C}">
+                  <a14:useLocalDpi xmlns:a14="http://schemas.microsoft.com/office/drawing/2010/main"/>
+                </a:ext>
+              </a:extLst>
+            </a:blip>
             <a:stretch>
               <a:fillRect/>
             </a:stretch>
@@ -8415,10 +8451,10 @@
           <p:nvPr/>
         </p:nvPicPr>
         <p:blipFill>
-          <a:blip r:embed="rId6">
+          <a:blip r:embed="rId6" cstate="print">
             <a:extLst>
               <a:ext uri="{28A0092B-C50C-407E-A947-70E740481C1C}">
-                <a14:useLocalDpi xmlns:a14="http://schemas.microsoft.com/office/drawing/2010/main" val="0"/>
+                <a14:useLocalDpi xmlns:a14="http://schemas.microsoft.com/office/drawing/2010/main"/>
               </a:ext>
             </a:extLst>
           </a:blip>

--- a/Manual/PlayerControlForBIGTET_QuickReference_v0.3.1.pptx
+++ b/Manual/PlayerControlForBIGTET_QuickReference_v0.3.1.pptx
@@ -9,7 +9,7 @@
     <p:sldId id="257" r:id="rId3"/>
   </p:sldIdLst>
   <p:sldSz cx="7559675" cy="5327650"/>
-  <p:notesSz cx="6888163" cy="10018713"/>
+  <p:notesSz cx="4657725" cy="6888163"/>
   <p:defaultTextStyle>
     <a:defPPr>
       <a:defRPr lang="en-US"/>
@@ -244,7 +244,7 @@
           <a:p>
             <a:fld id="{4D147478-9FC7-4D6E-AA3F-89E97F82598C}" type="datetimeFigureOut">
               <a:rPr kumimoji="1" lang="ja-JP" altLang="en-US" smtClean="0"/>
-              <a:t>2022/6/25</a:t>
+              <a:t>2022/6/26</a:t>
             </a:fld>
             <a:endParaRPr kumimoji="1" lang="ja-JP" altLang="en-US"/>
           </a:p>
@@ -446,7 +446,7 @@
           <a:p>
             <a:fld id="{4D147478-9FC7-4D6E-AA3F-89E97F82598C}" type="datetimeFigureOut">
               <a:rPr kumimoji="1" lang="ja-JP" altLang="en-US" smtClean="0"/>
-              <a:t>2022/6/25</a:t>
+              <a:t>2022/6/26</a:t>
             </a:fld>
             <a:endParaRPr kumimoji="1" lang="ja-JP" altLang="en-US"/>
           </a:p>
@@ -658,7 +658,7 @@
           <a:p>
             <a:fld id="{4D147478-9FC7-4D6E-AA3F-89E97F82598C}" type="datetimeFigureOut">
               <a:rPr kumimoji="1" lang="ja-JP" altLang="en-US" smtClean="0"/>
-              <a:t>2022/6/25</a:t>
+              <a:t>2022/6/26</a:t>
             </a:fld>
             <a:endParaRPr kumimoji="1" lang="ja-JP" altLang="en-US"/>
           </a:p>
@@ -860,7 +860,7 @@
           <a:p>
             <a:fld id="{4D147478-9FC7-4D6E-AA3F-89E97F82598C}" type="datetimeFigureOut">
               <a:rPr kumimoji="1" lang="ja-JP" altLang="en-US" smtClean="0"/>
-              <a:t>2022/6/25</a:t>
+              <a:t>2022/6/26</a:t>
             </a:fld>
             <a:endParaRPr kumimoji="1" lang="ja-JP" altLang="en-US"/>
           </a:p>
@@ -1104,7 +1104,7 @@
           <a:p>
             <a:fld id="{4D147478-9FC7-4D6E-AA3F-89E97F82598C}" type="datetimeFigureOut">
               <a:rPr kumimoji="1" lang="ja-JP" altLang="en-US" smtClean="0"/>
-              <a:t>2022/6/25</a:t>
+              <a:t>2022/6/26</a:t>
             </a:fld>
             <a:endParaRPr kumimoji="1" lang="ja-JP" altLang="en-US"/>
           </a:p>
@@ -1400,7 +1400,7 @@
           <a:p>
             <a:fld id="{4D147478-9FC7-4D6E-AA3F-89E97F82598C}" type="datetimeFigureOut">
               <a:rPr kumimoji="1" lang="ja-JP" altLang="en-US" smtClean="0"/>
-              <a:t>2022/6/25</a:t>
+              <a:t>2022/6/26</a:t>
             </a:fld>
             <a:endParaRPr kumimoji="1" lang="ja-JP" altLang="en-US"/>
           </a:p>
@@ -1831,7 +1831,7 @@
           <a:p>
             <a:fld id="{4D147478-9FC7-4D6E-AA3F-89E97F82598C}" type="datetimeFigureOut">
               <a:rPr kumimoji="1" lang="ja-JP" altLang="en-US" smtClean="0"/>
-              <a:t>2022/6/25</a:t>
+              <a:t>2022/6/26</a:t>
             </a:fld>
             <a:endParaRPr kumimoji="1" lang="ja-JP" altLang="en-US"/>
           </a:p>
@@ -1949,7 +1949,7 @@
           <a:p>
             <a:fld id="{4D147478-9FC7-4D6E-AA3F-89E97F82598C}" type="datetimeFigureOut">
               <a:rPr kumimoji="1" lang="ja-JP" altLang="en-US" smtClean="0"/>
-              <a:t>2022/6/25</a:t>
+              <a:t>2022/6/26</a:t>
             </a:fld>
             <a:endParaRPr kumimoji="1" lang="ja-JP" altLang="en-US"/>
           </a:p>
@@ -2044,7 +2044,7 @@
           <a:p>
             <a:fld id="{4D147478-9FC7-4D6E-AA3F-89E97F82598C}" type="datetimeFigureOut">
               <a:rPr kumimoji="1" lang="ja-JP" altLang="en-US" smtClean="0"/>
-              <a:t>2022/6/25</a:t>
+              <a:t>2022/6/26</a:t>
             </a:fld>
             <a:endParaRPr kumimoji="1" lang="ja-JP" altLang="en-US"/>
           </a:p>
@@ -2353,7 +2353,7 @@
           <a:p>
             <a:fld id="{4D147478-9FC7-4D6E-AA3F-89E97F82598C}" type="datetimeFigureOut">
               <a:rPr kumimoji="1" lang="ja-JP" altLang="en-US" smtClean="0"/>
-              <a:t>2022/6/25</a:t>
+              <a:t>2022/6/26</a:t>
             </a:fld>
             <a:endParaRPr kumimoji="1" lang="ja-JP" altLang="en-US"/>
           </a:p>
@@ -2610,7 +2610,7 @@
           <a:p>
             <a:fld id="{4D147478-9FC7-4D6E-AA3F-89E97F82598C}" type="datetimeFigureOut">
               <a:rPr kumimoji="1" lang="ja-JP" altLang="en-US" smtClean="0"/>
-              <a:t>2022/6/25</a:t>
+              <a:t>2022/6/26</a:t>
             </a:fld>
             <a:endParaRPr kumimoji="1" lang="ja-JP" altLang="en-US"/>
           </a:p>
@@ -2855,7 +2855,7 @@
           <a:p>
             <a:fld id="{4D147478-9FC7-4D6E-AA3F-89E97F82598C}" type="datetimeFigureOut">
               <a:rPr kumimoji="1" lang="ja-JP" altLang="en-US" smtClean="0"/>
-              <a:t>2022/6/25</a:t>
+              <a:t>2022/6/26</a:t>
             </a:fld>
             <a:endParaRPr kumimoji="1" lang="ja-JP" altLang="en-US"/>
           </a:p>
@@ -3282,8 +3282,8 @@
         </p:nvSpPr>
         <p:spPr>
           <a:xfrm>
-            <a:off x="96124" y="2651861"/>
-            <a:ext cx="7380000" cy="2434489"/>
+            <a:off x="-1" y="2651861"/>
+            <a:ext cx="7559676" cy="2434489"/>
           </a:xfrm>
           <a:prstGeom prst="roundRect">
             <a:avLst>
@@ -3446,8 +3446,8 @@
         </p:nvSpPr>
         <p:spPr>
           <a:xfrm>
-            <a:off x="96124" y="433613"/>
-            <a:ext cx="7380000" cy="2125258"/>
+            <a:off x="-1" y="433613"/>
+            <a:ext cx="7559675" cy="2125258"/>
           </a:xfrm>
           <a:prstGeom prst="roundRect">
             <a:avLst>
@@ -5982,312 +5982,50 @@
           </p:txBody>
         </p:sp>
       </p:grpSp>
-      <p:grpSp>
-        <p:nvGrpSpPr>
-          <p:cNvPr id="78" name="グループ化 77">
+      <p:sp>
+        <p:nvSpPr>
+          <p:cNvPr id="73" name="テキスト ボックス 72">
             <a:extLst>
               <a:ext uri="{FF2B5EF4-FFF2-40B4-BE49-F238E27FC236}">
-                <a16:creationId xmlns:a16="http://schemas.microsoft.com/office/drawing/2014/main" id="{04FAD454-0EEE-D4A5-2076-C5522DF95D46}"/>
+                <a16:creationId xmlns:a16="http://schemas.microsoft.com/office/drawing/2014/main" id="{16DBC901-27C8-23AC-D568-9A86EF7DBD26}"/>
               </a:ext>
             </a:extLst>
           </p:cNvPr>
-          <p:cNvGrpSpPr/>
+          <p:cNvSpPr txBox="1"/>
           <p:nvPr/>
-        </p:nvGrpSpPr>
-        <p:grpSpPr>
+        </p:nvSpPr>
+        <p:spPr>
           <a:xfrm>
-            <a:off x="4615707" y="4532904"/>
-            <a:ext cx="1846112" cy="360369"/>
-            <a:chOff x="4626521" y="4232299"/>
-            <a:chExt cx="1846112" cy="360369"/>
+            <a:off x="5381819" y="4592098"/>
+            <a:ext cx="1080000" cy="241980"/>
           </a:xfrm>
-        </p:grpSpPr>
-        <p:sp>
-          <p:nvSpPr>
-            <p:cNvPr id="73" name="テキスト ボックス 72">
-              <a:extLst>
-                <a:ext uri="{FF2B5EF4-FFF2-40B4-BE49-F238E27FC236}">
-                  <a16:creationId xmlns:a16="http://schemas.microsoft.com/office/drawing/2014/main" id="{16DBC901-27C8-23AC-D568-9A86EF7DBD26}"/>
-                </a:ext>
-              </a:extLst>
-            </p:cNvPr>
-            <p:cNvSpPr txBox="1"/>
-            <p:nvPr/>
-          </p:nvSpPr>
-          <p:spPr>
-            <a:xfrm>
-              <a:off x="5392633" y="4291493"/>
-              <a:ext cx="1080000" cy="241980"/>
-            </a:xfrm>
-            <a:prstGeom prst="rect">
-              <a:avLst/>
-            </a:prstGeom>
-            <a:noFill/>
-          </p:spPr>
-          <p:txBody>
-            <a:bodyPr vert="horz" wrap="square" lIns="0" tIns="36000" rIns="36000" bIns="36000" rtlCol="0">
-              <a:spAutoFit/>
-            </a:bodyPr>
-            <a:lstStyle/>
-            <a:p>
-              <a:r>
-                <a:rPr kumimoji="1" lang="ja-JP" altLang="en-US" sz="1100" b="1" dirty="0">
-                  <a:solidFill>
-                    <a:schemeClr val="bg1">
-                      <a:lumMod val="50000"/>
-                    </a:schemeClr>
-                  </a:solidFill>
-                  <a:latin typeface="MigMix 2P" panose="020B0503020203020204" pitchFamily="50" charset="-128"/>
-                  <a:ea typeface="MigMix 2P" panose="020B0503020203020204" pitchFamily="50" charset="-128"/>
-                  <a:cs typeface="MigMix 2P" panose="020B0503020203020204" pitchFamily="50" charset="-128"/>
-                </a:rPr>
-                <a:t>スコア入力</a:t>
-              </a:r>
-            </a:p>
-          </p:txBody>
-        </p:sp>
-        <p:grpSp>
-          <p:nvGrpSpPr>
-            <p:cNvPr id="49" name="グループ化 48">
-              <a:extLst>
-                <a:ext uri="{FF2B5EF4-FFF2-40B4-BE49-F238E27FC236}">
-                  <a16:creationId xmlns:a16="http://schemas.microsoft.com/office/drawing/2014/main" id="{53751044-7675-96B8-88B0-7A8DF5688573}"/>
-                </a:ext>
-              </a:extLst>
-            </p:cNvPr>
-            <p:cNvGrpSpPr/>
-            <p:nvPr/>
-          </p:nvGrpSpPr>
-          <p:grpSpPr>
-            <a:xfrm>
-              <a:off x="4626521" y="4232299"/>
-              <a:ext cx="658996" cy="360369"/>
-              <a:chOff x="4626521" y="4232299"/>
-              <a:chExt cx="658996" cy="360369"/>
-            </a:xfrm>
-          </p:grpSpPr>
-          <p:grpSp>
-            <p:nvGrpSpPr>
-              <p:cNvPr id="48" name="グループ化 47">
-                <a:extLst>
-                  <a:ext uri="{FF2B5EF4-FFF2-40B4-BE49-F238E27FC236}">
-                    <a16:creationId xmlns:a16="http://schemas.microsoft.com/office/drawing/2014/main" id="{525678A9-40ED-5C39-8BE4-29C9B145C9AF}"/>
-                  </a:ext>
-                </a:extLst>
-              </p:cNvPr>
-              <p:cNvGrpSpPr/>
-              <p:nvPr/>
-            </p:nvGrpSpPr>
-            <p:grpSpPr>
-              <a:xfrm>
-                <a:off x="4626521" y="4232299"/>
-                <a:ext cx="658996" cy="360369"/>
-                <a:chOff x="4626521" y="4232299"/>
-                <a:chExt cx="658996" cy="360369"/>
-              </a:xfrm>
-            </p:grpSpPr>
-            <p:pic>
-              <p:nvPicPr>
-                <p:cNvPr id="65" name="図 64" descr="アイコン&#10;&#10;自動的に生成された説明">
-                  <a:extLst>
-                    <a:ext uri="{FF2B5EF4-FFF2-40B4-BE49-F238E27FC236}">
-                      <a16:creationId xmlns:a16="http://schemas.microsoft.com/office/drawing/2014/main" id="{E4663CE9-4D0C-2D65-EB9E-087A50CBE98C}"/>
-                    </a:ext>
-                  </a:extLst>
-                </p:cNvPr>
-                <p:cNvPicPr>
-                  <a:picLocks noChangeAspect="1"/>
-                </p:cNvPicPr>
-                <p:nvPr/>
-              </p:nvPicPr>
-              <p:blipFill rotWithShape="1">
-                <a:blip r:embed="rId20" cstate="print">
-                  <a:extLst>
-                    <a:ext uri="{BEBA8EAE-BF5A-486C-A8C5-ECC9F3942E4B}">
-                      <a14:imgProps xmlns:a14="http://schemas.microsoft.com/office/drawing/2010/main">
-                        <a14:imgLayer r:embed="rId21">
-                          <a14:imgEffect>
-                            <a14:backgroundRemoval t="9766" b="89844" l="13514" r="100000">
-                              <a14:backgroundMark x1="75135" y1="45313" x2="75135" y2="45313"/>
-                              <a14:backgroundMark x1="72432" y1="51172" x2="72432" y2="51172"/>
-                              <a14:backgroundMark x1="72432" y1="51172" x2="72973" y2="60156"/>
-                            </a14:backgroundRemoval>
-                          </a14:imgEffect>
-                        </a14:imgLayer>
-                      </a14:imgProps>
-                    </a:ext>
-                    <a:ext uri="{28A0092B-C50C-407E-A947-70E740481C1C}">
-                      <a14:useLocalDpi xmlns:a14="http://schemas.microsoft.com/office/drawing/2010/main"/>
-                    </a:ext>
-                  </a:extLst>
-                </a:blip>
-                <a:srcRect/>
-                <a:stretch/>
-              </p:blipFill>
-              <p:spPr>
-                <a:xfrm>
-                  <a:off x="4626521" y="4232299"/>
-                  <a:ext cx="259946" cy="360000"/>
-                </a:xfrm>
-                <a:prstGeom prst="rect">
-                  <a:avLst/>
-                </a:prstGeom>
-              </p:spPr>
-            </p:pic>
-            <p:pic>
-              <p:nvPicPr>
-                <p:cNvPr id="68" name="図 67" descr="アイコン&#10;&#10;自動的に生成された説明">
-                  <a:extLst>
-                    <a:ext uri="{FF2B5EF4-FFF2-40B4-BE49-F238E27FC236}">
-                      <a16:creationId xmlns:a16="http://schemas.microsoft.com/office/drawing/2014/main" id="{7C33D9AC-E40F-C146-13E2-3483E9637616}"/>
-                    </a:ext>
-                  </a:extLst>
-                </p:cNvPr>
-                <p:cNvPicPr>
-                  <a:picLocks noChangeAspect="1"/>
-                </p:cNvPicPr>
-                <p:nvPr/>
-              </p:nvPicPr>
-              <p:blipFill rotWithShape="1">
-                <a:blip r:embed="rId22" cstate="print">
-                  <a:extLst>
-                    <a:ext uri="{BEBA8EAE-BF5A-486C-A8C5-ECC9F3942E4B}">
-                      <a14:imgProps xmlns:a14="http://schemas.microsoft.com/office/drawing/2010/main">
-                        <a14:imgLayer r:embed="rId23">
-                          <a14:imgEffect>
-                            <a14:backgroundRemoval t="9766" b="89844" l="0" r="85821">
-                              <a14:backgroundMark x1="36567" y1="45313" x2="36567" y2="45313"/>
-                              <a14:backgroundMark x1="34328" y1="51172" x2="34328" y2="51172"/>
-                              <a14:backgroundMark x1="34328" y1="51172" x2="35075" y2="60156"/>
-                            </a14:backgroundRemoval>
-                          </a14:imgEffect>
-                        </a14:imgLayer>
-                      </a14:imgProps>
-                    </a:ext>
-                    <a:ext uri="{28A0092B-C50C-407E-A947-70E740481C1C}">
-                      <a14:useLocalDpi xmlns:a14="http://schemas.microsoft.com/office/drawing/2010/main"/>
-                    </a:ext>
-                  </a:extLst>
-                </a:blip>
-                <a:srcRect/>
-                <a:stretch/>
-              </p:blipFill>
-              <p:spPr>
-                <a:xfrm>
-                  <a:off x="5025571" y="4232668"/>
-                  <a:ext cx="259946" cy="360000"/>
-                </a:xfrm>
-                <a:prstGeom prst="rect">
-                  <a:avLst/>
-                </a:prstGeom>
-              </p:spPr>
-            </p:pic>
-            <p:pic>
-              <p:nvPicPr>
-                <p:cNvPr id="72" name="図 71" descr="アイコン&#10;&#10;自動的に生成された説明">
-                  <a:extLst>
-                    <a:ext uri="{FF2B5EF4-FFF2-40B4-BE49-F238E27FC236}">
-                      <a16:creationId xmlns:a16="http://schemas.microsoft.com/office/drawing/2014/main" id="{F121E68A-E4FC-91BB-A766-C3EFE4BB9F46}"/>
-                    </a:ext>
-                  </a:extLst>
-                </p:cNvPr>
-                <p:cNvPicPr>
-                  <a:picLocks noChangeAspect="1"/>
-                </p:cNvPicPr>
-                <p:nvPr/>
-              </p:nvPicPr>
-              <p:blipFill rotWithShape="1">
-                <a:blip r:embed="rId24" cstate="print">
-                  <a:extLst>
-                    <a:ext uri="{BEBA8EAE-BF5A-486C-A8C5-ECC9F3942E4B}">
-                      <a14:imgProps xmlns:a14="http://schemas.microsoft.com/office/drawing/2010/main">
-                        <a14:imgLayer r:embed="rId25">
-                          <a14:imgEffect>
-                            <a14:backgroundRemoval t="9766" b="89844" l="0" r="100000">
-                              <a14:backgroundMark x1="61818" y1="45313" x2="61818" y2="45313"/>
-                              <a14:backgroundMark x1="57273" y1="51172" x2="57273" y2="51172"/>
-                              <a14:backgroundMark x1="57273" y1="51172" x2="58182" y2="60156"/>
-                            </a14:backgroundRemoval>
-                          </a14:imgEffect>
-                        </a14:imgLayer>
-                      </a14:imgProps>
-                    </a:ext>
-                    <a:ext uri="{28A0092B-C50C-407E-A947-70E740481C1C}">
-                      <a14:useLocalDpi xmlns:a14="http://schemas.microsoft.com/office/drawing/2010/main"/>
-                    </a:ext>
-                  </a:extLst>
-                </a:blip>
-                <a:srcRect/>
-                <a:stretch/>
-              </p:blipFill>
-              <p:spPr>
-                <a:xfrm>
-                  <a:off x="4886467" y="4232299"/>
-                  <a:ext cx="154434" cy="360000"/>
-                </a:xfrm>
-                <a:prstGeom prst="rect">
-                  <a:avLst/>
-                </a:prstGeom>
-              </p:spPr>
-            </p:pic>
-          </p:grpSp>
-          <p:sp>
-            <p:nvSpPr>
-              <p:cNvPr id="76" name="テキスト ボックス 75">
-                <a:extLst>
-                  <a:ext uri="{FF2B5EF4-FFF2-40B4-BE49-F238E27FC236}">
-                    <a16:creationId xmlns:a16="http://schemas.microsoft.com/office/drawing/2014/main" id="{DD60C5DA-9498-EEFC-D32A-14EC1D253A24}"/>
-                  </a:ext>
-                </a:extLst>
-              </p:cNvPr>
-              <p:cNvSpPr txBox="1"/>
-              <p:nvPr/>
-            </p:nvSpPr>
-            <p:spPr>
-              <a:xfrm>
-                <a:off x="4693625" y="4291493"/>
-                <a:ext cx="524788" cy="241980"/>
-              </a:xfrm>
-              <a:prstGeom prst="rect">
-                <a:avLst/>
-              </a:prstGeom>
-              <a:noFill/>
-            </p:spPr>
-            <p:txBody>
-              <a:bodyPr vert="horz" wrap="square" lIns="0" tIns="36000" rIns="0" bIns="36000" rtlCol="0">
-                <a:spAutoFit/>
-              </a:bodyPr>
-              <a:lstStyle/>
-              <a:p>
-                <a:pPr algn="ctr"/>
-                <a:r>
-                  <a:rPr kumimoji="1" lang="en-US" altLang="ja-JP" sz="1100" b="1" dirty="0">
-                    <a:solidFill>
-                      <a:schemeClr val="bg1">
-                        <a:lumMod val="50000"/>
-                      </a:schemeClr>
-                    </a:solidFill>
-                    <a:latin typeface="MigMix 2P" panose="020B0503020203020204" pitchFamily="50" charset="-128"/>
-                    <a:ea typeface="MigMix 2P" panose="020B0503020203020204" pitchFamily="50" charset="-128"/>
-                    <a:cs typeface="MigMix 2P" panose="020B0503020203020204" pitchFamily="50" charset="-128"/>
-                  </a:rPr>
-                  <a:t>SPACE</a:t>
-                </a:r>
-                <a:endParaRPr kumimoji="1" lang="ja-JP" altLang="en-US" sz="1100" b="1" dirty="0">
-                  <a:solidFill>
-                    <a:schemeClr val="bg1">
-                      <a:lumMod val="50000"/>
-                    </a:schemeClr>
-                  </a:solidFill>
-                  <a:latin typeface="MigMix 2P" panose="020B0503020203020204" pitchFamily="50" charset="-128"/>
-                  <a:ea typeface="MigMix 2P" panose="020B0503020203020204" pitchFamily="50" charset="-128"/>
-                  <a:cs typeface="MigMix 2P" panose="020B0503020203020204" pitchFamily="50" charset="-128"/>
-                </a:endParaRPr>
-              </a:p>
-            </p:txBody>
-          </p:sp>
-        </p:grpSp>
-      </p:grpSp>
+          <a:prstGeom prst="rect">
+            <a:avLst/>
+          </a:prstGeom>
+          <a:noFill/>
+        </p:spPr>
+        <p:txBody>
+          <a:bodyPr vert="horz" wrap="square" lIns="0" tIns="36000" rIns="36000" bIns="36000" rtlCol="0">
+            <a:spAutoFit/>
+          </a:bodyPr>
+          <a:lstStyle/>
+          <a:p>
+            <a:r>
+              <a:rPr kumimoji="1" lang="ja-JP" altLang="en-US" sz="1100" b="1" dirty="0">
+                <a:solidFill>
+                  <a:schemeClr val="bg1">
+                    <a:lumMod val="50000"/>
+                  </a:schemeClr>
+                </a:solidFill>
+                <a:latin typeface="MigMix 2P" panose="020B0503020203020204" pitchFamily="50" charset="-128"/>
+                <a:ea typeface="MigMix 2P" panose="020B0503020203020204" pitchFamily="50" charset="-128"/>
+                <a:cs typeface="MigMix 2P" panose="020B0503020203020204" pitchFamily="50" charset="-128"/>
+              </a:rPr>
+              <a:t>スコア入力</a:t>
+            </a:r>
+          </a:p>
+        </p:txBody>
+      </p:sp>
       <p:sp>
         <p:nvSpPr>
           <p:cNvPr id="80" name="矢印: 下 79">
@@ -6384,7 +6122,7 @@
             <p:nvPr/>
           </p:nvPicPr>
           <p:blipFill>
-            <a:blip r:embed="rId26" cstate="print">
+            <a:blip r:embed="rId20" cstate="print">
               <a:duotone>
                 <a:schemeClr val="accent3">
                   <a:shade val="45000"/>
@@ -6395,7 +6133,7 @@
               <a:extLst>
                 <a:ext uri="{BEBA8EAE-BF5A-486C-A8C5-ECC9F3942E4B}">
                   <a14:imgProps xmlns:a14="http://schemas.microsoft.com/office/drawing/2010/main">
-                    <a14:imgLayer r:embed="rId27">
+                    <a14:imgLayer r:embed="rId21">
                       <a14:imgEffect>
                         <a14:backgroundRemoval t="9766" b="93359" l="9766" r="89844">
                           <a14:foregroundMark x1="30469" y1="17188" x2="30469" y2="17188"/>
@@ -6680,31 +6418,17 @@
         </p:nvSpPr>
         <p:spPr>
           <a:xfrm>
-            <a:off x="0" y="5128670"/>
-            <a:ext cx="7559675" cy="195359"/>
+            <a:off x="-1" y="5128670"/>
+            <a:ext cx="7559676" cy="195359"/>
           </a:xfrm>
           <a:prstGeom prst="rect">
             <a:avLst/>
           </a:prstGeom>
-          <a:gradFill flip="none" rotWithShape="1">
-            <a:gsLst>
-              <a:gs pos="59000">
-                <a:schemeClr val="bg1"/>
-              </a:gs>
-              <a:gs pos="0">
-                <a:schemeClr val="bg1">
-                  <a:lumMod val="95000"/>
-                </a:schemeClr>
-              </a:gs>
-              <a:gs pos="100000">
-                <a:schemeClr val="bg1">
-                  <a:lumMod val="95000"/>
-                </a:schemeClr>
-              </a:gs>
-            </a:gsLst>
-            <a:lin ang="5400000" scaled="1"/>
-            <a:tileRect/>
-          </a:gradFill>
+          <a:solidFill>
+            <a:schemeClr val="bg1">
+              <a:lumMod val="95000"/>
+            </a:schemeClr>
+          </a:solidFill>
           <a:ln>
             <a:noFill/>
           </a:ln>
@@ -6859,7 +6583,7 @@
               <p:nvPr/>
             </p:nvPicPr>
             <p:blipFill>
-              <a:blip r:embed="rId28" cstate="print">
+              <a:blip r:embed="rId22" cstate="print">
                 <a:extLst>
                   <a:ext uri="{28A0092B-C50C-407E-A947-70E740481C1C}">
                     <a14:useLocalDpi xmlns:a14="http://schemas.microsoft.com/office/drawing/2010/main"/>
@@ -7039,7 +6763,7 @@
               <p:nvPr/>
             </p:nvPicPr>
             <p:blipFill rotWithShape="1">
-              <a:blip r:embed="rId29" cstate="print">
+              <a:blip r:embed="rId23" cstate="print">
                 <a:duotone>
                   <a:prstClr val="black"/>
                   <a:schemeClr val="accent5">
@@ -7050,7 +6774,7 @@
                 <a:extLst>
                   <a:ext uri="{BEBA8EAE-BF5A-486C-A8C5-ECC9F3942E4B}">
                     <a14:imgProps xmlns:a14="http://schemas.microsoft.com/office/drawing/2010/main">
-                      <a14:imgLayer r:embed="rId30">
+                      <a14:imgLayer r:embed="rId24">
                         <a14:imgEffect>
                           <a14:backgroundRemoval t="1702" b="88936" l="9766" r="89844"/>
                         </a14:imgEffect>
@@ -7076,6 +6800,226 @@
             </p:spPr>
           </p:pic>
         </p:grpSp>
+      </p:grpSp>
+      <p:grpSp>
+        <p:nvGrpSpPr>
+          <p:cNvPr id="3" name="グループ化 2">
+            <a:extLst>
+              <a:ext uri="{FF2B5EF4-FFF2-40B4-BE49-F238E27FC236}">
+                <a16:creationId xmlns:a16="http://schemas.microsoft.com/office/drawing/2014/main" id="{E635EDEC-C89E-2836-4C57-044FE5774B7A}"/>
+              </a:ext>
+            </a:extLst>
+          </p:cNvPr>
+          <p:cNvGrpSpPr/>
+          <p:nvPr/>
+        </p:nvGrpSpPr>
+        <p:grpSpPr>
+          <a:xfrm>
+            <a:off x="4615707" y="4532904"/>
+            <a:ext cx="658996" cy="360369"/>
+            <a:chOff x="4615707" y="4532904"/>
+            <a:chExt cx="658996" cy="360369"/>
+          </a:xfrm>
+        </p:grpSpPr>
+        <p:pic>
+          <p:nvPicPr>
+            <p:cNvPr id="65" name="図 64" descr="アイコン&#10;&#10;自動的に生成された説明">
+              <a:extLst>
+                <a:ext uri="{FF2B5EF4-FFF2-40B4-BE49-F238E27FC236}">
+                  <a16:creationId xmlns:a16="http://schemas.microsoft.com/office/drawing/2014/main" id="{E4663CE9-4D0C-2D65-EB9E-087A50CBE98C}"/>
+                </a:ext>
+              </a:extLst>
+            </p:cNvPr>
+            <p:cNvPicPr>
+              <a:picLocks noChangeAspect="1"/>
+            </p:cNvPicPr>
+            <p:nvPr/>
+          </p:nvPicPr>
+          <p:blipFill rotWithShape="1">
+            <a:blip r:embed="rId25" cstate="print">
+              <a:extLst>
+                <a:ext uri="{BEBA8EAE-BF5A-486C-A8C5-ECC9F3942E4B}">
+                  <a14:imgProps xmlns:a14="http://schemas.microsoft.com/office/drawing/2010/main">
+                    <a14:imgLayer r:embed="rId26">
+                      <a14:imgEffect>
+                        <a14:backgroundRemoval t="9766" b="89844" l="13514" r="100000">
+                          <a14:backgroundMark x1="75135" y1="45313" x2="75135" y2="45313"/>
+                          <a14:backgroundMark x1="72432" y1="51172" x2="72432" y2="51172"/>
+                          <a14:backgroundMark x1="72432" y1="51172" x2="72973" y2="60156"/>
+                        </a14:backgroundRemoval>
+                      </a14:imgEffect>
+                    </a14:imgLayer>
+                  </a14:imgProps>
+                </a:ext>
+                <a:ext uri="{28A0092B-C50C-407E-A947-70E740481C1C}">
+                  <a14:useLocalDpi xmlns:a14="http://schemas.microsoft.com/office/drawing/2010/main"/>
+                </a:ext>
+              </a:extLst>
+            </a:blip>
+            <a:srcRect/>
+            <a:stretch/>
+          </p:blipFill>
+          <p:spPr>
+            <a:xfrm>
+              <a:off x="4615707" y="4532904"/>
+              <a:ext cx="259946" cy="360000"/>
+            </a:xfrm>
+            <a:prstGeom prst="rect">
+              <a:avLst/>
+            </a:prstGeom>
+          </p:spPr>
+        </p:pic>
+        <p:pic>
+          <p:nvPicPr>
+            <p:cNvPr id="68" name="図 67" descr="アイコン&#10;&#10;自動的に生成された説明">
+              <a:extLst>
+                <a:ext uri="{FF2B5EF4-FFF2-40B4-BE49-F238E27FC236}">
+                  <a16:creationId xmlns:a16="http://schemas.microsoft.com/office/drawing/2014/main" id="{7C33D9AC-E40F-C146-13E2-3483E9637616}"/>
+                </a:ext>
+              </a:extLst>
+            </p:cNvPr>
+            <p:cNvPicPr>
+              <a:picLocks noChangeAspect="1"/>
+            </p:cNvPicPr>
+            <p:nvPr/>
+          </p:nvPicPr>
+          <p:blipFill rotWithShape="1">
+            <a:blip r:embed="rId27" cstate="print">
+              <a:extLst>
+                <a:ext uri="{BEBA8EAE-BF5A-486C-A8C5-ECC9F3942E4B}">
+                  <a14:imgProps xmlns:a14="http://schemas.microsoft.com/office/drawing/2010/main">
+                    <a14:imgLayer r:embed="rId28">
+                      <a14:imgEffect>
+                        <a14:backgroundRemoval t="9766" b="89844" l="0" r="85821">
+                          <a14:backgroundMark x1="36567" y1="45313" x2="36567" y2="45313"/>
+                          <a14:backgroundMark x1="34328" y1="51172" x2="34328" y2="51172"/>
+                          <a14:backgroundMark x1="34328" y1="51172" x2="35075" y2="60156"/>
+                        </a14:backgroundRemoval>
+                      </a14:imgEffect>
+                    </a14:imgLayer>
+                  </a14:imgProps>
+                </a:ext>
+                <a:ext uri="{28A0092B-C50C-407E-A947-70E740481C1C}">
+                  <a14:useLocalDpi xmlns:a14="http://schemas.microsoft.com/office/drawing/2010/main"/>
+                </a:ext>
+              </a:extLst>
+            </a:blip>
+            <a:srcRect/>
+            <a:stretch/>
+          </p:blipFill>
+          <p:spPr>
+            <a:xfrm>
+              <a:off x="5060029" y="4533273"/>
+              <a:ext cx="214674" cy="360000"/>
+            </a:xfrm>
+            <a:prstGeom prst="rect">
+              <a:avLst/>
+            </a:prstGeom>
+          </p:spPr>
+        </p:pic>
+        <p:sp>
+          <p:nvSpPr>
+            <p:cNvPr id="76" name="テキスト ボックス 75">
+              <a:extLst>
+                <a:ext uri="{FF2B5EF4-FFF2-40B4-BE49-F238E27FC236}">
+                  <a16:creationId xmlns:a16="http://schemas.microsoft.com/office/drawing/2014/main" id="{DD60C5DA-9498-EEFC-D32A-14EC1D253A24}"/>
+                </a:ext>
+              </a:extLst>
+            </p:cNvPr>
+            <p:cNvSpPr txBox="1"/>
+            <p:nvPr/>
+          </p:nvSpPr>
+          <p:spPr>
+            <a:xfrm>
+              <a:off x="4669584" y="4592098"/>
+              <a:ext cx="538015" cy="241980"/>
+            </a:xfrm>
+            <a:prstGeom prst="rect">
+              <a:avLst/>
+            </a:prstGeom>
+            <a:noFill/>
+          </p:spPr>
+          <p:txBody>
+            <a:bodyPr vert="horz" wrap="square" lIns="0" tIns="36000" rIns="0" bIns="36000" rtlCol="0">
+              <a:spAutoFit/>
+            </a:bodyPr>
+            <a:lstStyle/>
+            <a:p>
+              <a:pPr algn="ctr"/>
+              <a:r>
+                <a:rPr kumimoji="1" lang="en-US" altLang="ja-JP" sz="1100" b="1" dirty="0">
+                  <a:solidFill>
+                    <a:schemeClr val="bg1">
+                      <a:lumMod val="50000"/>
+                    </a:schemeClr>
+                  </a:solidFill>
+                  <a:latin typeface="MigMix 2P" panose="020B0503020203020204" pitchFamily="50" charset="-128"/>
+                  <a:ea typeface="MigMix 2P" panose="020B0503020203020204" pitchFamily="50" charset="-128"/>
+                  <a:cs typeface="MigMix 2P" panose="020B0503020203020204" pitchFamily="50" charset="-128"/>
+                </a:rPr>
+                <a:t>SPACE</a:t>
+              </a:r>
+              <a:endParaRPr kumimoji="1" lang="ja-JP" altLang="en-US" sz="1100" b="1" dirty="0">
+                <a:solidFill>
+                  <a:schemeClr val="bg1">
+                    <a:lumMod val="50000"/>
+                  </a:schemeClr>
+                </a:solidFill>
+                <a:latin typeface="MigMix 2P" panose="020B0503020203020204" pitchFamily="50" charset="-128"/>
+                <a:ea typeface="MigMix 2P" panose="020B0503020203020204" pitchFamily="50" charset="-128"/>
+                <a:cs typeface="MigMix 2P" panose="020B0503020203020204" pitchFamily="50" charset="-128"/>
+              </a:endParaRPr>
+            </a:p>
+          </p:txBody>
+        </p:sp>
+        <p:pic>
+          <p:nvPicPr>
+            <p:cNvPr id="82" name="図 81" descr="アイコン&#10;&#10;自動的に生成された説明">
+              <a:extLst>
+                <a:ext uri="{FF2B5EF4-FFF2-40B4-BE49-F238E27FC236}">
+                  <a16:creationId xmlns:a16="http://schemas.microsoft.com/office/drawing/2014/main" id="{A403C568-DE5A-B55C-117A-071F3B207ECD}"/>
+                </a:ext>
+              </a:extLst>
+            </p:cNvPr>
+            <p:cNvPicPr>
+              <a:picLocks noChangeAspect="1"/>
+            </p:cNvPicPr>
+            <p:nvPr/>
+          </p:nvPicPr>
+          <p:blipFill rotWithShape="1">
+            <a:blip r:embed="rId27" cstate="print">
+              <a:extLst>
+                <a:ext uri="{BEBA8EAE-BF5A-486C-A8C5-ECC9F3942E4B}">
+                  <a14:imgProps xmlns:a14="http://schemas.microsoft.com/office/drawing/2010/main">
+                    <a14:imgLayer r:embed="rId28">
+                      <a14:imgEffect>
+                        <a14:backgroundRemoval t="9766" b="89844" l="0" r="85821">
+                          <a14:backgroundMark x1="36567" y1="45313" x2="36567" y2="45313"/>
+                          <a14:backgroundMark x1="34328" y1="51172" x2="34328" y2="51172"/>
+                          <a14:backgroundMark x1="34328" y1="51172" x2="35075" y2="60156"/>
+                        </a14:backgroundRemoval>
+                      </a14:imgEffect>
+                    </a14:imgLayer>
+                  </a14:imgProps>
+                </a:ext>
+                <a:ext uri="{28A0092B-C50C-407E-A947-70E740481C1C}">
+                  <a14:useLocalDpi xmlns:a14="http://schemas.microsoft.com/office/drawing/2010/main"/>
+                </a:ext>
+              </a:extLst>
+            </a:blip>
+            <a:srcRect r="48695"/>
+            <a:stretch/>
+          </p:blipFill>
+          <p:spPr>
+            <a:xfrm>
+              <a:off x="4869655" y="4532904"/>
+              <a:ext cx="190373" cy="360000"/>
+            </a:xfrm>
+            <a:prstGeom prst="rect">
+              <a:avLst/>
+            </a:prstGeom>
+          </p:spPr>
+        </p:pic>
       </p:grpSp>
     </p:spTree>
     <p:extLst>

--- a/Manual/PlayerControlForBIGTET_QuickReference_v0.3.1.pptx
+++ b/Manual/PlayerControlForBIGTET_QuickReference_v0.3.1.pptx
@@ -244,7 +244,7 @@
           <a:p>
             <a:fld id="{4D147478-9FC7-4D6E-AA3F-89E97F82598C}" type="datetimeFigureOut">
               <a:rPr kumimoji="1" lang="ja-JP" altLang="en-US" smtClean="0"/>
-              <a:t>2022/6/26</a:t>
+              <a:t>2022/6/28</a:t>
             </a:fld>
             <a:endParaRPr kumimoji="1" lang="ja-JP" altLang="en-US"/>
           </a:p>
@@ -446,7 +446,7 @@
           <a:p>
             <a:fld id="{4D147478-9FC7-4D6E-AA3F-89E97F82598C}" type="datetimeFigureOut">
               <a:rPr kumimoji="1" lang="ja-JP" altLang="en-US" smtClean="0"/>
-              <a:t>2022/6/26</a:t>
+              <a:t>2022/6/28</a:t>
             </a:fld>
             <a:endParaRPr kumimoji="1" lang="ja-JP" altLang="en-US"/>
           </a:p>
@@ -658,7 +658,7 @@
           <a:p>
             <a:fld id="{4D147478-9FC7-4D6E-AA3F-89E97F82598C}" type="datetimeFigureOut">
               <a:rPr kumimoji="1" lang="ja-JP" altLang="en-US" smtClean="0"/>
-              <a:t>2022/6/26</a:t>
+              <a:t>2022/6/28</a:t>
             </a:fld>
             <a:endParaRPr kumimoji="1" lang="ja-JP" altLang="en-US"/>
           </a:p>
@@ -860,7 +860,7 @@
           <a:p>
             <a:fld id="{4D147478-9FC7-4D6E-AA3F-89E97F82598C}" type="datetimeFigureOut">
               <a:rPr kumimoji="1" lang="ja-JP" altLang="en-US" smtClean="0"/>
-              <a:t>2022/6/26</a:t>
+              <a:t>2022/6/28</a:t>
             </a:fld>
             <a:endParaRPr kumimoji="1" lang="ja-JP" altLang="en-US"/>
           </a:p>
@@ -1104,7 +1104,7 @@
           <a:p>
             <a:fld id="{4D147478-9FC7-4D6E-AA3F-89E97F82598C}" type="datetimeFigureOut">
               <a:rPr kumimoji="1" lang="ja-JP" altLang="en-US" smtClean="0"/>
-              <a:t>2022/6/26</a:t>
+              <a:t>2022/6/28</a:t>
             </a:fld>
             <a:endParaRPr kumimoji="1" lang="ja-JP" altLang="en-US"/>
           </a:p>
@@ -1400,7 +1400,7 @@
           <a:p>
             <a:fld id="{4D147478-9FC7-4D6E-AA3F-89E97F82598C}" type="datetimeFigureOut">
               <a:rPr kumimoji="1" lang="ja-JP" altLang="en-US" smtClean="0"/>
-              <a:t>2022/6/26</a:t>
+              <a:t>2022/6/28</a:t>
             </a:fld>
             <a:endParaRPr kumimoji="1" lang="ja-JP" altLang="en-US"/>
           </a:p>
@@ -1831,7 +1831,7 @@
           <a:p>
             <a:fld id="{4D147478-9FC7-4D6E-AA3F-89E97F82598C}" type="datetimeFigureOut">
               <a:rPr kumimoji="1" lang="ja-JP" altLang="en-US" smtClean="0"/>
-              <a:t>2022/6/26</a:t>
+              <a:t>2022/6/28</a:t>
             </a:fld>
             <a:endParaRPr kumimoji="1" lang="ja-JP" altLang="en-US"/>
           </a:p>
@@ -1949,7 +1949,7 @@
           <a:p>
             <a:fld id="{4D147478-9FC7-4D6E-AA3F-89E97F82598C}" type="datetimeFigureOut">
               <a:rPr kumimoji="1" lang="ja-JP" altLang="en-US" smtClean="0"/>
-              <a:t>2022/6/26</a:t>
+              <a:t>2022/6/28</a:t>
             </a:fld>
             <a:endParaRPr kumimoji="1" lang="ja-JP" altLang="en-US"/>
           </a:p>
@@ -2044,7 +2044,7 @@
           <a:p>
             <a:fld id="{4D147478-9FC7-4D6E-AA3F-89E97F82598C}" type="datetimeFigureOut">
               <a:rPr kumimoji="1" lang="ja-JP" altLang="en-US" smtClean="0"/>
-              <a:t>2022/6/26</a:t>
+              <a:t>2022/6/28</a:t>
             </a:fld>
             <a:endParaRPr kumimoji="1" lang="ja-JP" altLang="en-US"/>
           </a:p>
@@ -2353,7 +2353,7 @@
           <a:p>
             <a:fld id="{4D147478-9FC7-4D6E-AA3F-89E97F82598C}" type="datetimeFigureOut">
               <a:rPr kumimoji="1" lang="ja-JP" altLang="en-US" smtClean="0"/>
-              <a:t>2022/6/26</a:t>
+              <a:t>2022/6/28</a:t>
             </a:fld>
             <a:endParaRPr kumimoji="1" lang="ja-JP" altLang="en-US"/>
           </a:p>
@@ -2610,7 +2610,7 @@
           <a:p>
             <a:fld id="{4D147478-9FC7-4D6E-AA3F-89E97F82598C}" type="datetimeFigureOut">
               <a:rPr kumimoji="1" lang="ja-JP" altLang="en-US" smtClean="0"/>
-              <a:t>2022/6/26</a:t>
+              <a:t>2022/6/28</a:t>
             </a:fld>
             <a:endParaRPr kumimoji="1" lang="ja-JP" altLang="en-US"/>
           </a:p>
@@ -2855,7 +2855,7 @@
           <a:p>
             <a:fld id="{4D147478-9FC7-4D6E-AA3F-89E97F82598C}" type="datetimeFigureOut">
               <a:rPr kumimoji="1" lang="ja-JP" altLang="en-US" smtClean="0"/>
-              <a:t>2022/6/26</a:t>
+              <a:t>2022/6/28</a:t>
             </a:fld>
             <a:endParaRPr kumimoji="1" lang="ja-JP" altLang="en-US"/>
           </a:p>
@@ -3338,8 +3338,8 @@
         </p:nvSpPr>
         <p:spPr>
           <a:xfrm>
-            <a:off x="1210784" y="4400600"/>
-            <a:ext cx="2993636" cy="610471"/>
+            <a:off x="1148788" y="4354772"/>
+            <a:ext cx="2993636" cy="656299"/>
           </a:xfrm>
           <a:prstGeom prst="roundRect">
             <a:avLst>
@@ -3392,8 +3392,8 @@
         </p:nvSpPr>
         <p:spPr>
           <a:xfrm>
-            <a:off x="4454642" y="2767799"/>
-            <a:ext cx="2881086" cy="2243272"/>
+            <a:off x="4392646" y="2705799"/>
+            <a:ext cx="2881086" cy="2305272"/>
           </a:xfrm>
           <a:prstGeom prst="roundRect">
             <a:avLst>
@@ -3732,7 +3732,7 @@
         </p:blipFill>
         <p:spPr>
           <a:xfrm>
-            <a:off x="1227826" y="2776365"/>
+            <a:off x="1165830" y="2714365"/>
             <a:ext cx="2993637" cy="1577903"/>
           </a:xfrm>
           <a:prstGeom prst="rect">
@@ -3774,7 +3774,7 @@
         </p:blipFill>
         <p:spPr>
           <a:xfrm>
-            <a:off x="6390649" y="4488416"/>
+            <a:off x="6328653" y="4488416"/>
             <a:ext cx="811606" cy="434838"/>
           </a:xfrm>
           <a:prstGeom prst="rect">
@@ -3811,7 +3811,7 @@
         </p:blipFill>
         <p:spPr>
           <a:xfrm>
-            <a:off x="1227826" y="859370"/>
+            <a:off x="1165830" y="859370"/>
             <a:ext cx="2993637" cy="1577903"/>
           </a:xfrm>
           <a:prstGeom prst="rect">
@@ -3840,7 +3840,7 @@
         </p:nvSpPr>
         <p:spPr>
           <a:xfrm>
-            <a:off x="1672051" y="1087664"/>
+            <a:off x="1610055" y="1087664"/>
             <a:ext cx="2529568" cy="227239"/>
           </a:xfrm>
           <a:prstGeom prst="rect">
@@ -3967,7 +3967,7 @@
         </p:nvSpPr>
         <p:spPr>
           <a:xfrm>
-            <a:off x="1602891" y="517333"/>
+            <a:off x="1540895" y="517333"/>
             <a:ext cx="1700202" cy="258362"/>
           </a:xfrm>
           <a:prstGeom prst="roundRect">
@@ -4071,7 +4071,7 @@
         </p:blipFill>
         <p:spPr>
           <a:xfrm>
-            <a:off x="2999325" y="544629"/>
+            <a:off x="2937329" y="544629"/>
             <a:ext cx="203773" cy="203771"/>
           </a:xfrm>
           <a:prstGeom prst="rect">
@@ -4093,7 +4093,7 @@
         </p:nvGrpSpPr>
         <p:grpSpPr>
           <a:xfrm>
-            <a:off x="4460376" y="864167"/>
+            <a:off x="4398380" y="864167"/>
             <a:ext cx="2825525" cy="1576800"/>
             <a:chOff x="1910793" y="1831048"/>
             <a:chExt cx="2602430" cy="1444980"/>
@@ -4191,7 +4191,7 @@
         </p:nvSpPr>
         <p:spPr>
           <a:xfrm>
-            <a:off x="6747318" y="1739606"/>
+            <a:off x="6685322" y="1739606"/>
             <a:ext cx="318147" cy="225501"/>
           </a:xfrm>
           <a:prstGeom prst="roundRect">
@@ -4261,7 +4261,7 @@
         </p:nvSpPr>
         <p:spPr>
           <a:xfrm>
-            <a:off x="5955279" y="1742923"/>
+            <a:off x="5893283" y="1742923"/>
             <a:ext cx="547501" cy="225501"/>
           </a:xfrm>
           <a:prstGeom prst="roundRect">
@@ -4331,7 +4331,7 @@
         </p:nvSpPr>
         <p:spPr>
           <a:xfrm>
-            <a:off x="6170283" y="2173005"/>
+            <a:off x="6108287" y="2173005"/>
             <a:ext cx="662742" cy="225501"/>
           </a:xfrm>
           <a:prstGeom prst="roundRect">
@@ -4401,7 +4401,7 @@
         </p:nvSpPr>
         <p:spPr>
           <a:xfrm>
-            <a:off x="2093252" y="1644470"/>
+            <a:off x="2031256" y="1644470"/>
             <a:ext cx="1518983" cy="439099"/>
           </a:xfrm>
           <a:prstGeom prst="roundRect">
@@ -4488,7 +4488,7 @@
         </p:nvSpPr>
         <p:spPr>
           <a:xfrm>
-            <a:off x="1307377" y="1371121"/>
+            <a:off x="1245381" y="1371121"/>
             <a:ext cx="759279" cy="139725"/>
           </a:xfrm>
           <a:prstGeom prst="rect">
@@ -4617,7 +4617,7 @@
         </p:nvCxnSpPr>
         <p:spPr>
           <a:xfrm flipV="1">
-            <a:off x="6083197" y="1587411"/>
+            <a:off x="6021201" y="1587411"/>
             <a:ext cx="87086" cy="170490"/>
           </a:xfrm>
           <a:prstGeom prst="straightConnector1">
@@ -4663,7 +4663,7 @@
         </p:nvCxnSpPr>
         <p:spPr>
           <a:xfrm flipH="1" flipV="1">
-            <a:off x="6735588" y="1589973"/>
+            <a:off x="6673592" y="1589973"/>
             <a:ext cx="48844" cy="149633"/>
           </a:xfrm>
           <a:prstGeom prst="straightConnector1">
@@ -4710,7 +4710,7 @@
         </p:nvCxnSpPr>
         <p:spPr>
           <a:xfrm>
-            <a:off x="6833025" y="2285756"/>
+            <a:off x="6771029" y="2285756"/>
             <a:ext cx="169286" cy="0"/>
           </a:xfrm>
           <a:prstGeom prst="straightConnector1">
@@ -4754,7 +4754,7 @@
         </p:nvSpPr>
         <p:spPr>
           <a:xfrm rot="5400000">
-            <a:off x="1792003" y="1525147"/>
+            <a:off x="1730007" y="1525147"/>
             <a:ext cx="307481" cy="295017"/>
           </a:xfrm>
           <a:prstGeom prst="bentUpArrow">
@@ -4816,7 +4816,7 @@
         </p:nvSpPr>
         <p:spPr>
           <a:xfrm rot="5400000" flipV="1">
-            <a:off x="3930674" y="1356024"/>
+            <a:off x="3868678" y="1356024"/>
             <a:ext cx="170489" cy="807368"/>
           </a:xfrm>
           <a:prstGeom prst="downArrow">
@@ -4877,7 +4877,7 @@
         </p:nvSpPr>
         <p:spPr>
           <a:xfrm>
-            <a:off x="4483918" y="1060426"/>
+            <a:off x="4421922" y="1060426"/>
             <a:ext cx="2423006" cy="333399"/>
           </a:xfrm>
           <a:prstGeom prst="rect">
@@ -5004,7 +5004,7 @@
         </p:nvSpPr>
         <p:spPr>
           <a:xfrm rot="10800000" flipV="1">
-            <a:off x="5145402" y="771798"/>
+            <a:off x="5083406" y="771798"/>
             <a:ext cx="155121" cy="283795"/>
           </a:xfrm>
           <a:prstGeom prst="downArrow">
@@ -5065,7 +5065,7 @@
         </p:nvSpPr>
         <p:spPr>
           <a:xfrm>
-            <a:off x="4602576" y="517333"/>
+            <a:off x="4540580" y="517333"/>
             <a:ext cx="2445201" cy="258362"/>
           </a:xfrm>
           <a:prstGeom prst="roundRect">
@@ -5145,7 +5145,7 @@
         </p:nvSpPr>
         <p:spPr>
           <a:xfrm rot="10800000" flipV="1">
-            <a:off x="1759264" y="771798"/>
+            <a:off x="1697268" y="771798"/>
             <a:ext cx="139568" cy="315865"/>
           </a:xfrm>
           <a:prstGeom prst="downArrow">
@@ -5230,7 +5230,7 @@
         </p:blipFill>
         <p:spPr>
           <a:xfrm>
-            <a:off x="6757513" y="544629"/>
+            <a:off x="6695517" y="544629"/>
             <a:ext cx="203773" cy="203771"/>
           </a:xfrm>
           <a:prstGeom prst="rect">
@@ -5252,7 +5252,7 @@
         </p:nvSpPr>
         <p:spPr>
           <a:xfrm>
-            <a:off x="269243" y="621190"/>
+            <a:off x="287470" y="621190"/>
             <a:ext cx="615553" cy="1615213"/>
           </a:xfrm>
           <a:prstGeom prst="rect">
@@ -5297,7 +5297,7 @@
         </p:nvSpPr>
         <p:spPr>
           <a:xfrm>
-            <a:off x="282447" y="3001074"/>
+            <a:off x="287470" y="3001074"/>
             <a:ext cx="615553" cy="1615213"/>
           </a:xfrm>
           <a:prstGeom prst="rect">
@@ -5342,7 +5342,7 @@
         </p:nvGrpSpPr>
         <p:grpSpPr>
           <a:xfrm>
-            <a:off x="4918332" y="2796445"/>
+            <a:off x="4856336" y="2796445"/>
             <a:ext cx="1953707" cy="338554"/>
             <a:chOff x="4991308" y="2743798"/>
             <a:chExt cx="1953707" cy="338554"/>
@@ -5471,7 +5471,7 @@
         </p:nvGrpSpPr>
         <p:grpSpPr>
           <a:xfrm>
-            <a:off x="4615707" y="3197077"/>
+            <a:off x="4553711" y="3197077"/>
             <a:ext cx="1846112" cy="360000"/>
             <a:chOff x="4626521" y="3087970"/>
             <a:chExt cx="1846112" cy="360000"/>
@@ -5630,7 +5630,7 @@
         </p:nvGrpSpPr>
         <p:grpSpPr>
           <a:xfrm>
-            <a:off x="4615707" y="3642353"/>
+            <a:off x="4553711" y="3642353"/>
             <a:ext cx="2720020" cy="360000"/>
             <a:chOff x="4626521" y="3431668"/>
             <a:chExt cx="2720020" cy="360000"/>
@@ -5813,7 +5813,7 @@
         </p:nvGrpSpPr>
         <p:grpSpPr>
           <a:xfrm>
-            <a:off x="4669584" y="4087629"/>
+            <a:off x="4607588" y="4087629"/>
             <a:ext cx="2666143" cy="360000"/>
             <a:chOff x="4680398" y="3775367"/>
             <a:chExt cx="2666143" cy="360000"/>
@@ -5996,7 +5996,7 @@
         </p:nvSpPr>
         <p:spPr>
           <a:xfrm>
-            <a:off x="5381819" y="4592098"/>
+            <a:off x="5319823" y="4592098"/>
             <a:ext cx="1080000" cy="241980"/>
           </a:xfrm>
           <a:prstGeom prst="rect">
@@ -6040,7 +6040,7 @@
         </p:nvSpPr>
         <p:spPr>
           <a:xfrm rot="5400000" flipV="1">
-            <a:off x="6161824" y="4611733"/>
+            <a:off x="6099828" y="4611733"/>
             <a:ext cx="167317" cy="199790"/>
           </a:xfrm>
           <a:prstGeom prst="downArrow">
@@ -6101,7 +6101,7 @@
         </p:nvGrpSpPr>
         <p:grpSpPr>
           <a:xfrm>
-            <a:off x="1321755" y="4552876"/>
+            <a:off x="1207614" y="4356559"/>
             <a:ext cx="1312518" cy="307777"/>
             <a:chOff x="1540460" y="4606024"/>
             <a:chExt cx="1312518" cy="307777"/>
@@ -6208,202 +6208,181 @@
           </p:txBody>
         </p:sp>
       </p:grpSp>
-      <p:grpSp>
-        <p:nvGrpSpPr>
-          <p:cNvPr id="94" name="グループ化 93">
+      <p:sp>
+        <p:nvSpPr>
+          <p:cNvPr id="92" name="吹き出し: 線 91">
             <a:extLst>
               <a:ext uri="{FF2B5EF4-FFF2-40B4-BE49-F238E27FC236}">
-                <a16:creationId xmlns:a16="http://schemas.microsoft.com/office/drawing/2014/main" id="{A27D6283-F0EF-5BFB-E1A9-89E59D5B6F8E}"/>
+                <a16:creationId xmlns:a16="http://schemas.microsoft.com/office/drawing/2014/main" id="{373B8D91-C77B-E6A6-A313-A811EA938CF6}"/>
               </a:ext>
             </a:extLst>
           </p:cNvPr>
-          <p:cNvGrpSpPr/>
+          <p:cNvSpPr/>
           <p:nvPr/>
-        </p:nvGrpSpPr>
-        <p:grpSpPr>
+        </p:nvSpPr>
+        <p:spPr>
           <a:xfrm>
-            <a:off x="2774669" y="4453792"/>
-            <a:ext cx="1241249" cy="504086"/>
-            <a:chOff x="2774669" y="4487183"/>
-            <a:chExt cx="1241249" cy="504086"/>
+            <a:off x="2842562" y="4427350"/>
+            <a:ext cx="743146" cy="226591"/>
           </a:xfrm>
-        </p:grpSpPr>
-        <p:sp>
-          <p:nvSpPr>
-            <p:cNvPr id="92" name="吹き出し: 線 91">
-              <a:extLst>
-                <a:ext uri="{FF2B5EF4-FFF2-40B4-BE49-F238E27FC236}">
-                  <a16:creationId xmlns:a16="http://schemas.microsoft.com/office/drawing/2014/main" id="{373B8D91-C77B-E6A6-A313-A811EA938CF6}"/>
-                </a:ext>
-              </a:extLst>
-            </p:cNvPr>
-            <p:cNvSpPr/>
-            <p:nvPr/>
-          </p:nvSpPr>
-          <p:spPr>
-            <a:xfrm>
-              <a:off x="2774669" y="4487183"/>
-              <a:ext cx="743146" cy="226591"/>
-            </a:xfrm>
-            <a:prstGeom prst="borderCallout1">
-              <a:avLst>
-                <a:gd name="adj1" fmla="val 9730"/>
-                <a:gd name="adj2" fmla="val 20152"/>
-                <a:gd name="adj3" fmla="val -197179"/>
-                <a:gd name="adj4" fmla="val 57368"/>
-              </a:avLst>
-            </a:prstGeom>
+          <a:prstGeom prst="borderCallout1">
+            <a:avLst>
+              <a:gd name="adj1" fmla="val 9730"/>
+              <a:gd name="adj2" fmla="val 20152"/>
+              <a:gd name="adj3" fmla="val -183499"/>
+              <a:gd name="adj4" fmla="val 33906"/>
+            </a:avLst>
+          </a:prstGeom>
+          <a:solidFill>
+            <a:srgbClr val="FFD966">
+              <a:alpha val="69804"/>
+            </a:srgbClr>
+          </a:solidFill>
+          <a:ln w="19050">
             <a:solidFill>
               <a:srgbClr val="FFD966">
                 <a:alpha val="69804"/>
               </a:srgbClr>
             </a:solidFill>
-            <a:ln w="19050">
-              <a:solidFill>
-                <a:srgbClr val="FFD966">
-                  <a:alpha val="69804"/>
-                </a:srgbClr>
-              </a:solidFill>
-            </a:ln>
-          </p:spPr>
-          <p:style>
-            <a:lnRef idx="2">
-              <a:schemeClr val="accent1">
-                <a:shade val="50000"/>
-              </a:schemeClr>
-            </a:lnRef>
-            <a:fillRef idx="1">
-              <a:schemeClr val="accent1"/>
-            </a:fillRef>
-            <a:effectRef idx="0">
-              <a:schemeClr val="accent1"/>
-            </a:effectRef>
-            <a:fontRef idx="minor">
-              <a:schemeClr val="lt1"/>
-            </a:fontRef>
-          </p:style>
-          <p:txBody>
-            <a:bodyPr wrap="square" lIns="36000" tIns="36000" rIns="36000" bIns="36000" rtlCol="0" anchor="ctr">
-              <a:spAutoFit/>
-            </a:bodyPr>
-            <a:lstStyle/>
-            <a:p>
-              <a:pPr algn="ctr"/>
-              <a:r>
-                <a:rPr kumimoji="1" lang="ja-JP" altLang="en-US" sz="1000" b="1" dirty="0">
-                  <a:solidFill>
-                    <a:schemeClr val="accent4">
-                      <a:lumMod val="75000"/>
-                    </a:schemeClr>
-                  </a:solidFill>
-                  <a:latin typeface="MigMix 2P" panose="020B0503020203020204" pitchFamily="50" charset="-128"/>
-                  <a:ea typeface="MigMix 2P" panose="020B0503020203020204" pitchFamily="50" charset="-128"/>
-                  <a:cs typeface="MigMix 2P" panose="020B0503020203020204" pitchFamily="50" charset="-128"/>
-                </a:rPr>
-                <a:t>スコア入力</a:t>
-              </a:r>
-            </a:p>
-          </p:txBody>
-        </p:sp>
-        <p:sp>
-          <p:nvSpPr>
-            <p:cNvPr id="93" name="吹き出し: 線 92">
-              <a:extLst>
-                <a:ext uri="{FF2B5EF4-FFF2-40B4-BE49-F238E27FC236}">
-                  <a16:creationId xmlns:a16="http://schemas.microsoft.com/office/drawing/2014/main" id="{573388DD-3057-FD07-DE8B-1C8726C899BE}"/>
-                </a:ext>
-              </a:extLst>
-            </p:cNvPr>
-            <p:cNvSpPr/>
-            <p:nvPr/>
-          </p:nvSpPr>
-          <p:spPr>
-            <a:xfrm>
-              <a:off x="2774669" y="4764678"/>
-              <a:ext cx="1241249" cy="226591"/>
-            </a:xfrm>
-            <a:prstGeom prst="borderCallout1">
-              <a:avLst>
-                <a:gd name="adj1" fmla="val 9730"/>
-                <a:gd name="adj2" fmla="val 88192"/>
-                <a:gd name="adj3" fmla="val -305072"/>
-                <a:gd name="adj4" fmla="val 81668"/>
-              </a:avLst>
-            </a:prstGeom>
+          </a:ln>
+        </p:spPr>
+        <p:style>
+          <a:lnRef idx="2">
+            <a:schemeClr val="accent1">
+              <a:shade val="50000"/>
+            </a:schemeClr>
+          </a:lnRef>
+          <a:fillRef idx="1">
+            <a:schemeClr val="accent1"/>
+          </a:fillRef>
+          <a:effectRef idx="0">
+            <a:schemeClr val="accent1"/>
+          </a:effectRef>
+          <a:fontRef idx="minor">
+            <a:schemeClr val="lt1"/>
+          </a:fontRef>
+        </p:style>
+        <p:txBody>
+          <a:bodyPr wrap="square" lIns="36000" tIns="36000" rIns="36000" bIns="36000" rtlCol="0" anchor="ctr">
+            <a:spAutoFit/>
+          </a:bodyPr>
+          <a:lstStyle/>
+          <a:p>
+            <a:pPr algn="ctr"/>
+            <a:r>
+              <a:rPr kumimoji="1" lang="ja-JP" altLang="en-US" sz="1000" b="1" dirty="0">
+                <a:solidFill>
+                  <a:schemeClr val="accent4">
+                    <a:lumMod val="75000"/>
+                  </a:schemeClr>
+                </a:solidFill>
+                <a:latin typeface="MigMix 2P" panose="020B0503020203020204" pitchFamily="50" charset="-128"/>
+                <a:ea typeface="MigMix 2P" panose="020B0503020203020204" pitchFamily="50" charset="-128"/>
+                <a:cs typeface="MigMix 2P" panose="020B0503020203020204" pitchFamily="50" charset="-128"/>
+              </a:rPr>
+              <a:t>スコア入力</a:t>
+            </a:r>
+          </a:p>
+        </p:txBody>
+      </p:sp>
+      <p:sp>
+        <p:nvSpPr>
+          <p:cNvPr id="93" name="吹き出し: 線 92">
+            <a:extLst>
+              <a:ext uri="{FF2B5EF4-FFF2-40B4-BE49-F238E27FC236}">
+                <a16:creationId xmlns:a16="http://schemas.microsoft.com/office/drawing/2014/main" id="{573388DD-3057-FD07-DE8B-1C8726C899BE}"/>
+              </a:ext>
+            </a:extLst>
+          </p:cNvPr>
+          <p:cNvSpPr/>
+          <p:nvPr/>
+        </p:nvSpPr>
+        <p:spPr>
+          <a:xfrm>
+            <a:off x="2838592" y="4729220"/>
+            <a:ext cx="1241249" cy="226591"/>
+          </a:xfrm>
+          <a:prstGeom prst="borderCallout1">
+            <a:avLst>
+              <a:gd name="adj1" fmla="val 9730"/>
+              <a:gd name="adj2" fmla="val 88192"/>
+              <a:gd name="adj3" fmla="val -305072"/>
+              <a:gd name="adj4" fmla="val 81668"/>
+            </a:avLst>
+          </a:prstGeom>
+          <a:solidFill>
+            <a:srgbClr val="FFD966">
+              <a:alpha val="69804"/>
+            </a:srgbClr>
+          </a:solidFill>
+          <a:ln w="19050">
             <a:solidFill>
               <a:srgbClr val="FFD966">
                 <a:alpha val="69804"/>
               </a:srgbClr>
             </a:solidFill>
-            <a:ln w="19050">
-              <a:solidFill>
-                <a:srgbClr val="FFD966">
-                  <a:alpha val="69804"/>
-                </a:srgbClr>
-              </a:solidFill>
-            </a:ln>
-          </p:spPr>
-          <p:style>
-            <a:lnRef idx="2">
-              <a:schemeClr val="accent1">
-                <a:shade val="50000"/>
-              </a:schemeClr>
-            </a:lnRef>
-            <a:fillRef idx="1">
-              <a:schemeClr val="accent1"/>
-            </a:fillRef>
-            <a:effectRef idx="0">
-              <a:schemeClr val="accent1"/>
-            </a:effectRef>
-            <a:fontRef idx="minor">
-              <a:schemeClr val="lt1"/>
-            </a:fontRef>
-          </p:style>
-          <p:txBody>
-            <a:bodyPr wrap="square" lIns="36000" tIns="36000" rIns="36000" bIns="36000" rtlCol="0" anchor="ctr">
-              <a:spAutoFit/>
-            </a:bodyPr>
-            <a:lstStyle/>
-            <a:p>
-              <a:pPr marL="0" algn="ctr" rtl="0" eaLnBrk="1" latinLnBrk="0" hangingPunct="1">
-                <a:spcBef>
-                  <a:spcPts val="0"/>
-                </a:spcBef>
-                <a:spcAft>
-                  <a:spcPts val="0"/>
-                </a:spcAft>
-              </a:pPr>
-              <a:r>
-                <a:rPr kumimoji="1" lang="en-US" altLang="ja-JP" sz="1000" b="1" kern="1200" dirty="0">
-                  <a:solidFill>
-                    <a:srgbClr val="BF9000"/>
-                  </a:solidFill>
-                  <a:effectLst/>
-                  <a:latin typeface="MigMix 2P" panose="020B0503020203020204" pitchFamily="50" charset="-128"/>
-                  <a:ea typeface="MigMix 2P" panose="020B0503020203020204" pitchFamily="50" charset="-128"/>
-                  <a:cs typeface="MigMix 2P" panose="020B0503020203020204" pitchFamily="50" charset="-128"/>
-                </a:rPr>
-                <a:t>1P / 2P </a:t>
-              </a:r>
-              <a:r>
-                <a:rPr kumimoji="1" lang="ja-JP" altLang="ja-JP" sz="1000" b="1" kern="1200" dirty="0">
-                  <a:solidFill>
-                    <a:srgbClr val="BF9000"/>
-                  </a:solidFill>
-                  <a:effectLst/>
-                  <a:latin typeface="MigMix 2P" panose="020B0503020203020204" pitchFamily="50" charset="-128"/>
-                  <a:ea typeface="MigMix 2P" panose="020B0503020203020204" pitchFamily="50" charset="-128"/>
-                  <a:cs typeface="MigMix 2P" panose="020B0503020203020204" pitchFamily="50" charset="-128"/>
-                </a:rPr>
-                <a:t>切替ボタン</a:t>
-              </a:r>
-              <a:endParaRPr lang="ja-JP" altLang="ja-JP" sz="1000" dirty="0">
+          </a:ln>
+        </p:spPr>
+        <p:style>
+          <a:lnRef idx="2">
+            <a:schemeClr val="accent1">
+              <a:shade val="50000"/>
+            </a:schemeClr>
+          </a:lnRef>
+          <a:fillRef idx="1">
+            <a:schemeClr val="accent1"/>
+          </a:fillRef>
+          <a:effectRef idx="0">
+            <a:schemeClr val="accent1"/>
+          </a:effectRef>
+          <a:fontRef idx="minor">
+            <a:schemeClr val="lt1"/>
+          </a:fontRef>
+        </p:style>
+        <p:txBody>
+          <a:bodyPr wrap="square" lIns="36000" tIns="36000" rIns="36000" bIns="36000" rtlCol="0" anchor="ctr">
+            <a:spAutoFit/>
+          </a:bodyPr>
+          <a:lstStyle/>
+          <a:p>
+            <a:pPr marL="0" algn="ctr" rtl="0" eaLnBrk="1" latinLnBrk="0" hangingPunct="1">
+              <a:spcBef>
+                <a:spcPts val="0"/>
+              </a:spcBef>
+              <a:spcAft>
+                <a:spcPts val="0"/>
+              </a:spcAft>
+            </a:pPr>
+            <a:r>
+              <a:rPr kumimoji="1" lang="en-US" altLang="ja-JP" sz="1000" b="1" kern="1200" dirty="0">
+                <a:solidFill>
+                  <a:srgbClr val="BF9000"/>
+                </a:solidFill>
                 <a:effectLst/>
-              </a:endParaRPr>
-            </a:p>
-          </p:txBody>
-        </p:sp>
-      </p:grpSp>
+                <a:latin typeface="MigMix 2P" panose="020B0503020203020204" pitchFamily="50" charset="-128"/>
+                <a:ea typeface="MigMix 2P" panose="020B0503020203020204" pitchFamily="50" charset="-128"/>
+                <a:cs typeface="MigMix 2P" panose="020B0503020203020204" pitchFamily="50" charset="-128"/>
+              </a:rPr>
+              <a:t>1P / 2P </a:t>
+            </a:r>
+            <a:r>
+              <a:rPr kumimoji="1" lang="ja-JP" altLang="ja-JP" sz="1000" b="1" kern="1200" dirty="0">
+                <a:solidFill>
+                  <a:srgbClr val="BF9000"/>
+                </a:solidFill>
+                <a:effectLst/>
+                <a:latin typeface="MigMix 2P" panose="020B0503020203020204" pitchFamily="50" charset="-128"/>
+                <a:ea typeface="MigMix 2P" panose="020B0503020203020204" pitchFamily="50" charset="-128"/>
+                <a:cs typeface="MigMix 2P" panose="020B0503020203020204" pitchFamily="50" charset="-128"/>
+              </a:rPr>
+              <a:t>切替ボタン</a:t>
+            </a:r>
+            <a:endParaRPr lang="ja-JP" altLang="ja-JP" sz="1000" dirty="0">
+              <a:effectLst/>
+            </a:endParaRPr>
+          </a:p>
+        </p:txBody>
+      </p:sp>
       <p:sp>
         <p:nvSpPr>
           <p:cNvPr id="96" name="正方形/長方形 95">
@@ -6815,7 +6794,7 @@
         </p:nvGrpSpPr>
         <p:grpSpPr>
           <a:xfrm>
-            <a:off x="4615707" y="4532904"/>
+            <a:off x="4553711" y="4532904"/>
             <a:ext cx="658996" cy="360369"/>
             <a:chOff x="4615707" y="4532904"/>
             <a:chExt cx="658996" cy="360369"/>
@@ -7021,6 +7000,111 @@
           </p:spPr>
         </p:pic>
       </p:grpSp>
+      <p:sp>
+        <p:nvSpPr>
+          <p:cNvPr id="72" name="吹き出し: 線 71">
+            <a:extLst>
+              <a:ext uri="{FF2B5EF4-FFF2-40B4-BE49-F238E27FC236}">
+                <a16:creationId xmlns:a16="http://schemas.microsoft.com/office/drawing/2014/main" id="{BDC8BF08-C6D7-FB32-1C76-1678D66CAB9A}"/>
+              </a:ext>
+            </a:extLst>
+          </p:cNvPr>
+          <p:cNvSpPr/>
+          <p:nvPr/>
+        </p:nvSpPr>
+        <p:spPr>
+          <a:xfrm>
+            <a:off x="1507971" y="4729220"/>
+            <a:ext cx="1283011" cy="226591"/>
+          </a:xfrm>
+          <a:prstGeom prst="borderCallout1">
+            <a:avLst>
+              <a:gd name="adj1" fmla="val -5660"/>
+              <a:gd name="adj2" fmla="val 96392"/>
+              <a:gd name="adj3" fmla="val -344401"/>
+              <a:gd name="adj4" fmla="val 78078"/>
+            </a:avLst>
+          </a:prstGeom>
+          <a:solidFill>
+            <a:srgbClr val="FFD966">
+              <a:alpha val="69804"/>
+            </a:srgbClr>
+          </a:solidFill>
+          <a:ln w="19050">
+            <a:solidFill>
+              <a:srgbClr val="FFD966">
+                <a:alpha val="69804"/>
+              </a:srgbClr>
+            </a:solidFill>
+          </a:ln>
+        </p:spPr>
+        <p:style>
+          <a:lnRef idx="2">
+            <a:schemeClr val="accent1">
+              <a:shade val="50000"/>
+            </a:schemeClr>
+          </a:lnRef>
+          <a:fillRef idx="1">
+            <a:schemeClr val="accent1"/>
+          </a:fillRef>
+          <a:effectRef idx="0">
+            <a:schemeClr val="accent1"/>
+          </a:effectRef>
+          <a:fontRef idx="minor">
+            <a:schemeClr val="lt1"/>
+          </a:fontRef>
+        </p:style>
+        <p:txBody>
+          <a:bodyPr wrap="square" lIns="36000" tIns="36000" rIns="36000" bIns="36000" rtlCol="0" anchor="ctr">
+            <a:spAutoFit/>
+          </a:bodyPr>
+          <a:lstStyle/>
+          <a:p>
+            <a:pPr algn="ctr"/>
+            <a:r>
+              <a:rPr kumimoji="1" lang="ja-JP" altLang="en-US" sz="1000" b="1" dirty="0">
+                <a:solidFill>
+                  <a:srgbClr val="BF9000"/>
+                </a:solidFill>
+                <a:latin typeface="MigMix 2P" panose="020B0503020203020204" pitchFamily="50" charset="-128"/>
+                <a:ea typeface="MigMix 2P" panose="020B0503020203020204" pitchFamily="50" charset="-128"/>
+                <a:cs typeface="MigMix 2P" panose="020B0503020203020204" pitchFamily="50" charset="-128"/>
+              </a:rPr>
+              <a:t>ドラッグ</a:t>
+            </a:r>
+            <a:r>
+              <a:rPr kumimoji="1" lang="en-US" altLang="ja-JP" sz="1000" b="1" dirty="0">
+                <a:solidFill>
+                  <a:srgbClr val="BF9000"/>
+                </a:solidFill>
+                <a:latin typeface="MigMix 2P" panose="020B0503020203020204" pitchFamily="50" charset="-128"/>
+                <a:ea typeface="MigMix 2P" panose="020B0503020203020204" pitchFamily="50" charset="-128"/>
+                <a:cs typeface="MigMix 2P" panose="020B0503020203020204" pitchFamily="50" charset="-128"/>
+              </a:rPr>
+              <a:t>:</a:t>
+            </a:r>
+            <a:r>
+              <a:rPr kumimoji="1" lang="ja-JP" altLang="en-US" sz="1000" b="1" dirty="0">
+                <a:solidFill>
+                  <a:srgbClr val="BF9000"/>
+                </a:solidFill>
+                <a:latin typeface="MigMix 2P" panose="020B0503020203020204" pitchFamily="50" charset="-128"/>
+                <a:ea typeface="MigMix 2P" panose="020B0503020203020204" pitchFamily="50" charset="-128"/>
+                <a:cs typeface="MigMix 2P" panose="020B0503020203020204" pitchFamily="50" charset="-128"/>
+              </a:rPr>
+              <a:t>並替え</a:t>
+            </a:r>
+            <a:endParaRPr kumimoji="1" lang="ja-JP" altLang="ja-JP" sz="1000" b="1" dirty="0">
+              <a:solidFill>
+                <a:srgbClr val="BF9000"/>
+              </a:solidFill>
+              <a:latin typeface="MigMix 2P" panose="020B0503020203020204" pitchFamily="50" charset="-128"/>
+              <a:ea typeface="MigMix 2P" panose="020B0503020203020204" pitchFamily="50" charset="-128"/>
+              <a:cs typeface="MigMix 2P" panose="020B0503020203020204" pitchFamily="50" charset="-128"/>
+            </a:endParaRPr>
+          </a:p>
+        </p:txBody>
+      </p:sp>
     </p:spTree>
     <p:extLst>
       <p:ext uri="{BB962C8B-B14F-4D97-AF65-F5344CB8AC3E}">
